--- a/logo.pptx
+++ b/logo.pptx
@@ -3350,10 +3350,10 @@
       </p:grpSpPr>
       <p:sp>
         <p:nvSpPr>
-          <p:cNvPr id="12" name="Rounded Rectangle 11">
-            <a:extLst>
-              <a:ext uri="{FF2B5EF4-FFF2-40B4-BE49-F238E27FC236}">
-                <a16:creationId xmlns:a16="http://schemas.microsoft.com/office/drawing/2014/main" id="{8FF36E9A-EF7B-674B-B20F-120AB20BC3B1}"/>
+          <p:cNvPr id="4" name="Rectangle 3">
+            <a:extLst>
+              <a:ext uri="{FF2B5EF4-FFF2-40B4-BE49-F238E27FC236}">
+                <a16:creationId xmlns:a16="http://schemas.microsoft.com/office/drawing/2014/main" id="{9C7B3B38-73F9-F2D0-63CE-D14C43F1D780}"/>
               </a:ext>
             </a:extLst>
           </p:cNvPr>
@@ -3362,25 +3362,20 @@
         </p:nvSpPr>
         <p:spPr>
           <a:xfrm>
-            <a:off x="3387582" y="0"/>
-            <a:ext cx="8907391" cy="6858000"/>
+            <a:off x="4515728" y="829993"/>
+            <a:ext cx="5705856" cy="5705856"/>
           </a:xfrm>
-          <a:prstGeom prst="roundRect">
-            <a:avLst>
-              <a:gd name="adj" fmla="val 1515"/>
-            </a:avLst>
+          <a:prstGeom prst="rect">
+            <a:avLst/>
           </a:prstGeom>
           <a:solidFill>
-            <a:srgbClr val="2E2726"/>
+            <a:schemeClr val="bg1"/>
           </a:solidFill>
-          <a:ln>
-            <a:noFill/>
-          </a:ln>
         </p:spPr>
         <p:style>
           <a:lnRef idx="2">
             <a:schemeClr val="accent1">
-              <a:shade val="50000"/>
+              <a:shade val="15000"/>
             </a:schemeClr>
           </a:lnRef>
           <a:fillRef idx="1">
@@ -3398,7 +3393,7 @@
           <a:lstStyle/>
           <a:p>
             <a:pPr algn="ctr"/>
-            <a:endParaRPr lang="en-VN"/>
+            <a:endParaRPr lang="en-US"/>
           </a:p>
         </p:txBody>
       </p:sp>
@@ -3434,10 +3429,10 @@
       </p:pic>
       <p:grpSp>
         <p:nvGrpSpPr>
-          <p:cNvPr id="15" name="Group 14">
-            <a:extLst>
-              <a:ext uri="{FF2B5EF4-FFF2-40B4-BE49-F238E27FC236}">
-                <a16:creationId xmlns:a16="http://schemas.microsoft.com/office/drawing/2014/main" id="{8556641B-3997-0447-AD0B-0F96F2ECAC71}"/>
+          <p:cNvPr id="3" name="Group 2">
+            <a:extLst>
+              <a:ext uri="{FF2B5EF4-FFF2-40B4-BE49-F238E27FC236}">
+                <a16:creationId xmlns:a16="http://schemas.microsoft.com/office/drawing/2014/main" id="{4612773C-FEFF-3AFC-7063-9A997052C8F1}"/>
               </a:ext>
             </a:extLst>
           </p:cNvPr>
@@ -3446,10 +3441,10 @@
         </p:nvGrpSpPr>
         <p:grpSpPr>
           <a:xfrm>
-            <a:off x="6475323" y="1675034"/>
-            <a:ext cx="3507932" cy="3507932"/>
-            <a:chOff x="5784349" y="778767"/>
-            <a:chExt cx="4276119" cy="4276119"/>
+            <a:off x="5614690" y="1428457"/>
+            <a:ext cx="3507932" cy="4508927"/>
+            <a:chOff x="6475323" y="1089064"/>
+            <a:chExt cx="3507932" cy="4508927"/>
           </a:xfrm>
         </p:grpSpPr>
         <p:sp>
@@ -3466,14 +3461,14 @@
           </p:nvSpPr>
           <p:spPr>
             <a:xfrm>
-              <a:off x="5784349" y="778767"/>
-              <a:ext cx="4276119" cy="4276119"/>
+              <a:off x="6475323" y="1675034"/>
+              <a:ext cx="3507932" cy="3507932"/>
             </a:xfrm>
             <a:prstGeom prst="ellipse">
               <a:avLst/>
             </a:prstGeom>
             <a:solidFill>
-              <a:srgbClr val="ECECEB"/>
+              <a:srgbClr val="EA6566"/>
             </a:solidFill>
             <a:ln>
               <a:noFill/>
@@ -3506,109 +3501,40 @@
         </p:sp>
         <p:sp>
           <p:nvSpPr>
-            <p:cNvPr id="9" name="Rounded Rectangle 8">
+            <p:cNvPr id="2" name="TextBox 1">
               <a:extLst>
                 <a:ext uri="{FF2B5EF4-FFF2-40B4-BE49-F238E27FC236}">
-                  <a16:creationId xmlns:a16="http://schemas.microsoft.com/office/drawing/2014/main" id="{D51E3CFD-32A5-DF4E-AC3D-B1D3EC9993B7}"/>
+                  <a16:creationId xmlns:a16="http://schemas.microsoft.com/office/drawing/2014/main" id="{8622AC7F-4ED8-E98E-420B-59DA6DAC88C0}"/>
                 </a:ext>
               </a:extLst>
             </p:cNvPr>
-            <p:cNvSpPr/>
+            <p:cNvSpPr txBox="1"/>
             <p:nvPr/>
           </p:nvSpPr>
           <p:spPr>
-            <a:xfrm rot="5400000">
-              <a:off x="6539500" y="2702744"/>
-              <a:ext cx="2712377" cy="563796"/>
+            <a:xfrm>
+              <a:off x="7212461" y="1089064"/>
+              <a:ext cx="1530850" cy="4508927"/>
             </a:xfrm>
-            <a:prstGeom prst="roundRect">
-              <a:avLst>
-                <a:gd name="adj" fmla="val 50000"/>
-              </a:avLst>
+            <a:prstGeom prst="rect">
+              <a:avLst/>
             </a:prstGeom>
-            <a:solidFill>
-              <a:srgbClr val="2E2726"/>
-            </a:solidFill>
-            <a:ln>
-              <a:noFill/>
-            </a:ln>
+            <a:noFill/>
           </p:spPr>
-          <p:style>
-            <a:lnRef idx="2">
-              <a:schemeClr val="accent1">
-                <a:shade val="50000"/>
-              </a:schemeClr>
-            </a:lnRef>
-            <a:fillRef idx="1">
-              <a:schemeClr val="accent1"/>
-            </a:fillRef>
-            <a:effectRef idx="0">
-              <a:schemeClr val="accent1"/>
-            </a:effectRef>
-            <a:fontRef idx="minor">
-              <a:schemeClr val="lt1"/>
-            </a:fontRef>
-          </p:style>
           <p:txBody>
-            <a:bodyPr rtlCol="0" anchor="ctr"/>
+            <a:bodyPr wrap="square" rtlCol="0">
+              <a:spAutoFit/>
+            </a:bodyPr>
             <a:lstStyle/>
             <a:p>
-              <a:pPr algn="ctr"/>
-              <a:endParaRPr lang="en-VN"/>
-            </a:p>
-          </p:txBody>
-        </p:sp>
-        <p:sp>
-          <p:nvSpPr>
-            <p:cNvPr id="14" name="Rounded Rectangle 13">
-              <a:extLst>
-                <a:ext uri="{FF2B5EF4-FFF2-40B4-BE49-F238E27FC236}">
-                  <a16:creationId xmlns:a16="http://schemas.microsoft.com/office/drawing/2014/main" id="{38AD5BE4-80F3-9F48-9A06-CAC4AB64DF7C}"/>
-                </a:ext>
-              </a:extLst>
-            </p:cNvPr>
-            <p:cNvSpPr/>
-            <p:nvPr/>
-          </p:nvSpPr>
-          <p:spPr>
-            <a:xfrm rot="10800000">
-              <a:off x="6539499" y="2702745"/>
-              <a:ext cx="2712377" cy="563796"/>
-            </a:xfrm>
-            <a:prstGeom prst="roundRect">
-              <a:avLst>
-                <a:gd name="adj" fmla="val 50000"/>
-              </a:avLst>
-            </a:prstGeom>
-            <a:solidFill>
-              <a:srgbClr val="2E2726"/>
-            </a:solidFill>
-            <a:ln>
-              <a:noFill/>
-            </a:ln>
-          </p:spPr>
-          <p:style>
-            <a:lnRef idx="2">
-              <a:schemeClr val="accent1">
-                <a:shade val="50000"/>
-              </a:schemeClr>
-            </a:lnRef>
-            <a:fillRef idx="1">
-              <a:schemeClr val="accent1"/>
-            </a:fillRef>
-            <a:effectRef idx="0">
-              <a:schemeClr val="accent1"/>
-            </a:effectRef>
-            <a:fontRef idx="minor">
-              <a:schemeClr val="lt1"/>
-            </a:fontRef>
-          </p:style>
-          <p:txBody>
-            <a:bodyPr rtlCol="0" anchor="ctr"/>
-            <a:lstStyle/>
-            <a:p>
-              <a:pPr algn="ctr"/>
-              <a:endParaRPr lang="en-VN"/>
+              <a:r>
+                <a:rPr lang="en-US" sz="28700" dirty="0">
+                  <a:solidFill>
+                    <a:schemeClr val="bg1"/>
+                  </a:solidFill>
+                </a:rPr>
+                <a:t>1</a:t>
+              </a:r>
             </a:p>
           </p:txBody>
         </p:sp>

--- a/logo.pptx
+++ b/logo.pptx
@@ -262,7 +262,7 @@
           <a:p>
             <a:fld id="{D5E8C49D-3947-054D-A87C-1567D1C262C1}" type="datetimeFigureOut">
               <a:rPr lang="en-VN" smtClean="0"/>
-              <a:t>12/5/23</a:t>
+              <a:t>12/7/23</a:t>
             </a:fld>
             <a:endParaRPr lang="en-VN"/>
           </a:p>
@@ -462,7 +462,7 @@
           <a:p>
             <a:fld id="{D5E8C49D-3947-054D-A87C-1567D1C262C1}" type="datetimeFigureOut">
               <a:rPr lang="en-VN" smtClean="0"/>
-              <a:t>12/5/23</a:t>
+              <a:t>12/7/23</a:t>
             </a:fld>
             <a:endParaRPr lang="en-VN"/>
           </a:p>
@@ -672,7 +672,7 @@
           <a:p>
             <a:fld id="{D5E8C49D-3947-054D-A87C-1567D1C262C1}" type="datetimeFigureOut">
               <a:rPr lang="en-VN" smtClean="0"/>
-              <a:t>12/5/23</a:t>
+              <a:t>12/7/23</a:t>
             </a:fld>
             <a:endParaRPr lang="en-VN"/>
           </a:p>
@@ -872,7 +872,7 @@
           <a:p>
             <a:fld id="{D5E8C49D-3947-054D-A87C-1567D1C262C1}" type="datetimeFigureOut">
               <a:rPr lang="en-VN" smtClean="0"/>
-              <a:t>12/5/23</a:t>
+              <a:t>12/7/23</a:t>
             </a:fld>
             <a:endParaRPr lang="en-VN"/>
           </a:p>
@@ -1148,7 +1148,7 @@
           <a:p>
             <a:fld id="{D5E8C49D-3947-054D-A87C-1567D1C262C1}" type="datetimeFigureOut">
               <a:rPr lang="en-VN" smtClean="0"/>
-              <a:t>12/5/23</a:t>
+              <a:t>12/7/23</a:t>
             </a:fld>
             <a:endParaRPr lang="en-VN"/>
           </a:p>
@@ -1416,7 +1416,7 @@
           <a:p>
             <a:fld id="{D5E8C49D-3947-054D-A87C-1567D1C262C1}" type="datetimeFigureOut">
               <a:rPr lang="en-VN" smtClean="0"/>
-              <a:t>12/5/23</a:t>
+              <a:t>12/7/23</a:t>
             </a:fld>
             <a:endParaRPr lang="en-VN"/>
           </a:p>
@@ -1831,7 +1831,7 @@
           <a:p>
             <a:fld id="{D5E8C49D-3947-054D-A87C-1567D1C262C1}" type="datetimeFigureOut">
               <a:rPr lang="en-VN" smtClean="0"/>
-              <a:t>12/5/23</a:t>
+              <a:t>12/7/23</a:t>
             </a:fld>
             <a:endParaRPr lang="en-VN"/>
           </a:p>
@@ -1973,7 +1973,7 @@
           <a:p>
             <a:fld id="{D5E8C49D-3947-054D-A87C-1567D1C262C1}" type="datetimeFigureOut">
               <a:rPr lang="en-VN" smtClean="0"/>
-              <a:t>12/5/23</a:t>
+              <a:t>12/7/23</a:t>
             </a:fld>
             <a:endParaRPr lang="en-VN"/>
           </a:p>
@@ -2086,7 +2086,7 @@
           <a:p>
             <a:fld id="{D5E8C49D-3947-054D-A87C-1567D1C262C1}" type="datetimeFigureOut">
               <a:rPr lang="en-VN" smtClean="0"/>
-              <a:t>12/5/23</a:t>
+              <a:t>12/7/23</a:t>
             </a:fld>
             <a:endParaRPr lang="en-VN"/>
           </a:p>
@@ -2399,7 +2399,7 @@
           <a:p>
             <a:fld id="{D5E8C49D-3947-054D-A87C-1567D1C262C1}" type="datetimeFigureOut">
               <a:rPr lang="en-VN" smtClean="0"/>
-              <a:t>12/5/23</a:t>
+              <a:t>12/7/23</a:t>
             </a:fld>
             <a:endParaRPr lang="en-VN"/>
           </a:p>
@@ -2688,7 +2688,7 @@
           <a:p>
             <a:fld id="{D5E8C49D-3947-054D-A87C-1567D1C262C1}" type="datetimeFigureOut">
               <a:rPr lang="en-VN" smtClean="0"/>
-              <a:t>12/5/23</a:t>
+              <a:t>12/7/23</a:t>
             </a:fld>
             <a:endParaRPr lang="en-VN"/>
           </a:p>
@@ -2931,7 +2931,7 @@
           <a:p>
             <a:fld id="{D5E8C49D-3947-054D-A87C-1567D1C262C1}" type="datetimeFigureOut">
               <a:rPr lang="en-VN" smtClean="0"/>
-              <a:t>12/5/23</a:t>
+              <a:t>12/7/23</a:t>
             </a:fld>
             <a:endParaRPr lang="en-VN"/>
           </a:p>
@@ -3429,10 +3429,10 @@
       </p:pic>
       <p:grpSp>
         <p:nvGrpSpPr>
-          <p:cNvPr id="3" name="Group 2">
-            <a:extLst>
-              <a:ext uri="{FF2B5EF4-FFF2-40B4-BE49-F238E27FC236}">
-                <a16:creationId xmlns:a16="http://schemas.microsoft.com/office/drawing/2014/main" id="{4612773C-FEFF-3AFC-7063-9A997052C8F1}"/>
+          <p:cNvPr id="8" name="Group 7">
+            <a:extLst>
+              <a:ext uri="{FF2B5EF4-FFF2-40B4-BE49-F238E27FC236}">
+                <a16:creationId xmlns:a16="http://schemas.microsoft.com/office/drawing/2014/main" id="{6F121EA6-C686-AF3C-C22A-DCF01982B1DB}"/>
               </a:ext>
             </a:extLst>
           </p:cNvPr>
@@ -3441,18 +3441,18 @@
         </p:nvGrpSpPr>
         <p:grpSpPr>
           <a:xfrm>
-            <a:off x="5614690" y="1428457"/>
-            <a:ext cx="3507932" cy="4508927"/>
-            <a:chOff x="6475323" y="1089064"/>
-            <a:chExt cx="3507932" cy="4508927"/>
+            <a:off x="5799272" y="2291379"/>
+            <a:ext cx="3534404" cy="2747329"/>
+            <a:chOff x="5330181" y="1668102"/>
+            <a:chExt cx="3955654" cy="3074771"/>
           </a:xfrm>
         </p:grpSpPr>
         <p:sp>
           <p:nvSpPr>
-            <p:cNvPr id="6" name="Oval 5">
+            <p:cNvPr id="9" name="Rounded Rectangle 21">
               <a:extLst>
                 <a:ext uri="{FF2B5EF4-FFF2-40B4-BE49-F238E27FC236}">
-                  <a16:creationId xmlns:a16="http://schemas.microsoft.com/office/drawing/2014/main" id="{14D81DFC-8001-5745-BA8F-A5B7AFA1C611}"/>
+                  <a16:creationId xmlns:a16="http://schemas.microsoft.com/office/drawing/2014/main" id="{6E9F04BD-5C8C-0926-1126-429B3416E756}"/>
                 </a:ext>
               </a:extLst>
             </p:cNvPr>
@@ -3461,14 +3461,197 @@
           </p:nvSpPr>
           <p:spPr>
             <a:xfrm>
-              <a:off x="6475323" y="1675034"/>
-              <a:ext cx="3507932" cy="3507932"/>
+              <a:off x="6890414" y="2148019"/>
+              <a:ext cx="1855868" cy="2589476"/>
             </a:xfrm>
-            <a:prstGeom prst="ellipse">
+            <a:custGeom>
               <a:avLst/>
-            </a:prstGeom>
+              <a:gdLst>
+                <a:gd name="connsiteX0" fmla="*/ 0 w 2546985"/>
+                <a:gd name="connsiteY0" fmla="*/ 290509 h 2578718"/>
+                <a:gd name="connsiteX1" fmla="*/ 290509 w 2546985"/>
+                <a:gd name="connsiteY1" fmla="*/ 0 h 2578718"/>
+                <a:gd name="connsiteX2" fmla="*/ 2256476 w 2546985"/>
+                <a:gd name="connsiteY2" fmla="*/ 0 h 2578718"/>
+                <a:gd name="connsiteX3" fmla="*/ 2546985 w 2546985"/>
+                <a:gd name="connsiteY3" fmla="*/ 290509 h 2578718"/>
+                <a:gd name="connsiteX4" fmla="*/ 2546985 w 2546985"/>
+                <a:gd name="connsiteY4" fmla="*/ 2288209 h 2578718"/>
+                <a:gd name="connsiteX5" fmla="*/ 2256476 w 2546985"/>
+                <a:gd name="connsiteY5" fmla="*/ 2578718 h 2578718"/>
+                <a:gd name="connsiteX6" fmla="*/ 290509 w 2546985"/>
+                <a:gd name="connsiteY6" fmla="*/ 2578718 h 2578718"/>
+                <a:gd name="connsiteX7" fmla="*/ 0 w 2546985"/>
+                <a:gd name="connsiteY7" fmla="*/ 2288209 h 2578718"/>
+                <a:gd name="connsiteX8" fmla="*/ 0 w 2546985"/>
+                <a:gd name="connsiteY8" fmla="*/ 290509 h 2578718"/>
+                <a:gd name="connsiteX0" fmla="*/ 0 w 2546985"/>
+                <a:gd name="connsiteY0" fmla="*/ 290509 h 2578718"/>
+                <a:gd name="connsiteX1" fmla="*/ 290509 w 2546985"/>
+                <a:gd name="connsiteY1" fmla="*/ 0 h 2578718"/>
+                <a:gd name="connsiteX2" fmla="*/ 2256476 w 2546985"/>
+                <a:gd name="connsiteY2" fmla="*/ 0 h 2578718"/>
+                <a:gd name="connsiteX3" fmla="*/ 2546985 w 2546985"/>
+                <a:gd name="connsiteY3" fmla="*/ 290509 h 2578718"/>
+                <a:gd name="connsiteX4" fmla="*/ 2546985 w 2546985"/>
+                <a:gd name="connsiteY4" fmla="*/ 2288209 h 2578718"/>
+                <a:gd name="connsiteX5" fmla="*/ 2256476 w 2546985"/>
+                <a:gd name="connsiteY5" fmla="*/ 2578718 h 2578718"/>
+                <a:gd name="connsiteX6" fmla="*/ 290509 w 2546985"/>
+                <a:gd name="connsiteY6" fmla="*/ 2578718 h 2578718"/>
+                <a:gd name="connsiteX7" fmla="*/ 325821 w 2546985"/>
+                <a:gd name="connsiteY7" fmla="*/ 2141064 h 2578718"/>
+                <a:gd name="connsiteX8" fmla="*/ 0 w 2546985"/>
+                <a:gd name="connsiteY8" fmla="*/ 290509 h 2578718"/>
+                <a:gd name="connsiteX0" fmla="*/ 0 w 2546985"/>
+                <a:gd name="connsiteY0" fmla="*/ 290509 h 2578718"/>
+                <a:gd name="connsiteX1" fmla="*/ 290509 w 2546985"/>
+                <a:gd name="connsiteY1" fmla="*/ 0 h 2578718"/>
+                <a:gd name="connsiteX2" fmla="*/ 2256476 w 2546985"/>
+                <a:gd name="connsiteY2" fmla="*/ 0 h 2578718"/>
+                <a:gd name="connsiteX3" fmla="*/ 2546985 w 2546985"/>
+                <a:gd name="connsiteY3" fmla="*/ 290509 h 2578718"/>
+                <a:gd name="connsiteX4" fmla="*/ 2546985 w 2546985"/>
+                <a:gd name="connsiteY4" fmla="*/ 2288209 h 2578718"/>
+                <a:gd name="connsiteX5" fmla="*/ 2256476 w 2546985"/>
+                <a:gd name="connsiteY5" fmla="*/ 2578718 h 2578718"/>
+                <a:gd name="connsiteX6" fmla="*/ 290509 w 2546985"/>
+                <a:gd name="connsiteY6" fmla="*/ 2578718 h 2578718"/>
+                <a:gd name="connsiteX7" fmla="*/ 325821 w 2546985"/>
+                <a:gd name="connsiteY7" fmla="*/ 2141064 h 2578718"/>
+                <a:gd name="connsiteX8" fmla="*/ 0 w 2546985"/>
+                <a:gd name="connsiteY8" fmla="*/ 290509 h 2578718"/>
+                <a:gd name="connsiteX0" fmla="*/ 0 w 2546985"/>
+                <a:gd name="connsiteY0" fmla="*/ 290509 h 2578718"/>
+                <a:gd name="connsiteX1" fmla="*/ 290509 w 2546985"/>
+                <a:gd name="connsiteY1" fmla="*/ 0 h 2578718"/>
+                <a:gd name="connsiteX2" fmla="*/ 2256476 w 2546985"/>
+                <a:gd name="connsiteY2" fmla="*/ 0 h 2578718"/>
+                <a:gd name="connsiteX3" fmla="*/ 2546985 w 2546985"/>
+                <a:gd name="connsiteY3" fmla="*/ 290509 h 2578718"/>
+                <a:gd name="connsiteX4" fmla="*/ 2546985 w 2546985"/>
+                <a:gd name="connsiteY4" fmla="*/ 2288209 h 2578718"/>
+                <a:gd name="connsiteX5" fmla="*/ 2256476 w 2546985"/>
+                <a:gd name="connsiteY5" fmla="*/ 2578718 h 2578718"/>
+                <a:gd name="connsiteX6" fmla="*/ 290509 w 2546985"/>
+                <a:gd name="connsiteY6" fmla="*/ 2578718 h 2578718"/>
+                <a:gd name="connsiteX7" fmla="*/ 325821 w 2546985"/>
+                <a:gd name="connsiteY7" fmla="*/ 2141064 h 2578718"/>
+                <a:gd name="connsiteX8" fmla="*/ 0 w 2546985"/>
+                <a:gd name="connsiteY8" fmla="*/ 290509 h 2578718"/>
+                <a:gd name="connsiteX0" fmla="*/ 0 w 2546985"/>
+                <a:gd name="connsiteY0" fmla="*/ 290509 h 2584097"/>
+                <a:gd name="connsiteX1" fmla="*/ 290509 w 2546985"/>
+                <a:gd name="connsiteY1" fmla="*/ 0 h 2584097"/>
+                <a:gd name="connsiteX2" fmla="*/ 2256476 w 2546985"/>
+                <a:gd name="connsiteY2" fmla="*/ 0 h 2584097"/>
+                <a:gd name="connsiteX3" fmla="*/ 2546985 w 2546985"/>
+                <a:gd name="connsiteY3" fmla="*/ 290509 h 2584097"/>
+                <a:gd name="connsiteX4" fmla="*/ 2546985 w 2546985"/>
+                <a:gd name="connsiteY4" fmla="*/ 2288209 h 2584097"/>
+                <a:gd name="connsiteX5" fmla="*/ 2256476 w 2546985"/>
+                <a:gd name="connsiteY5" fmla="*/ 2578718 h 2584097"/>
+                <a:gd name="connsiteX6" fmla="*/ 334800 w 2546985"/>
+                <a:gd name="connsiteY6" fmla="*/ 2584097 h 2584097"/>
+                <a:gd name="connsiteX7" fmla="*/ 325821 w 2546985"/>
+                <a:gd name="connsiteY7" fmla="*/ 2141064 h 2584097"/>
+                <a:gd name="connsiteX8" fmla="*/ 0 w 2546985"/>
+                <a:gd name="connsiteY8" fmla="*/ 290509 h 2584097"/>
+                <a:gd name="connsiteX0" fmla="*/ 0 w 2546985"/>
+                <a:gd name="connsiteY0" fmla="*/ 290509 h 2589476"/>
+                <a:gd name="connsiteX1" fmla="*/ 290509 w 2546985"/>
+                <a:gd name="connsiteY1" fmla="*/ 0 h 2589476"/>
+                <a:gd name="connsiteX2" fmla="*/ 2256476 w 2546985"/>
+                <a:gd name="connsiteY2" fmla="*/ 0 h 2589476"/>
+                <a:gd name="connsiteX3" fmla="*/ 2546985 w 2546985"/>
+                <a:gd name="connsiteY3" fmla="*/ 290509 h 2589476"/>
+                <a:gd name="connsiteX4" fmla="*/ 2546985 w 2546985"/>
+                <a:gd name="connsiteY4" fmla="*/ 2288209 h 2589476"/>
+                <a:gd name="connsiteX5" fmla="*/ 2256476 w 2546985"/>
+                <a:gd name="connsiteY5" fmla="*/ 2578718 h 2589476"/>
+                <a:gd name="connsiteX6" fmla="*/ 364327 w 2546985"/>
+                <a:gd name="connsiteY6" fmla="*/ 2589476 h 2589476"/>
+                <a:gd name="connsiteX7" fmla="*/ 325821 w 2546985"/>
+                <a:gd name="connsiteY7" fmla="*/ 2141064 h 2589476"/>
+                <a:gd name="connsiteX8" fmla="*/ 0 w 2546985"/>
+                <a:gd name="connsiteY8" fmla="*/ 290509 h 2589476"/>
+              </a:gdLst>
+              <a:ahLst/>
+              <a:cxnLst>
+                <a:cxn ang="0">
+                  <a:pos x="connsiteX0" y="connsiteY0"/>
+                </a:cxn>
+                <a:cxn ang="0">
+                  <a:pos x="connsiteX1" y="connsiteY1"/>
+                </a:cxn>
+                <a:cxn ang="0">
+                  <a:pos x="connsiteX2" y="connsiteY2"/>
+                </a:cxn>
+                <a:cxn ang="0">
+                  <a:pos x="connsiteX3" y="connsiteY3"/>
+                </a:cxn>
+                <a:cxn ang="0">
+                  <a:pos x="connsiteX4" y="connsiteY4"/>
+                </a:cxn>
+                <a:cxn ang="0">
+                  <a:pos x="connsiteX5" y="connsiteY5"/>
+                </a:cxn>
+                <a:cxn ang="0">
+                  <a:pos x="connsiteX6" y="connsiteY6"/>
+                </a:cxn>
+                <a:cxn ang="0">
+                  <a:pos x="connsiteX7" y="connsiteY7"/>
+                </a:cxn>
+                <a:cxn ang="0">
+                  <a:pos x="connsiteX8" y="connsiteY8"/>
+                </a:cxn>
+              </a:cxnLst>
+              <a:rect l="l" t="t" r="r" b="b"/>
+              <a:pathLst>
+                <a:path w="2546985" h="2589476">
+                  <a:moveTo>
+                    <a:pt x="0" y="290509"/>
+                  </a:moveTo>
+                  <a:cubicBezTo>
+                    <a:pt x="0" y="130065"/>
+                    <a:pt x="130065" y="0"/>
+                    <a:pt x="290509" y="0"/>
+                  </a:cubicBezTo>
+                  <a:lnTo>
+                    <a:pt x="2256476" y="0"/>
+                  </a:lnTo>
+                  <a:cubicBezTo>
+                    <a:pt x="2416920" y="0"/>
+                    <a:pt x="2546985" y="130065"/>
+                    <a:pt x="2546985" y="290509"/>
+                  </a:cubicBezTo>
+                  <a:lnTo>
+                    <a:pt x="2546985" y="2288209"/>
+                  </a:lnTo>
+                  <a:cubicBezTo>
+                    <a:pt x="2546985" y="2448653"/>
+                    <a:pt x="2416920" y="2578718"/>
+                    <a:pt x="2256476" y="2578718"/>
+                  </a:cubicBezTo>
+                  <a:lnTo>
+                    <a:pt x="364327" y="2589476"/>
+                  </a:lnTo>
+                  <a:cubicBezTo>
+                    <a:pt x="372048" y="2473863"/>
+                    <a:pt x="378373" y="2280487"/>
+                    <a:pt x="325821" y="2141064"/>
+                  </a:cubicBezTo>
+                  <a:cubicBezTo>
+                    <a:pt x="325821" y="1475164"/>
+                    <a:pt x="0" y="956409"/>
+                    <a:pt x="0" y="290509"/>
+                  </a:cubicBezTo>
+                  <a:close/>
+                </a:path>
+              </a:pathLst>
+            </a:custGeom>
             <a:solidFill>
-              <a:srgbClr val="EA6566"/>
+              <a:srgbClr val="E6E6E6"/>
             </a:solidFill>
             <a:ln>
               <a:noFill/>
@@ -3477,7 +3660,7 @@
           <p:style>
             <a:lnRef idx="2">
               <a:schemeClr val="accent1">
-                <a:shade val="50000"/>
+                <a:shade val="15000"/>
               </a:schemeClr>
             </a:lnRef>
             <a:fillRef idx="1">
@@ -3495,16 +3678,111 @@
             <a:lstStyle/>
             <a:p>
               <a:pPr algn="ctr"/>
-              <a:endParaRPr lang="en-VN"/>
+              <a:endParaRPr lang="en-US"/>
             </a:p>
           </p:txBody>
         </p:sp>
         <p:sp>
           <p:nvSpPr>
-            <p:cNvPr id="2" name="TextBox 1">
+            <p:cNvPr id="10" name="Freeform 9">
               <a:extLst>
                 <a:ext uri="{FF2B5EF4-FFF2-40B4-BE49-F238E27FC236}">
-                  <a16:creationId xmlns:a16="http://schemas.microsoft.com/office/drawing/2014/main" id="{8622AC7F-4ED8-E98E-420B-59DA6DAC88C0}"/>
+                  <a16:creationId xmlns:a16="http://schemas.microsoft.com/office/drawing/2014/main" id="{DAA91087-9186-AFA1-469C-B69FFF03FAD3}"/>
+                </a:ext>
+              </a:extLst>
+            </p:cNvPr>
+            <p:cNvSpPr/>
+            <p:nvPr/>
+          </p:nvSpPr>
+          <p:spPr>
+            <a:xfrm>
+              <a:off x="7043088" y="4283836"/>
+              <a:ext cx="565532" cy="459037"/>
+            </a:xfrm>
+            <a:custGeom>
+              <a:avLst/>
+              <a:gdLst>
+                <a:gd name="connsiteX0" fmla="*/ 0 w 565532"/>
+                <a:gd name="connsiteY0" fmla="*/ 0 h 459037"/>
+                <a:gd name="connsiteX1" fmla="*/ 565532 w 565532"/>
+                <a:gd name="connsiteY1" fmla="*/ 3673 h 459037"/>
+                <a:gd name="connsiteX2" fmla="*/ 106496 w 565532"/>
+                <a:gd name="connsiteY2" fmla="*/ 459037 h 459037"/>
+                <a:gd name="connsiteX3" fmla="*/ 0 w 565532"/>
+                <a:gd name="connsiteY3" fmla="*/ 0 h 459037"/>
+              </a:gdLst>
+              <a:ahLst/>
+              <a:cxnLst>
+                <a:cxn ang="0">
+                  <a:pos x="connsiteX0" y="connsiteY0"/>
+                </a:cxn>
+                <a:cxn ang="0">
+                  <a:pos x="connsiteX1" y="connsiteY1"/>
+                </a:cxn>
+                <a:cxn ang="0">
+                  <a:pos x="connsiteX2" y="connsiteY2"/>
+                </a:cxn>
+                <a:cxn ang="0">
+                  <a:pos x="connsiteX3" y="connsiteY3"/>
+                </a:cxn>
+              </a:cxnLst>
+              <a:rect l="l" t="t" r="r" b="b"/>
+              <a:pathLst>
+                <a:path w="565532" h="459037">
+                  <a:moveTo>
+                    <a:pt x="0" y="0"/>
+                  </a:moveTo>
+                  <a:lnTo>
+                    <a:pt x="565532" y="3673"/>
+                  </a:lnTo>
+                  <a:lnTo>
+                    <a:pt x="106496" y="459037"/>
+                  </a:lnTo>
+                  <a:lnTo>
+                    <a:pt x="0" y="0"/>
+                  </a:lnTo>
+                  <a:close/>
+                </a:path>
+              </a:pathLst>
+            </a:custGeom>
+            <a:solidFill>
+              <a:srgbClr val="4C6AD3"/>
+            </a:solidFill>
+            <a:ln>
+              <a:noFill/>
+            </a:ln>
+          </p:spPr>
+          <p:style>
+            <a:lnRef idx="2">
+              <a:schemeClr val="accent1">
+                <a:shade val="15000"/>
+              </a:schemeClr>
+            </a:lnRef>
+            <a:fillRef idx="1">
+              <a:schemeClr val="accent1"/>
+            </a:fillRef>
+            <a:effectRef idx="0">
+              <a:schemeClr val="accent1"/>
+            </a:effectRef>
+            <a:fontRef idx="minor">
+              <a:schemeClr val="lt1"/>
+            </a:fontRef>
+          </p:style>
+          <p:txBody>
+            <a:bodyPr rtlCol="0" anchor="ctr"/>
+            <a:lstStyle/>
+            <a:p>
+              <a:pPr algn="ctr"/>
+              <a:endParaRPr lang="en-US"/>
+            </a:p>
+          </p:txBody>
+        </p:sp>
+        <p:sp>
+          <p:nvSpPr>
+            <p:cNvPr id="11" name="TextBox 10">
+              <a:extLst>
+                <a:ext uri="{FF2B5EF4-FFF2-40B4-BE49-F238E27FC236}">
+                  <a16:creationId xmlns:a16="http://schemas.microsoft.com/office/drawing/2014/main" id="{CC813B27-EDE1-74E5-6AA3-FDD804920A86}"/>
                 </a:ext>
               </a:extLst>
             </p:cNvPr>
@@ -3513,8 +3791,8 @@
           </p:nvSpPr>
           <p:spPr>
             <a:xfrm>
-              <a:off x="7212461" y="1089064"/>
-              <a:ext cx="1530850" cy="4508927"/>
+              <a:off x="7429967" y="2787093"/>
+              <a:ext cx="1855868" cy="1323439"/>
             </a:xfrm>
             <a:prstGeom prst="rect">
               <a:avLst/>
@@ -3528,13 +3806,538 @@
             <a:lstStyle/>
             <a:p>
               <a:r>
-                <a:rPr lang="en-US" sz="28700" dirty="0">
+                <a:rPr lang="ja-JP" altLang="en-US" sz="8000" b="1" i="0">
+                  <a:solidFill>
+                    <a:schemeClr val="bg1">
+                      <a:lumMod val="50000"/>
+                    </a:schemeClr>
+                  </a:solidFill>
+                  <a:effectLst/>
+                  <a:latin typeface="Roboto" panose="02000000000000000000" pitchFamily="2" charset="0"/>
+                </a:rPr>
+                <a:t>壹</a:t>
+              </a:r>
+              <a:endParaRPr lang="en-US" sz="8000" b="1" dirty="0">
+                <a:solidFill>
+                  <a:schemeClr val="bg1">
+                    <a:lumMod val="50000"/>
+                  </a:schemeClr>
+                </a:solidFill>
+              </a:endParaRPr>
+            </a:p>
+          </p:txBody>
+        </p:sp>
+        <p:sp>
+          <p:nvSpPr>
+            <p:cNvPr id="12" name="Rounded Rectangle 15">
+              <a:extLst>
+                <a:ext uri="{FF2B5EF4-FFF2-40B4-BE49-F238E27FC236}">
+                  <a16:creationId xmlns:a16="http://schemas.microsoft.com/office/drawing/2014/main" id="{3CFD2FAE-F7E3-2877-8DEB-AB26C182D50C}"/>
+                </a:ext>
+              </a:extLst>
+            </p:cNvPr>
+            <p:cNvSpPr/>
+            <p:nvPr/>
+          </p:nvSpPr>
+          <p:spPr>
+            <a:xfrm>
+              <a:off x="5330181" y="1668102"/>
+              <a:ext cx="2275237" cy="2630119"/>
+            </a:xfrm>
+            <a:custGeom>
+              <a:avLst/>
+              <a:gdLst>
+                <a:gd name="connsiteX0" fmla="*/ 0 w 2732314"/>
+                <a:gd name="connsiteY0" fmla="*/ 233864 h 2578718"/>
+                <a:gd name="connsiteX1" fmla="*/ 233864 w 2732314"/>
+                <a:gd name="connsiteY1" fmla="*/ 0 h 2578718"/>
+                <a:gd name="connsiteX2" fmla="*/ 2498450 w 2732314"/>
+                <a:gd name="connsiteY2" fmla="*/ 0 h 2578718"/>
+                <a:gd name="connsiteX3" fmla="*/ 2732314 w 2732314"/>
+                <a:gd name="connsiteY3" fmla="*/ 233864 h 2578718"/>
+                <a:gd name="connsiteX4" fmla="*/ 2732314 w 2732314"/>
+                <a:gd name="connsiteY4" fmla="*/ 2344854 h 2578718"/>
+                <a:gd name="connsiteX5" fmla="*/ 2498450 w 2732314"/>
+                <a:gd name="connsiteY5" fmla="*/ 2578718 h 2578718"/>
+                <a:gd name="connsiteX6" fmla="*/ 233864 w 2732314"/>
+                <a:gd name="connsiteY6" fmla="*/ 2578718 h 2578718"/>
+                <a:gd name="connsiteX7" fmla="*/ 0 w 2732314"/>
+                <a:gd name="connsiteY7" fmla="*/ 2344854 h 2578718"/>
+                <a:gd name="connsiteX8" fmla="*/ 0 w 2732314"/>
+                <a:gd name="connsiteY8" fmla="*/ 233864 h 2578718"/>
+                <a:gd name="connsiteX0" fmla="*/ 0 w 2732314"/>
+                <a:gd name="connsiteY0" fmla="*/ 233864 h 2578718"/>
+                <a:gd name="connsiteX1" fmla="*/ 233864 w 2732314"/>
+                <a:gd name="connsiteY1" fmla="*/ 0 h 2578718"/>
+                <a:gd name="connsiteX2" fmla="*/ 1930892 w 2732314"/>
+                <a:gd name="connsiteY2" fmla="*/ 0 h 2578718"/>
+                <a:gd name="connsiteX3" fmla="*/ 2732314 w 2732314"/>
+                <a:gd name="connsiteY3" fmla="*/ 233864 h 2578718"/>
+                <a:gd name="connsiteX4" fmla="*/ 2732314 w 2732314"/>
+                <a:gd name="connsiteY4" fmla="*/ 2344854 h 2578718"/>
+                <a:gd name="connsiteX5" fmla="*/ 2498450 w 2732314"/>
+                <a:gd name="connsiteY5" fmla="*/ 2578718 h 2578718"/>
+                <a:gd name="connsiteX6" fmla="*/ 233864 w 2732314"/>
+                <a:gd name="connsiteY6" fmla="*/ 2578718 h 2578718"/>
+                <a:gd name="connsiteX7" fmla="*/ 0 w 2732314"/>
+                <a:gd name="connsiteY7" fmla="*/ 2344854 h 2578718"/>
+                <a:gd name="connsiteX8" fmla="*/ 0 w 2732314"/>
+                <a:gd name="connsiteY8" fmla="*/ 233864 h 2578718"/>
+                <a:gd name="connsiteX0" fmla="*/ 0 w 2732314"/>
+                <a:gd name="connsiteY0" fmla="*/ 233864 h 2578718"/>
+                <a:gd name="connsiteX1" fmla="*/ 233864 w 2732314"/>
+                <a:gd name="connsiteY1" fmla="*/ 0 h 2578718"/>
+                <a:gd name="connsiteX2" fmla="*/ 1720685 w 2732314"/>
+                <a:gd name="connsiteY2" fmla="*/ 10510 h 2578718"/>
+                <a:gd name="connsiteX3" fmla="*/ 2732314 w 2732314"/>
+                <a:gd name="connsiteY3" fmla="*/ 233864 h 2578718"/>
+                <a:gd name="connsiteX4" fmla="*/ 2732314 w 2732314"/>
+                <a:gd name="connsiteY4" fmla="*/ 2344854 h 2578718"/>
+                <a:gd name="connsiteX5" fmla="*/ 2498450 w 2732314"/>
+                <a:gd name="connsiteY5" fmla="*/ 2578718 h 2578718"/>
+                <a:gd name="connsiteX6" fmla="*/ 233864 w 2732314"/>
+                <a:gd name="connsiteY6" fmla="*/ 2578718 h 2578718"/>
+                <a:gd name="connsiteX7" fmla="*/ 0 w 2732314"/>
+                <a:gd name="connsiteY7" fmla="*/ 2344854 h 2578718"/>
+                <a:gd name="connsiteX8" fmla="*/ 0 w 2732314"/>
+                <a:gd name="connsiteY8" fmla="*/ 233864 h 2578718"/>
+                <a:gd name="connsiteX0" fmla="*/ 0 w 2732314"/>
+                <a:gd name="connsiteY0" fmla="*/ 233864 h 2578718"/>
+                <a:gd name="connsiteX1" fmla="*/ 233864 w 2732314"/>
+                <a:gd name="connsiteY1" fmla="*/ 0 h 2578718"/>
+                <a:gd name="connsiteX2" fmla="*/ 1720685 w 2732314"/>
+                <a:gd name="connsiteY2" fmla="*/ 10510 h 2578718"/>
+                <a:gd name="connsiteX3" fmla="*/ 2732314 w 2732314"/>
+                <a:gd name="connsiteY3" fmla="*/ 233864 h 2578718"/>
+                <a:gd name="connsiteX4" fmla="*/ 2732314 w 2732314"/>
+                <a:gd name="connsiteY4" fmla="*/ 2344854 h 2578718"/>
+                <a:gd name="connsiteX5" fmla="*/ 2498450 w 2732314"/>
+                <a:gd name="connsiteY5" fmla="*/ 2578718 h 2578718"/>
+                <a:gd name="connsiteX6" fmla="*/ 233864 w 2732314"/>
+                <a:gd name="connsiteY6" fmla="*/ 2578718 h 2578718"/>
+                <a:gd name="connsiteX7" fmla="*/ 0 w 2732314"/>
+                <a:gd name="connsiteY7" fmla="*/ 2344854 h 2578718"/>
+                <a:gd name="connsiteX8" fmla="*/ 0 w 2732314"/>
+                <a:gd name="connsiteY8" fmla="*/ 233864 h 2578718"/>
+                <a:gd name="connsiteX0" fmla="*/ 0 w 2732314"/>
+                <a:gd name="connsiteY0" fmla="*/ 233864 h 2578718"/>
+                <a:gd name="connsiteX1" fmla="*/ 233864 w 2732314"/>
+                <a:gd name="connsiteY1" fmla="*/ 0 h 2578718"/>
+                <a:gd name="connsiteX2" fmla="*/ 1720685 w 2732314"/>
+                <a:gd name="connsiteY2" fmla="*/ 10510 h 2578718"/>
+                <a:gd name="connsiteX3" fmla="*/ 2732314 w 2732314"/>
+                <a:gd name="connsiteY3" fmla="*/ 233864 h 2578718"/>
+                <a:gd name="connsiteX4" fmla="*/ 2732314 w 2732314"/>
+                <a:gd name="connsiteY4" fmla="*/ 2344854 h 2578718"/>
+                <a:gd name="connsiteX5" fmla="*/ 2498450 w 2732314"/>
+                <a:gd name="connsiteY5" fmla="*/ 2578718 h 2578718"/>
+                <a:gd name="connsiteX6" fmla="*/ 233864 w 2732314"/>
+                <a:gd name="connsiteY6" fmla="*/ 2578718 h 2578718"/>
+                <a:gd name="connsiteX7" fmla="*/ 0 w 2732314"/>
+                <a:gd name="connsiteY7" fmla="*/ 2344854 h 2578718"/>
+                <a:gd name="connsiteX8" fmla="*/ 0 w 2732314"/>
+                <a:gd name="connsiteY8" fmla="*/ 233864 h 2578718"/>
+                <a:gd name="connsiteX0" fmla="*/ 0 w 2732314"/>
+                <a:gd name="connsiteY0" fmla="*/ 233864 h 2578718"/>
+                <a:gd name="connsiteX1" fmla="*/ 233864 w 2732314"/>
+                <a:gd name="connsiteY1" fmla="*/ 0 h 2578718"/>
+                <a:gd name="connsiteX2" fmla="*/ 1720685 w 2732314"/>
+                <a:gd name="connsiteY2" fmla="*/ 10510 h 2578718"/>
+                <a:gd name="connsiteX3" fmla="*/ 2732314 w 2732314"/>
+                <a:gd name="connsiteY3" fmla="*/ 233864 h 2578718"/>
+                <a:gd name="connsiteX4" fmla="*/ 2732314 w 2732314"/>
+                <a:gd name="connsiteY4" fmla="*/ 2344854 h 2578718"/>
+                <a:gd name="connsiteX5" fmla="*/ 2498450 w 2732314"/>
+                <a:gd name="connsiteY5" fmla="*/ 2578718 h 2578718"/>
+                <a:gd name="connsiteX6" fmla="*/ 233864 w 2732314"/>
+                <a:gd name="connsiteY6" fmla="*/ 2578718 h 2578718"/>
+                <a:gd name="connsiteX7" fmla="*/ 0 w 2732314"/>
+                <a:gd name="connsiteY7" fmla="*/ 2344854 h 2578718"/>
+                <a:gd name="connsiteX8" fmla="*/ 0 w 2732314"/>
+                <a:gd name="connsiteY8" fmla="*/ 233864 h 2578718"/>
+                <a:gd name="connsiteX0" fmla="*/ 0 w 2732314"/>
+                <a:gd name="connsiteY0" fmla="*/ 233864 h 2578718"/>
+                <a:gd name="connsiteX1" fmla="*/ 233864 w 2732314"/>
+                <a:gd name="connsiteY1" fmla="*/ 0 h 2578718"/>
+                <a:gd name="connsiteX2" fmla="*/ 1720685 w 2732314"/>
+                <a:gd name="connsiteY2" fmla="*/ 10510 h 2578718"/>
+                <a:gd name="connsiteX3" fmla="*/ 2175266 w 2732314"/>
+                <a:gd name="connsiteY3" fmla="*/ 2220319 h 2578718"/>
+                <a:gd name="connsiteX4" fmla="*/ 2732314 w 2732314"/>
+                <a:gd name="connsiteY4" fmla="*/ 2344854 h 2578718"/>
+                <a:gd name="connsiteX5" fmla="*/ 2498450 w 2732314"/>
+                <a:gd name="connsiteY5" fmla="*/ 2578718 h 2578718"/>
+                <a:gd name="connsiteX6" fmla="*/ 233864 w 2732314"/>
+                <a:gd name="connsiteY6" fmla="*/ 2578718 h 2578718"/>
+                <a:gd name="connsiteX7" fmla="*/ 0 w 2732314"/>
+                <a:gd name="connsiteY7" fmla="*/ 2344854 h 2578718"/>
+                <a:gd name="connsiteX8" fmla="*/ 0 w 2732314"/>
+                <a:gd name="connsiteY8" fmla="*/ 233864 h 2578718"/>
+                <a:gd name="connsiteX0" fmla="*/ 0 w 2732314"/>
+                <a:gd name="connsiteY0" fmla="*/ 233864 h 2578718"/>
+                <a:gd name="connsiteX1" fmla="*/ 233864 w 2732314"/>
+                <a:gd name="connsiteY1" fmla="*/ 0 h 2578718"/>
+                <a:gd name="connsiteX2" fmla="*/ 1657623 w 2732314"/>
+                <a:gd name="connsiteY2" fmla="*/ 21020 h 2578718"/>
+                <a:gd name="connsiteX3" fmla="*/ 2175266 w 2732314"/>
+                <a:gd name="connsiteY3" fmla="*/ 2220319 h 2578718"/>
+                <a:gd name="connsiteX4" fmla="*/ 2732314 w 2732314"/>
+                <a:gd name="connsiteY4" fmla="*/ 2344854 h 2578718"/>
+                <a:gd name="connsiteX5" fmla="*/ 2498450 w 2732314"/>
+                <a:gd name="connsiteY5" fmla="*/ 2578718 h 2578718"/>
+                <a:gd name="connsiteX6" fmla="*/ 233864 w 2732314"/>
+                <a:gd name="connsiteY6" fmla="*/ 2578718 h 2578718"/>
+                <a:gd name="connsiteX7" fmla="*/ 0 w 2732314"/>
+                <a:gd name="connsiteY7" fmla="*/ 2344854 h 2578718"/>
+                <a:gd name="connsiteX8" fmla="*/ 0 w 2732314"/>
+                <a:gd name="connsiteY8" fmla="*/ 233864 h 2578718"/>
+                <a:gd name="connsiteX0" fmla="*/ 0 w 2732314"/>
+                <a:gd name="connsiteY0" fmla="*/ 233864 h 2589229"/>
+                <a:gd name="connsiteX1" fmla="*/ 233864 w 2732314"/>
+                <a:gd name="connsiteY1" fmla="*/ 0 h 2589229"/>
+                <a:gd name="connsiteX2" fmla="*/ 1657623 w 2732314"/>
+                <a:gd name="connsiteY2" fmla="*/ 21020 h 2589229"/>
+                <a:gd name="connsiteX3" fmla="*/ 2175266 w 2732314"/>
+                <a:gd name="connsiteY3" fmla="*/ 2220319 h 2589229"/>
+                <a:gd name="connsiteX4" fmla="*/ 2732314 w 2732314"/>
+                <a:gd name="connsiteY4" fmla="*/ 2344854 h 2589229"/>
+                <a:gd name="connsiteX5" fmla="*/ 2067525 w 2732314"/>
+                <a:gd name="connsiteY5" fmla="*/ 2589229 h 2589229"/>
+                <a:gd name="connsiteX6" fmla="*/ 233864 w 2732314"/>
+                <a:gd name="connsiteY6" fmla="*/ 2578718 h 2589229"/>
+                <a:gd name="connsiteX7" fmla="*/ 0 w 2732314"/>
+                <a:gd name="connsiteY7" fmla="*/ 2344854 h 2589229"/>
+                <a:gd name="connsiteX8" fmla="*/ 0 w 2732314"/>
+                <a:gd name="connsiteY8" fmla="*/ 233864 h 2589229"/>
+                <a:gd name="connsiteX0" fmla="*/ 0 w 2269859"/>
+                <a:gd name="connsiteY0" fmla="*/ 233864 h 2610313"/>
+                <a:gd name="connsiteX1" fmla="*/ 233864 w 2269859"/>
+                <a:gd name="connsiteY1" fmla="*/ 0 h 2610313"/>
+                <a:gd name="connsiteX2" fmla="*/ 1657623 w 2269859"/>
+                <a:gd name="connsiteY2" fmla="*/ 21020 h 2610313"/>
+                <a:gd name="connsiteX3" fmla="*/ 2175266 w 2269859"/>
+                <a:gd name="connsiteY3" fmla="*/ 2220319 h 2610313"/>
+                <a:gd name="connsiteX4" fmla="*/ 2269859 w 2269859"/>
+                <a:gd name="connsiteY4" fmla="*/ 2534040 h 2610313"/>
+                <a:gd name="connsiteX5" fmla="*/ 2067525 w 2269859"/>
+                <a:gd name="connsiteY5" fmla="*/ 2589229 h 2610313"/>
+                <a:gd name="connsiteX6" fmla="*/ 233864 w 2269859"/>
+                <a:gd name="connsiteY6" fmla="*/ 2578718 h 2610313"/>
+                <a:gd name="connsiteX7" fmla="*/ 0 w 2269859"/>
+                <a:gd name="connsiteY7" fmla="*/ 2344854 h 2610313"/>
+                <a:gd name="connsiteX8" fmla="*/ 0 w 2269859"/>
+                <a:gd name="connsiteY8" fmla="*/ 233864 h 2610313"/>
+                <a:gd name="connsiteX0" fmla="*/ 0 w 2269859"/>
+                <a:gd name="connsiteY0" fmla="*/ 233864 h 2610313"/>
+                <a:gd name="connsiteX1" fmla="*/ 233864 w 2269859"/>
+                <a:gd name="connsiteY1" fmla="*/ 0 h 2610313"/>
+                <a:gd name="connsiteX2" fmla="*/ 1657623 w 2269859"/>
+                <a:gd name="connsiteY2" fmla="*/ 21020 h 2610313"/>
+                <a:gd name="connsiteX3" fmla="*/ 2269859 w 2269859"/>
+                <a:gd name="connsiteY3" fmla="*/ 2534040 h 2610313"/>
+                <a:gd name="connsiteX4" fmla="*/ 2067525 w 2269859"/>
+                <a:gd name="connsiteY4" fmla="*/ 2589229 h 2610313"/>
+                <a:gd name="connsiteX5" fmla="*/ 233864 w 2269859"/>
+                <a:gd name="connsiteY5" fmla="*/ 2578718 h 2610313"/>
+                <a:gd name="connsiteX6" fmla="*/ 0 w 2269859"/>
+                <a:gd name="connsiteY6" fmla="*/ 2344854 h 2610313"/>
+                <a:gd name="connsiteX7" fmla="*/ 0 w 2269859"/>
+                <a:gd name="connsiteY7" fmla="*/ 233864 h 2610313"/>
+                <a:gd name="connsiteX0" fmla="*/ 0 w 2269859"/>
+                <a:gd name="connsiteY0" fmla="*/ 233864 h 2610313"/>
+                <a:gd name="connsiteX1" fmla="*/ 233864 w 2269859"/>
+                <a:gd name="connsiteY1" fmla="*/ 0 h 2610313"/>
+                <a:gd name="connsiteX2" fmla="*/ 1657623 w 2269859"/>
+                <a:gd name="connsiteY2" fmla="*/ 21020 h 2610313"/>
+                <a:gd name="connsiteX3" fmla="*/ 2269859 w 2269859"/>
+                <a:gd name="connsiteY3" fmla="*/ 2534040 h 2610313"/>
+                <a:gd name="connsiteX4" fmla="*/ 2067525 w 2269859"/>
+                <a:gd name="connsiteY4" fmla="*/ 2589229 h 2610313"/>
+                <a:gd name="connsiteX5" fmla="*/ 233864 w 2269859"/>
+                <a:gd name="connsiteY5" fmla="*/ 2578718 h 2610313"/>
+                <a:gd name="connsiteX6" fmla="*/ 0 w 2269859"/>
+                <a:gd name="connsiteY6" fmla="*/ 2344854 h 2610313"/>
+                <a:gd name="connsiteX7" fmla="*/ 0 w 2269859"/>
+                <a:gd name="connsiteY7" fmla="*/ 233864 h 2610313"/>
+                <a:gd name="connsiteX0" fmla="*/ 0 w 2269859"/>
+                <a:gd name="connsiteY0" fmla="*/ 233864 h 2644688"/>
+                <a:gd name="connsiteX1" fmla="*/ 233864 w 2269859"/>
+                <a:gd name="connsiteY1" fmla="*/ 0 h 2644688"/>
+                <a:gd name="connsiteX2" fmla="*/ 1657623 w 2269859"/>
+                <a:gd name="connsiteY2" fmla="*/ 21020 h 2644688"/>
+                <a:gd name="connsiteX3" fmla="*/ 2269859 w 2269859"/>
+                <a:gd name="connsiteY3" fmla="*/ 2586592 h 2644688"/>
+                <a:gd name="connsiteX4" fmla="*/ 2067525 w 2269859"/>
+                <a:gd name="connsiteY4" fmla="*/ 2589229 h 2644688"/>
+                <a:gd name="connsiteX5" fmla="*/ 233864 w 2269859"/>
+                <a:gd name="connsiteY5" fmla="*/ 2578718 h 2644688"/>
+                <a:gd name="connsiteX6" fmla="*/ 0 w 2269859"/>
+                <a:gd name="connsiteY6" fmla="*/ 2344854 h 2644688"/>
+                <a:gd name="connsiteX7" fmla="*/ 0 w 2269859"/>
+                <a:gd name="connsiteY7" fmla="*/ 233864 h 2644688"/>
+                <a:gd name="connsiteX0" fmla="*/ 0 w 2269859"/>
+                <a:gd name="connsiteY0" fmla="*/ 233864 h 2593381"/>
+                <a:gd name="connsiteX1" fmla="*/ 233864 w 2269859"/>
+                <a:gd name="connsiteY1" fmla="*/ 0 h 2593381"/>
+                <a:gd name="connsiteX2" fmla="*/ 1657623 w 2269859"/>
+                <a:gd name="connsiteY2" fmla="*/ 21020 h 2593381"/>
+                <a:gd name="connsiteX3" fmla="*/ 2269859 w 2269859"/>
+                <a:gd name="connsiteY3" fmla="*/ 2586592 h 2593381"/>
+                <a:gd name="connsiteX4" fmla="*/ 2067525 w 2269859"/>
+                <a:gd name="connsiteY4" fmla="*/ 2589229 h 2593381"/>
+                <a:gd name="connsiteX5" fmla="*/ 233864 w 2269859"/>
+                <a:gd name="connsiteY5" fmla="*/ 2578718 h 2593381"/>
+                <a:gd name="connsiteX6" fmla="*/ 0 w 2269859"/>
+                <a:gd name="connsiteY6" fmla="*/ 2344854 h 2593381"/>
+                <a:gd name="connsiteX7" fmla="*/ 0 w 2269859"/>
+                <a:gd name="connsiteY7" fmla="*/ 233864 h 2593381"/>
+                <a:gd name="connsiteX0" fmla="*/ 0 w 2269859"/>
+                <a:gd name="connsiteY0" fmla="*/ 233864 h 2783137"/>
+                <a:gd name="connsiteX1" fmla="*/ 233864 w 2269859"/>
+                <a:gd name="connsiteY1" fmla="*/ 0 h 2783137"/>
+                <a:gd name="connsiteX2" fmla="*/ 1657623 w 2269859"/>
+                <a:gd name="connsiteY2" fmla="*/ 21020 h 2783137"/>
+                <a:gd name="connsiteX3" fmla="*/ 2269859 w 2269859"/>
+                <a:gd name="connsiteY3" fmla="*/ 2586592 h 2783137"/>
+                <a:gd name="connsiteX4" fmla="*/ 233864 w 2269859"/>
+                <a:gd name="connsiteY4" fmla="*/ 2578718 h 2783137"/>
+                <a:gd name="connsiteX5" fmla="*/ 0 w 2269859"/>
+                <a:gd name="connsiteY5" fmla="*/ 2344854 h 2783137"/>
+                <a:gd name="connsiteX6" fmla="*/ 0 w 2269859"/>
+                <a:gd name="connsiteY6" fmla="*/ 233864 h 2783137"/>
+                <a:gd name="connsiteX0" fmla="*/ 0 w 2269859"/>
+                <a:gd name="connsiteY0" fmla="*/ 233864 h 2597712"/>
+                <a:gd name="connsiteX1" fmla="*/ 233864 w 2269859"/>
+                <a:gd name="connsiteY1" fmla="*/ 0 h 2597712"/>
+                <a:gd name="connsiteX2" fmla="*/ 1657623 w 2269859"/>
+                <a:gd name="connsiteY2" fmla="*/ 21020 h 2597712"/>
+                <a:gd name="connsiteX3" fmla="*/ 2269859 w 2269859"/>
+                <a:gd name="connsiteY3" fmla="*/ 2586592 h 2597712"/>
+                <a:gd name="connsiteX4" fmla="*/ 233864 w 2269859"/>
+                <a:gd name="connsiteY4" fmla="*/ 2578718 h 2597712"/>
+                <a:gd name="connsiteX5" fmla="*/ 0 w 2269859"/>
+                <a:gd name="connsiteY5" fmla="*/ 2344854 h 2597712"/>
+                <a:gd name="connsiteX6" fmla="*/ 0 w 2269859"/>
+                <a:gd name="connsiteY6" fmla="*/ 233864 h 2597712"/>
+                <a:gd name="connsiteX0" fmla="*/ 0 w 2269859"/>
+                <a:gd name="connsiteY0" fmla="*/ 233864 h 2597712"/>
+                <a:gd name="connsiteX1" fmla="*/ 233864 w 2269859"/>
+                <a:gd name="connsiteY1" fmla="*/ 0 h 2597712"/>
+                <a:gd name="connsiteX2" fmla="*/ 1657623 w 2269859"/>
+                <a:gd name="connsiteY2" fmla="*/ 21020 h 2597712"/>
+                <a:gd name="connsiteX3" fmla="*/ 2269859 w 2269859"/>
+                <a:gd name="connsiteY3" fmla="*/ 2586592 h 2597712"/>
+                <a:gd name="connsiteX4" fmla="*/ 233864 w 2269859"/>
+                <a:gd name="connsiteY4" fmla="*/ 2578718 h 2597712"/>
+                <a:gd name="connsiteX5" fmla="*/ 0 w 2269859"/>
+                <a:gd name="connsiteY5" fmla="*/ 2344854 h 2597712"/>
+                <a:gd name="connsiteX6" fmla="*/ 0 w 2269859"/>
+                <a:gd name="connsiteY6" fmla="*/ 233864 h 2597712"/>
+                <a:gd name="connsiteX0" fmla="*/ 0 w 2269859"/>
+                <a:gd name="connsiteY0" fmla="*/ 233864 h 2604013"/>
+                <a:gd name="connsiteX1" fmla="*/ 233864 w 2269859"/>
+                <a:gd name="connsiteY1" fmla="*/ 0 h 2604013"/>
+                <a:gd name="connsiteX2" fmla="*/ 1657623 w 2269859"/>
+                <a:gd name="connsiteY2" fmla="*/ 21020 h 2604013"/>
+                <a:gd name="connsiteX3" fmla="*/ 2269859 w 2269859"/>
+                <a:gd name="connsiteY3" fmla="*/ 2586592 h 2604013"/>
+                <a:gd name="connsiteX4" fmla="*/ 233864 w 2269859"/>
+                <a:gd name="connsiteY4" fmla="*/ 2578718 h 2604013"/>
+                <a:gd name="connsiteX5" fmla="*/ 0 w 2269859"/>
+                <a:gd name="connsiteY5" fmla="*/ 2344854 h 2604013"/>
+                <a:gd name="connsiteX6" fmla="*/ 0 w 2269859"/>
+                <a:gd name="connsiteY6" fmla="*/ 233864 h 2604013"/>
+                <a:gd name="connsiteX0" fmla="*/ 0 w 2269859"/>
+                <a:gd name="connsiteY0" fmla="*/ 233864 h 2604013"/>
+                <a:gd name="connsiteX1" fmla="*/ 233864 w 2269859"/>
+                <a:gd name="connsiteY1" fmla="*/ 0 h 2604013"/>
+                <a:gd name="connsiteX2" fmla="*/ 1657623 w 2269859"/>
+                <a:gd name="connsiteY2" fmla="*/ 21020 h 2604013"/>
+                <a:gd name="connsiteX3" fmla="*/ 2269859 w 2269859"/>
+                <a:gd name="connsiteY3" fmla="*/ 2586592 h 2604013"/>
+                <a:gd name="connsiteX4" fmla="*/ 233864 w 2269859"/>
+                <a:gd name="connsiteY4" fmla="*/ 2578718 h 2604013"/>
+                <a:gd name="connsiteX5" fmla="*/ 0 w 2269859"/>
+                <a:gd name="connsiteY5" fmla="*/ 2344854 h 2604013"/>
+                <a:gd name="connsiteX6" fmla="*/ 0 w 2269859"/>
+                <a:gd name="connsiteY6" fmla="*/ 233864 h 2604013"/>
+                <a:gd name="connsiteX0" fmla="*/ 0 w 2269859"/>
+                <a:gd name="connsiteY0" fmla="*/ 239739 h 2609888"/>
+                <a:gd name="connsiteX1" fmla="*/ 233864 w 2269859"/>
+                <a:gd name="connsiteY1" fmla="*/ 5875 h 2609888"/>
+                <a:gd name="connsiteX2" fmla="*/ 1652244 w 2269859"/>
+                <a:gd name="connsiteY2" fmla="*/ 0 h 2609888"/>
+                <a:gd name="connsiteX3" fmla="*/ 2269859 w 2269859"/>
+                <a:gd name="connsiteY3" fmla="*/ 2592467 h 2609888"/>
+                <a:gd name="connsiteX4" fmla="*/ 233864 w 2269859"/>
+                <a:gd name="connsiteY4" fmla="*/ 2584593 h 2609888"/>
+                <a:gd name="connsiteX5" fmla="*/ 0 w 2269859"/>
+                <a:gd name="connsiteY5" fmla="*/ 2350729 h 2609888"/>
+                <a:gd name="connsiteX6" fmla="*/ 0 w 2269859"/>
+                <a:gd name="connsiteY6" fmla="*/ 239739 h 2609888"/>
+                <a:gd name="connsiteX0" fmla="*/ 0 w 2275237"/>
+                <a:gd name="connsiteY0" fmla="*/ 239739 h 2635626"/>
+                <a:gd name="connsiteX1" fmla="*/ 233864 w 2275237"/>
+                <a:gd name="connsiteY1" fmla="*/ 5875 h 2635626"/>
+                <a:gd name="connsiteX2" fmla="*/ 1652244 w 2275237"/>
+                <a:gd name="connsiteY2" fmla="*/ 0 h 2635626"/>
+                <a:gd name="connsiteX3" fmla="*/ 2275237 w 2275237"/>
+                <a:gd name="connsiteY3" fmla="*/ 2630119 h 2635626"/>
+                <a:gd name="connsiteX4" fmla="*/ 233864 w 2275237"/>
+                <a:gd name="connsiteY4" fmla="*/ 2584593 h 2635626"/>
+                <a:gd name="connsiteX5" fmla="*/ 0 w 2275237"/>
+                <a:gd name="connsiteY5" fmla="*/ 2350729 h 2635626"/>
+                <a:gd name="connsiteX6" fmla="*/ 0 w 2275237"/>
+                <a:gd name="connsiteY6" fmla="*/ 239739 h 2635626"/>
+                <a:gd name="connsiteX0" fmla="*/ 0 w 2275237"/>
+                <a:gd name="connsiteY0" fmla="*/ 239739 h 2630119"/>
+                <a:gd name="connsiteX1" fmla="*/ 233864 w 2275237"/>
+                <a:gd name="connsiteY1" fmla="*/ 5875 h 2630119"/>
+                <a:gd name="connsiteX2" fmla="*/ 1652244 w 2275237"/>
+                <a:gd name="connsiteY2" fmla="*/ 0 h 2630119"/>
+                <a:gd name="connsiteX3" fmla="*/ 2275237 w 2275237"/>
+                <a:gd name="connsiteY3" fmla="*/ 2630119 h 2630119"/>
+                <a:gd name="connsiteX4" fmla="*/ 233864 w 2275237"/>
+                <a:gd name="connsiteY4" fmla="*/ 2584593 h 2630119"/>
+                <a:gd name="connsiteX5" fmla="*/ 0 w 2275237"/>
+                <a:gd name="connsiteY5" fmla="*/ 2350729 h 2630119"/>
+                <a:gd name="connsiteX6" fmla="*/ 0 w 2275237"/>
+                <a:gd name="connsiteY6" fmla="*/ 239739 h 2630119"/>
+              </a:gdLst>
+              <a:ahLst/>
+              <a:cxnLst>
+                <a:cxn ang="0">
+                  <a:pos x="connsiteX0" y="connsiteY0"/>
+                </a:cxn>
+                <a:cxn ang="0">
+                  <a:pos x="connsiteX1" y="connsiteY1"/>
+                </a:cxn>
+                <a:cxn ang="0">
+                  <a:pos x="connsiteX2" y="connsiteY2"/>
+                </a:cxn>
+                <a:cxn ang="0">
+                  <a:pos x="connsiteX3" y="connsiteY3"/>
+                </a:cxn>
+                <a:cxn ang="0">
+                  <a:pos x="connsiteX4" y="connsiteY4"/>
+                </a:cxn>
+                <a:cxn ang="0">
+                  <a:pos x="connsiteX5" y="connsiteY5"/>
+                </a:cxn>
+                <a:cxn ang="0">
+                  <a:pos x="connsiteX6" y="connsiteY6"/>
+                </a:cxn>
+              </a:cxnLst>
+              <a:rect l="l" t="t" r="r" b="b"/>
+              <a:pathLst>
+                <a:path w="2275237" h="2630119">
+                  <a:moveTo>
+                    <a:pt x="0" y="239739"/>
+                  </a:moveTo>
+                  <a:cubicBezTo>
+                    <a:pt x="0" y="110579"/>
+                    <a:pt x="104704" y="5875"/>
+                    <a:pt x="233864" y="5875"/>
+                  </a:cubicBezTo>
+                  <a:lnTo>
+                    <a:pt x="1652244" y="0"/>
+                  </a:lnTo>
+                  <a:cubicBezTo>
+                    <a:pt x="1791879" y="579995"/>
+                    <a:pt x="1754975" y="478387"/>
+                    <a:pt x="2275237" y="2630119"/>
+                  </a:cubicBezTo>
+                  <a:cubicBezTo>
+                    <a:pt x="289023" y="2587332"/>
+                    <a:pt x="612174" y="2624883"/>
+                    <a:pt x="233864" y="2584593"/>
+                  </a:cubicBezTo>
+                  <a:cubicBezTo>
+                    <a:pt x="104704" y="2584593"/>
+                    <a:pt x="0" y="2479889"/>
+                    <a:pt x="0" y="2350729"/>
+                  </a:cubicBezTo>
+                  <a:lnTo>
+                    <a:pt x="0" y="239739"/>
+                  </a:lnTo>
+                  <a:close/>
+                </a:path>
+              </a:pathLst>
+            </a:custGeom>
+            <a:solidFill>
+              <a:srgbClr val="678DF2"/>
+            </a:solidFill>
+            <a:ln>
+              <a:noFill/>
+            </a:ln>
+          </p:spPr>
+          <p:style>
+            <a:lnRef idx="2">
+              <a:schemeClr val="accent1">
+                <a:shade val="15000"/>
+              </a:schemeClr>
+            </a:lnRef>
+            <a:fillRef idx="1">
+              <a:schemeClr val="accent1"/>
+            </a:fillRef>
+            <a:effectRef idx="0">
+              <a:schemeClr val="accent1"/>
+            </a:effectRef>
+            <a:fontRef idx="minor">
+              <a:schemeClr val="lt1"/>
+            </a:fontRef>
+          </p:style>
+          <p:txBody>
+            <a:bodyPr rtlCol="0" anchor="ctr"/>
+            <a:lstStyle/>
+            <a:p>
+              <a:pPr algn="ctr"/>
+              <a:endParaRPr lang="en-US"/>
+            </a:p>
+          </p:txBody>
+        </p:sp>
+        <p:sp>
+          <p:nvSpPr>
+            <p:cNvPr id="13" name="TextBox 12">
+              <a:extLst>
+                <a:ext uri="{FF2B5EF4-FFF2-40B4-BE49-F238E27FC236}">
+                  <a16:creationId xmlns:a16="http://schemas.microsoft.com/office/drawing/2014/main" id="{404AA90F-7B92-8D79-2DBF-872AB17C05BF}"/>
+                </a:ext>
+              </a:extLst>
+            </p:cNvPr>
+            <p:cNvSpPr txBox="1"/>
+            <p:nvPr/>
+          </p:nvSpPr>
+          <p:spPr>
+            <a:xfrm>
+              <a:off x="5736155" y="2041379"/>
+              <a:ext cx="1055145" cy="1862048"/>
+            </a:xfrm>
+            <a:prstGeom prst="rect">
+              <a:avLst/>
+            </a:prstGeom>
+            <a:noFill/>
+          </p:spPr>
+          <p:txBody>
+            <a:bodyPr wrap="square" rtlCol="0">
+              <a:spAutoFit/>
+            </a:bodyPr>
+            <a:lstStyle/>
+            <a:p>
+              <a:r>
+                <a:rPr lang="en-US" sz="11500" b="1" dirty="0">
                   <a:solidFill>
                     <a:schemeClr val="bg1"/>
                   </a:solidFill>
+                  <a:latin typeface="Roboto" panose="02000000000000000000" pitchFamily="2" charset="0"/>
                 </a:rPr>
                 <a:t>1</a:t>
               </a:r>
+              <a:endParaRPr lang="en-US" sz="8000" b="1" dirty="0">
+                <a:solidFill>
+                  <a:schemeClr val="bg1"/>
+                </a:solidFill>
+              </a:endParaRPr>
             </a:p>
           </p:txBody>
         </p:sp>
@@ -3569,61 +4372,12 @@
           <a:chExt cx="0" cy="0"/>
         </a:xfrm>
       </p:grpSpPr>
-      <p:sp>
-        <p:nvSpPr>
-          <p:cNvPr id="7" name="Rectangle 6">
-            <a:extLst>
-              <a:ext uri="{FF2B5EF4-FFF2-40B4-BE49-F238E27FC236}">
-                <a16:creationId xmlns:a16="http://schemas.microsoft.com/office/drawing/2014/main" id="{EC86518F-DB7E-9ECC-9A19-E7AA82A67577}"/>
-              </a:ext>
-            </a:extLst>
-          </p:cNvPr>
-          <p:cNvSpPr/>
-          <p:nvPr/>
-        </p:nvSpPr>
-        <p:spPr>
-          <a:xfrm>
-            <a:off x="0" y="0"/>
-            <a:ext cx="12192000" cy="6858000"/>
-          </a:xfrm>
-          <a:prstGeom prst="rect">
-            <a:avLst/>
-          </a:prstGeom>
-          <a:solidFill>
-            <a:srgbClr val="505050"/>
-          </a:solidFill>
-        </p:spPr>
-        <p:style>
-          <a:lnRef idx="2">
-            <a:schemeClr val="accent1">
-              <a:shade val="50000"/>
-            </a:schemeClr>
-          </a:lnRef>
-          <a:fillRef idx="1">
-            <a:schemeClr val="accent1"/>
-          </a:fillRef>
-          <a:effectRef idx="0">
-            <a:schemeClr val="accent1"/>
-          </a:effectRef>
-          <a:fontRef idx="minor">
-            <a:schemeClr val="lt1"/>
-          </a:fontRef>
-        </p:style>
-        <p:txBody>
-          <a:bodyPr rtlCol="0" anchor="ctr"/>
-          <a:lstStyle/>
-          <a:p>
-            <a:pPr algn="ctr"/>
-            <a:endParaRPr lang="en-US"/>
-          </a:p>
-        </p:txBody>
-      </p:sp>
       <p:grpSp>
         <p:nvGrpSpPr>
-          <p:cNvPr id="8" name="Group 7">
-            <a:extLst>
-              <a:ext uri="{FF2B5EF4-FFF2-40B4-BE49-F238E27FC236}">
-                <a16:creationId xmlns:a16="http://schemas.microsoft.com/office/drawing/2014/main" id="{B9A77D9A-E290-3361-A797-C3F554D587E6}"/>
+          <p:cNvPr id="26" name="Group 25">
+            <a:extLst>
+              <a:ext uri="{FF2B5EF4-FFF2-40B4-BE49-F238E27FC236}">
+                <a16:creationId xmlns:a16="http://schemas.microsoft.com/office/drawing/2014/main" id="{7F93E798-B906-7D2D-80EB-E4A6052E9D4B}"/>
               </a:ext>
             </a:extLst>
           </p:cNvPr>
@@ -3632,18 +4386,18 @@
         </p:nvGrpSpPr>
         <p:grpSpPr>
           <a:xfrm>
-            <a:off x="3743140" y="837752"/>
-            <a:ext cx="5048320" cy="5048320"/>
-            <a:chOff x="6475323" y="1675034"/>
-            <a:chExt cx="3507932" cy="3507932"/>
+            <a:off x="5330181" y="1668102"/>
+            <a:ext cx="3955654" cy="3074771"/>
+            <a:chOff x="5330181" y="1668102"/>
+            <a:chExt cx="3955654" cy="3074771"/>
           </a:xfrm>
         </p:grpSpPr>
         <p:sp>
           <p:nvSpPr>
-            <p:cNvPr id="4" name="Oval 3">
+            <p:cNvPr id="22" name="Rounded Rectangle 21">
               <a:extLst>
                 <a:ext uri="{FF2B5EF4-FFF2-40B4-BE49-F238E27FC236}">
-                  <a16:creationId xmlns:a16="http://schemas.microsoft.com/office/drawing/2014/main" id="{0B28EAEE-1122-8788-2163-13994F62194E}"/>
+                  <a16:creationId xmlns:a16="http://schemas.microsoft.com/office/drawing/2014/main" id="{8192F013-0ABC-AF39-C971-ABA001E37D07}"/>
                 </a:ext>
               </a:extLst>
             </p:cNvPr>
@@ -3652,14 +4406,197 @@
           </p:nvSpPr>
           <p:spPr>
             <a:xfrm>
-              <a:off x="6475323" y="1675034"/>
-              <a:ext cx="3507932" cy="3507932"/>
+              <a:off x="6890414" y="2148019"/>
+              <a:ext cx="1855868" cy="2589476"/>
             </a:xfrm>
-            <a:prstGeom prst="ellipse">
+            <a:custGeom>
               <a:avLst/>
-            </a:prstGeom>
+              <a:gdLst>
+                <a:gd name="connsiteX0" fmla="*/ 0 w 2546985"/>
+                <a:gd name="connsiteY0" fmla="*/ 290509 h 2578718"/>
+                <a:gd name="connsiteX1" fmla="*/ 290509 w 2546985"/>
+                <a:gd name="connsiteY1" fmla="*/ 0 h 2578718"/>
+                <a:gd name="connsiteX2" fmla="*/ 2256476 w 2546985"/>
+                <a:gd name="connsiteY2" fmla="*/ 0 h 2578718"/>
+                <a:gd name="connsiteX3" fmla="*/ 2546985 w 2546985"/>
+                <a:gd name="connsiteY3" fmla="*/ 290509 h 2578718"/>
+                <a:gd name="connsiteX4" fmla="*/ 2546985 w 2546985"/>
+                <a:gd name="connsiteY4" fmla="*/ 2288209 h 2578718"/>
+                <a:gd name="connsiteX5" fmla="*/ 2256476 w 2546985"/>
+                <a:gd name="connsiteY5" fmla="*/ 2578718 h 2578718"/>
+                <a:gd name="connsiteX6" fmla="*/ 290509 w 2546985"/>
+                <a:gd name="connsiteY6" fmla="*/ 2578718 h 2578718"/>
+                <a:gd name="connsiteX7" fmla="*/ 0 w 2546985"/>
+                <a:gd name="connsiteY7" fmla="*/ 2288209 h 2578718"/>
+                <a:gd name="connsiteX8" fmla="*/ 0 w 2546985"/>
+                <a:gd name="connsiteY8" fmla="*/ 290509 h 2578718"/>
+                <a:gd name="connsiteX0" fmla="*/ 0 w 2546985"/>
+                <a:gd name="connsiteY0" fmla="*/ 290509 h 2578718"/>
+                <a:gd name="connsiteX1" fmla="*/ 290509 w 2546985"/>
+                <a:gd name="connsiteY1" fmla="*/ 0 h 2578718"/>
+                <a:gd name="connsiteX2" fmla="*/ 2256476 w 2546985"/>
+                <a:gd name="connsiteY2" fmla="*/ 0 h 2578718"/>
+                <a:gd name="connsiteX3" fmla="*/ 2546985 w 2546985"/>
+                <a:gd name="connsiteY3" fmla="*/ 290509 h 2578718"/>
+                <a:gd name="connsiteX4" fmla="*/ 2546985 w 2546985"/>
+                <a:gd name="connsiteY4" fmla="*/ 2288209 h 2578718"/>
+                <a:gd name="connsiteX5" fmla="*/ 2256476 w 2546985"/>
+                <a:gd name="connsiteY5" fmla="*/ 2578718 h 2578718"/>
+                <a:gd name="connsiteX6" fmla="*/ 290509 w 2546985"/>
+                <a:gd name="connsiteY6" fmla="*/ 2578718 h 2578718"/>
+                <a:gd name="connsiteX7" fmla="*/ 325821 w 2546985"/>
+                <a:gd name="connsiteY7" fmla="*/ 2141064 h 2578718"/>
+                <a:gd name="connsiteX8" fmla="*/ 0 w 2546985"/>
+                <a:gd name="connsiteY8" fmla="*/ 290509 h 2578718"/>
+                <a:gd name="connsiteX0" fmla="*/ 0 w 2546985"/>
+                <a:gd name="connsiteY0" fmla="*/ 290509 h 2578718"/>
+                <a:gd name="connsiteX1" fmla="*/ 290509 w 2546985"/>
+                <a:gd name="connsiteY1" fmla="*/ 0 h 2578718"/>
+                <a:gd name="connsiteX2" fmla="*/ 2256476 w 2546985"/>
+                <a:gd name="connsiteY2" fmla="*/ 0 h 2578718"/>
+                <a:gd name="connsiteX3" fmla="*/ 2546985 w 2546985"/>
+                <a:gd name="connsiteY3" fmla="*/ 290509 h 2578718"/>
+                <a:gd name="connsiteX4" fmla="*/ 2546985 w 2546985"/>
+                <a:gd name="connsiteY4" fmla="*/ 2288209 h 2578718"/>
+                <a:gd name="connsiteX5" fmla="*/ 2256476 w 2546985"/>
+                <a:gd name="connsiteY5" fmla="*/ 2578718 h 2578718"/>
+                <a:gd name="connsiteX6" fmla="*/ 290509 w 2546985"/>
+                <a:gd name="connsiteY6" fmla="*/ 2578718 h 2578718"/>
+                <a:gd name="connsiteX7" fmla="*/ 325821 w 2546985"/>
+                <a:gd name="connsiteY7" fmla="*/ 2141064 h 2578718"/>
+                <a:gd name="connsiteX8" fmla="*/ 0 w 2546985"/>
+                <a:gd name="connsiteY8" fmla="*/ 290509 h 2578718"/>
+                <a:gd name="connsiteX0" fmla="*/ 0 w 2546985"/>
+                <a:gd name="connsiteY0" fmla="*/ 290509 h 2578718"/>
+                <a:gd name="connsiteX1" fmla="*/ 290509 w 2546985"/>
+                <a:gd name="connsiteY1" fmla="*/ 0 h 2578718"/>
+                <a:gd name="connsiteX2" fmla="*/ 2256476 w 2546985"/>
+                <a:gd name="connsiteY2" fmla="*/ 0 h 2578718"/>
+                <a:gd name="connsiteX3" fmla="*/ 2546985 w 2546985"/>
+                <a:gd name="connsiteY3" fmla="*/ 290509 h 2578718"/>
+                <a:gd name="connsiteX4" fmla="*/ 2546985 w 2546985"/>
+                <a:gd name="connsiteY4" fmla="*/ 2288209 h 2578718"/>
+                <a:gd name="connsiteX5" fmla="*/ 2256476 w 2546985"/>
+                <a:gd name="connsiteY5" fmla="*/ 2578718 h 2578718"/>
+                <a:gd name="connsiteX6" fmla="*/ 290509 w 2546985"/>
+                <a:gd name="connsiteY6" fmla="*/ 2578718 h 2578718"/>
+                <a:gd name="connsiteX7" fmla="*/ 325821 w 2546985"/>
+                <a:gd name="connsiteY7" fmla="*/ 2141064 h 2578718"/>
+                <a:gd name="connsiteX8" fmla="*/ 0 w 2546985"/>
+                <a:gd name="connsiteY8" fmla="*/ 290509 h 2578718"/>
+                <a:gd name="connsiteX0" fmla="*/ 0 w 2546985"/>
+                <a:gd name="connsiteY0" fmla="*/ 290509 h 2584097"/>
+                <a:gd name="connsiteX1" fmla="*/ 290509 w 2546985"/>
+                <a:gd name="connsiteY1" fmla="*/ 0 h 2584097"/>
+                <a:gd name="connsiteX2" fmla="*/ 2256476 w 2546985"/>
+                <a:gd name="connsiteY2" fmla="*/ 0 h 2584097"/>
+                <a:gd name="connsiteX3" fmla="*/ 2546985 w 2546985"/>
+                <a:gd name="connsiteY3" fmla="*/ 290509 h 2584097"/>
+                <a:gd name="connsiteX4" fmla="*/ 2546985 w 2546985"/>
+                <a:gd name="connsiteY4" fmla="*/ 2288209 h 2584097"/>
+                <a:gd name="connsiteX5" fmla="*/ 2256476 w 2546985"/>
+                <a:gd name="connsiteY5" fmla="*/ 2578718 h 2584097"/>
+                <a:gd name="connsiteX6" fmla="*/ 334800 w 2546985"/>
+                <a:gd name="connsiteY6" fmla="*/ 2584097 h 2584097"/>
+                <a:gd name="connsiteX7" fmla="*/ 325821 w 2546985"/>
+                <a:gd name="connsiteY7" fmla="*/ 2141064 h 2584097"/>
+                <a:gd name="connsiteX8" fmla="*/ 0 w 2546985"/>
+                <a:gd name="connsiteY8" fmla="*/ 290509 h 2584097"/>
+                <a:gd name="connsiteX0" fmla="*/ 0 w 2546985"/>
+                <a:gd name="connsiteY0" fmla="*/ 290509 h 2589476"/>
+                <a:gd name="connsiteX1" fmla="*/ 290509 w 2546985"/>
+                <a:gd name="connsiteY1" fmla="*/ 0 h 2589476"/>
+                <a:gd name="connsiteX2" fmla="*/ 2256476 w 2546985"/>
+                <a:gd name="connsiteY2" fmla="*/ 0 h 2589476"/>
+                <a:gd name="connsiteX3" fmla="*/ 2546985 w 2546985"/>
+                <a:gd name="connsiteY3" fmla="*/ 290509 h 2589476"/>
+                <a:gd name="connsiteX4" fmla="*/ 2546985 w 2546985"/>
+                <a:gd name="connsiteY4" fmla="*/ 2288209 h 2589476"/>
+                <a:gd name="connsiteX5" fmla="*/ 2256476 w 2546985"/>
+                <a:gd name="connsiteY5" fmla="*/ 2578718 h 2589476"/>
+                <a:gd name="connsiteX6" fmla="*/ 364327 w 2546985"/>
+                <a:gd name="connsiteY6" fmla="*/ 2589476 h 2589476"/>
+                <a:gd name="connsiteX7" fmla="*/ 325821 w 2546985"/>
+                <a:gd name="connsiteY7" fmla="*/ 2141064 h 2589476"/>
+                <a:gd name="connsiteX8" fmla="*/ 0 w 2546985"/>
+                <a:gd name="connsiteY8" fmla="*/ 290509 h 2589476"/>
+              </a:gdLst>
+              <a:ahLst/>
+              <a:cxnLst>
+                <a:cxn ang="0">
+                  <a:pos x="connsiteX0" y="connsiteY0"/>
+                </a:cxn>
+                <a:cxn ang="0">
+                  <a:pos x="connsiteX1" y="connsiteY1"/>
+                </a:cxn>
+                <a:cxn ang="0">
+                  <a:pos x="connsiteX2" y="connsiteY2"/>
+                </a:cxn>
+                <a:cxn ang="0">
+                  <a:pos x="connsiteX3" y="connsiteY3"/>
+                </a:cxn>
+                <a:cxn ang="0">
+                  <a:pos x="connsiteX4" y="connsiteY4"/>
+                </a:cxn>
+                <a:cxn ang="0">
+                  <a:pos x="connsiteX5" y="connsiteY5"/>
+                </a:cxn>
+                <a:cxn ang="0">
+                  <a:pos x="connsiteX6" y="connsiteY6"/>
+                </a:cxn>
+                <a:cxn ang="0">
+                  <a:pos x="connsiteX7" y="connsiteY7"/>
+                </a:cxn>
+                <a:cxn ang="0">
+                  <a:pos x="connsiteX8" y="connsiteY8"/>
+                </a:cxn>
+              </a:cxnLst>
+              <a:rect l="l" t="t" r="r" b="b"/>
+              <a:pathLst>
+                <a:path w="2546985" h="2589476">
+                  <a:moveTo>
+                    <a:pt x="0" y="290509"/>
+                  </a:moveTo>
+                  <a:cubicBezTo>
+                    <a:pt x="0" y="130065"/>
+                    <a:pt x="130065" y="0"/>
+                    <a:pt x="290509" y="0"/>
+                  </a:cubicBezTo>
+                  <a:lnTo>
+                    <a:pt x="2256476" y="0"/>
+                  </a:lnTo>
+                  <a:cubicBezTo>
+                    <a:pt x="2416920" y="0"/>
+                    <a:pt x="2546985" y="130065"/>
+                    <a:pt x="2546985" y="290509"/>
+                  </a:cubicBezTo>
+                  <a:lnTo>
+                    <a:pt x="2546985" y="2288209"/>
+                  </a:lnTo>
+                  <a:cubicBezTo>
+                    <a:pt x="2546985" y="2448653"/>
+                    <a:pt x="2416920" y="2578718"/>
+                    <a:pt x="2256476" y="2578718"/>
+                  </a:cubicBezTo>
+                  <a:lnTo>
+                    <a:pt x="364327" y="2589476"/>
+                  </a:lnTo>
+                  <a:cubicBezTo>
+                    <a:pt x="372048" y="2473863"/>
+                    <a:pt x="378373" y="2280487"/>
+                    <a:pt x="325821" y="2141064"/>
+                  </a:cubicBezTo>
+                  <a:cubicBezTo>
+                    <a:pt x="325821" y="1475164"/>
+                    <a:pt x="0" y="956409"/>
+                    <a:pt x="0" y="290509"/>
+                  </a:cubicBezTo>
+                  <a:close/>
+                </a:path>
+              </a:pathLst>
+            </a:custGeom>
             <a:solidFill>
-              <a:srgbClr val="989898"/>
+              <a:srgbClr val="E6E6E6"/>
             </a:solidFill>
             <a:ln>
               <a:noFill/>
@@ -3668,7 +4605,7 @@
           <p:style>
             <a:lnRef idx="2">
               <a:schemeClr val="accent1">
-                <a:shade val="50000"/>
+                <a:shade val="15000"/>
               </a:schemeClr>
             </a:lnRef>
             <a:fillRef idx="1">
@@ -3686,16 +4623,16 @@
             <a:lstStyle/>
             <a:p>
               <a:pPr algn="ctr"/>
-              <a:endParaRPr lang="en-VN"/>
+              <a:endParaRPr lang="en-US"/>
             </a:p>
           </p:txBody>
         </p:sp>
         <p:sp>
           <p:nvSpPr>
-            <p:cNvPr id="5" name="Rounded Rectangle 4">
+            <p:cNvPr id="20" name="Freeform 19">
               <a:extLst>
                 <a:ext uri="{FF2B5EF4-FFF2-40B4-BE49-F238E27FC236}">
-                  <a16:creationId xmlns:a16="http://schemas.microsoft.com/office/drawing/2014/main" id="{691E2470-524D-9B5E-C2ED-D80A9353A154}"/>
+                  <a16:creationId xmlns:a16="http://schemas.microsoft.com/office/drawing/2014/main" id="{62E7DCAD-89A2-1257-62FE-34E13ACAF5BE}"/>
                 </a:ext>
               </a:extLst>
             </p:cNvPr>
@@ -3703,17 +4640,58 @@
             <p:nvPr/>
           </p:nvSpPr>
           <p:spPr>
-            <a:xfrm rot="5400000">
-              <a:off x="7257351" y="3337560"/>
-              <a:ext cx="1920240" cy="182880"/>
+            <a:xfrm>
+              <a:off x="7043088" y="4283836"/>
+              <a:ext cx="565532" cy="459037"/>
             </a:xfrm>
-            <a:prstGeom prst="roundRect">
-              <a:avLst>
-                <a:gd name="adj" fmla="val 50000"/>
-              </a:avLst>
-            </a:prstGeom>
+            <a:custGeom>
+              <a:avLst/>
+              <a:gdLst>
+                <a:gd name="connsiteX0" fmla="*/ 0 w 565532"/>
+                <a:gd name="connsiteY0" fmla="*/ 0 h 459037"/>
+                <a:gd name="connsiteX1" fmla="*/ 565532 w 565532"/>
+                <a:gd name="connsiteY1" fmla="*/ 3673 h 459037"/>
+                <a:gd name="connsiteX2" fmla="*/ 106496 w 565532"/>
+                <a:gd name="connsiteY2" fmla="*/ 459037 h 459037"/>
+                <a:gd name="connsiteX3" fmla="*/ 0 w 565532"/>
+                <a:gd name="connsiteY3" fmla="*/ 0 h 459037"/>
+              </a:gdLst>
+              <a:ahLst/>
+              <a:cxnLst>
+                <a:cxn ang="0">
+                  <a:pos x="connsiteX0" y="connsiteY0"/>
+                </a:cxn>
+                <a:cxn ang="0">
+                  <a:pos x="connsiteX1" y="connsiteY1"/>
+                </a:cxn>
+                <a:cxn ang="0">
+                  <a:pos x="connsiteX2" y="connsiteY2"/>
+                </a:cxn>
+                <a:cxn ang="0">
+                  <a:pos x="connsiteX3" y="connsiteY3"/>
+                </a:cxn>
+              </a:cxnLst>
+              <a:rect l="l" t="t" r="r" b="b"/>
+              <a:pathLst>
+                <a:path w="565532" h="459037">
+                  <a:moveTo>
+                    <a:pt x="0" y="0"/>
+                  </a:moveTo>
+                  <a:lnTo>
+                    <a:pt x="565532" y="3673"/>
+                  </a:lnTo>
+                  <a:lnTo>
+                    <a:pt x="106496" y="459037"/>
+                  </a:lnTo>
+                  <a:lnTo>
+                    <a:pt x="0" y="0"/>
+                  </a:lnTo>
+                  <a:close/>
+                </a:path>
+              </a:pathLst>
+            </a:custGeom>
             <a:solidFill>
-              <a:schemeClr val="bg1"/>
+              <a:srgbClr val="4C6AD3"/>
             </a:solidFill>
             <a:ln>
               <a:noFill/>
@@ -3722,7 +4700,7 @@
           <p:style>
             <a:lnRef idx="2">
               <a:schemeClr val="accent1">
-                <a:shade val="50000"/>
+                <a:shade val="15000"/>
               </a:schemeClr>
             </a:lnRef>
             <a:fillRef idx="1">
@@ -3740,16 +4718,66 @@
             <a:lstStyle/>
             <a:p>
               <a:pPr algn="ctr"/>
-              <a:endParaRPr lang="en-VN"/>
+              <a:endParaRPr lang="en-US"/>
             </a:p>
           </p:txBody>
         </p:sp>
         <p:sp>
           <p:nvSpPr>
-            <p:cNvPr id="6" name="Rounded Rectangle 5">
+            <p:cNvPr id="25" name="TextBox 24">
               <a:extLst>
                 <a:ext uri="{FF2B5EF4-FFF2-40B4-BE49-F238E27FC236}">
-                  <a16:creationId xmlns:a16="http://schemas.microsoft.com/office/drawing/2014/main" id="{20AF888A-D444-98B9-9365-2CC9FE671B89}"/>
+                  <a16:creationId xmlns:a16="http://schemas.microsoft.com/office/drawing/2014/main" id="{8580421C-E51B-E6FF-C555-5E772884C422}"/>
+                </a:ext>
+              </a:extLst>
+            </p:cNvPr>
+            <p:cNvSpPr txBox="1"/>
+            <p:nvPr/>
+          </p:nvSpPr>
+          <p:spPr>
+            <a:xfrm>
+              <a:off x="7429967" y="2787093"/>
+              <a:ext cx="1855868" cy="1323439"/>
+            </a:xfrm>
+            <a:prstGeom prst="rect">
+              <a:avLst/>
+            </a:prstGeom>
+            <a:noFill/>
+          </p:spPr>
+          <p:txBody>
+            <a:bodyPr wrap="square" rtlCol="0">
+              <a:spAutoFit/>
+            </a:bodyPr>
+            <a:lstStyle/>
+            <a:p>
+              <a:r>
+                <a:rPr lang="ja-JP" altLang="en-US" sz="8000" b="1" i="0">
+                  <a:solidFill>
+                    <a:schemeClr val="bg1">
+                      <a:lumMod val="50000"/>
+                    </a:schemeClr>
+                  </a:solidFill>
+                  <a:effectLst/>
+                  <a:latin typeface="Roboto" panose="02000000000000000000" pitchFamily="2" charset="0"/>
+                </a:rPr>
+                <a:t>壹</a:t>
+              </a:r>
+              <a:endParaRPr lang="en-US" sz="8000" b="1" dirty="0">
+                <a:solidFill>
+                  <a:schemeClr val="bg1">
+                    <a:lumMod val="50000"/>
+                  </a:schemeClr>
+                </a:solidFill>
+              </a:endParaRPr>
+            </a:p>
+          </p:txBody>
+        </p:sp>
+        <p:sp>
+          <p:nvSpPr>
+            <p:cNvPr id="16" name="Rounded Rectangle 15">
+              <a:extLst>
+                <a:ext uri="{FF2B5EF4-FFF2-40B4-BE49-F238E27FC236}">
+                  <a16:creationId xmlns:a16="http://schemas.microsoft.com/office/drawing/2014/main" id="{8DB9FB98-1AEF-8E54-BBF5-493C3CDF5E57}"/>
                 </a:ext>
               </a:extLst>
             </p:cNvPr>
@@ -3757,17 +4785,432 @@
             <p:nvPr/>
           </p:nvSpPr>
           <p:spPr>
-            <a:xfrm rot="10800000">
-              <a:off x="7257351" y="3344250"/>
-              <a:ext cx="1920240" cy="169500"/>
+            <a:xfrm>
+              <a:off x="5330181" y="1668102"/>
+              <a:ext cx="2275237" cy="2630119"/>
             </a:xfrm>
-            <a:prstGeom prst="roundRect">
-              <a:avLst>
-                <a:gd name="adj" fmla="val 50000"/>
-              </a:avLst>
-            </a:prstGeom>
+            <a:custGeom>
+              <a:avLst/>
+              <a:gdLst>
+                <a:gd name="connsiteX0" fmla="*/ 0 w 2732314"/>
+                <a:gd name="connsiteY0" fmla="*/ 233864 h 2578718"/>
+                <a:gd name="connsiteX1" fmla="*/ 233864 w 2732314"/>
+                <a:gd name="connsiteY1" fmla="*/ 0 h 2578718"/>
+                <a:gd name="connsiteX2" fmla="*/ 2498450 w 2732314"/>
+                <a:gd name="connsiteY2" fmla="*/ 0 h 2578718"/>
+                <a:gd name="connsiteX3" fmla="*/ 2732314 w 2732314"/>
+                <a:gd name="connsiteY3" fmla="*/ 233864 h 2578718"/>
+                <a:gd name="connsiteX4" fmla="*/ 2732314 w 2732314"/>
+                <a:gd name="connsiteY4" fmla="*/ 2344854 h 2578718"/>
+                <a:gd name="connsiteX5" fmla="*/ 2498450 w 2732314"/>
+                <a:gd name="connsiteY5" fmla="*/ 2578718 h 2578718"/>
+                <a:gd name="connsiteX6" fmla="*/ 233864 w 2732314"/>
+                <a:gd name="connsiteY6" fmla="*/ 2578718 h 2578718"/>
+                <a:gd name="connsiteX7" fmla="*/ 0 w 2732314"/>
+                <a:gd name="connsiteY7" fmla="*/ 2344854 h 2578718"/>
+                <a:gd name="connsiteX8" fmla="*/ 0 w 2732314"/>
+                <a:gd name="connsiteY8" fmla="*/ 233864 h 2578718"/>
+                <a:gd name="connsiteX0" fmla="*/ 0 w 2732314"/>
+                <a:gd name="connsiteY0" fmla="*/ 233864 h 2578718"/>
+                <a:gd name="connsiteX1" fmla="*/ 233864 w 2732314"/>
+                <a:gd name="connsiteY1" fmla="*/ 0 h 2578718"/>
+                <a:gd name="connsiteX2" fmla="*/ 1930892 w 2732314"/>
+                <a:gd name="connsiteY2" fmla="*/ 0 h 2578718"/>
+                <a:gd name="connsiteX3" fmla="*/ 2732314 w 2732314"/>
+                <a:gd name="connsiteY3" fmla="*/ 233864 h 2578718"/>
+                <a:gd name="connsiteX4" fmla="*/ 2732314 w 2732314"/>
+                <a:gd name="connsiteY4" fmla="*/ 2344854 h 2578718"/>
+                <a:gd name="connsiteX5" fmla="*/ 2498450 w 2732314"/>
+                <a:gd name="connsiteY5" fmla="*/ 2578718 h 2578718"/>
+                <a:gd name="connsiteX6" fmla="*/ 233864 w 2732314"/>
+                <a:gd name="connsiteY6" fmla="*/ 2578718 h 2578718"/>
+                <a:gd name="connsiteX7" fmla="*/ 0 w 2732314"/>
+                <a:gd name="connsiteY7" fmla="*/ 2344854 h 2578718"/>
+                <a:gd name="connsiteX8" fmla="*/ 0 w 2732314"/>
+                <a:gd name="connsiteY8" fmla="*/ 233864 h 2578718"/>
+                <a:gd name="connsiteX0" fmla="*/ 0 w 2732314"/>
+                <a:gd name="connsiteY0" fmla="*/ 233864 h 2578718"/>
+                <a:gd name="connsiteX1" fmla="*/ 233864 w 2732314"/>
+                <a:gd name="connsiteY1" fmla="*/ 0 h 2578718"/>
+                <a:gd name="connsiteX2" fmla="*/ 1720685 w 2732314"/>
+                <a:gd name="connsiteY2" fmla="*/ 10510 h 2578718"/>
+                <a:gd name="connsiteX3" fmla="*/ 2732314 w 2732314"/>
+                <a:gd name="connsiteY3" fmla="*/ 233864 h 2578718"/>
+                <a:gd name="connsiteX4" fmla="*/ 2732314 w 2732314"/>
+                <a:gd name="connsiteY4" fmla="*/ 2344854 h 2578718"/>
+                <a:gd name="connsiteX5" fmla="*/ 2498450 w 2732314"/>
+                <a:gd name="connsiteY5" fmla="*/ 2578718 h 2578718"/>
+                <a:gd name="connsiteX6" fmla="*/ 233864 w 2732314"/>
+                <a:gd name="connsiteY6" fmla="*/ 2578718 h 2578718"/>
+                <a:gd name="connsiteX7" fmla="*/ 0 w 2732314"/>
+                <a:gd name="connsiteY7" fmla="*/ 2344854 h 2578718"/>
+                <a:gd name="connsiteX8" fmla="*/ 0 w 2732314"/>
+                <a:gd name="connsiteY8" fmla="*/ 233864 h 2578718"/>
+                <a:gd name="connsiteX0" fmla="*/ 0 w 2732314"/>
+                <a:gd name="connsiteY0" fmla="*/ 233864 h 2578718"/>
+                <a:gd name="connsiteX1" fmla="*/ 233864 w 2732314"/>
+                <a:gd name="connsiteY1" fmla="*/ 0 h 2578718"/>
+                <a:gd name="connsiteX2" fmla="*/ 1720685 w 2732314"/>
+                <a:gd name="connsiteY2" fmla="*/ 10510 h 2578718"/>
+                <a:gd name="connsiteX3" fmla="*/ 2732314 w 2732314"/>
+                <a:gd name="connsiteY3" fmla="*/ 233864 h 2578718"/>
+                <a:gd name="connsiteX4" fmla="*/ 2732314 w 2732314"/>
+                <a:gd name="connsiteY4" fmla="*/ 2344854 h 2578718"/>
+                <a:gd name="connsiteX5" fmla="*/ 2498450 w 2732314"/>
+                <a:gd name="connsiteY5" fmla="*/ 2578718 h 2578718"/>
+                <a:gd name="connsiteX6" fmla="*/ 233864 w 2732314"/>
+                <a:gd name="connsiteY6" fmla="*/ 2578718 h 2578718"/>
+                <a:gd name="connsiteX7" fmla="*/ 0 w 2732314"/>
+                <a:gd name="connsiteY7" fmla="*/ 2344854 h 2578718"/>
+                <a:gd name="connsiteX8" fmla="*/ 0 w 2732314"/>
+                <a:gd name="connsiteY8" fmla="*/ 233864 h 2578718"/>
+                <a:gd name="connsiteX0" fmla="*/ 0 w 2732314"/>
+                <a:gd name="connsiteY0" fmla="*/ 233864 h 2578718"/>
+                <a:gd name="connsiteX1" fmla="*/ 233864 w 2732314"/>
+                <a:gd name="connsiteY1" fmla="*/ 0 h 2578718"/>
+                <a:gd name="connsiteX2" fmla="*/ 1720685 w 2732314"/>
+                <a:gd name="connsiteY2" fmla="*/ 10510 h 2578718"/>
+                <a:gd name="connsiteX3" fmla="*/ 2732314 w 2732314"/>
+                <a:gd name="connsiteY3" fmla="*/ 233864 h 2578718"/>
+                <a:gd name="connsiteX4" fmla="*/ 2732314 w 2732314"/>
+                <a:gd name="connsiteY4" fmla="*/ 2344854 h 2578718"/>
+                <a:gd name="connsiteX5" fmla="*/ 2498450 w 2732314"/>
+                <a:gd name="connsiteY5" fmla="*/ 2578718 h 2578718"/>
+                <a:gd name="connsiteX6" fmla="*/ 233864 w 2732314"/>
+                <a:gd name="connsiteY6" fmla="*/ 2578718 h 2578718"/>
+                <a:gd name="connsiteX7" fmla="*/ 0 w 2732314"/>
+                <a:gd name="connsiteY7" fmla="*/ 2344854 h 2578718"/>
+                <a:gd name="connsiteX8" fmla="*/ 0 w 2732314"/>
+                <a:gd name="connsiteY8" fmla="*/ 233864 h 2578718"/>
+                <a:gd name="connsiteX0" fmla="*/ 0 w 2732314"/>
+                <a:gd name="connsiteY0" fmla="*/ 233864 h 2578718"/>
+                <a:gd name="connsiteX1" fmla="*/ 233864 w 2732314"/>
+                <a:gd name="connsiteY1" fmla="*/ 0 h 2578718"/>
+                <a:gd name="connsiteX2" fmla="*/ 1720685 w 2732314"/>
+                <a:gd name="connsiteY2" fmla="*/ 10510 h 2578718"/>
+                <a:gd name="connsiteX3" fmla="*/ 2732314 w 2732314"/>
+                <a:gd name="connsiteY3" fmla="*/ 233864 h 2578718"/>
+                <a:gd name="connsiteX4" fmla="*/ 2732314 w 2732314"/>
+                <a:gd name="connsiteY4" fmla="*/ 2344854 h 2578718"/>
+                <a:gd name="connsiteX5" fmla="*/ 2498450 w 2732314"/>
+                <a:gd name="connsiteY5" fmla="*/ 2578718 h 2578718"/>
+                <a:gd name="connsiteX6" fmla="*/ 233864 w 2732314"/>
+                <a:gd name="connsiteY6" fmla="*/ 2578718 h 2578718"/>
+                <a:gd name="connsiteX7" fmla="*/ 0 w 2732314"/>
+                <a:gd name="connsiteY7" fmla="*/ 2344854 h 2578718"/>
+                <a:gd name="connsiteX8" fmla="*/ 0 w 2732314"/>
+                <a:gd name="connsiteY8" fmla="*/ 233864 h 2578718"/>
+                <a:gd name="connsiteX0" fmla="*/ 0 w 2732314"/>
+                <a:gd name="connsiteY0" fmla="*/ 233864 h 2578718"/>
+                <a:gd name="connsiteX1" fmla="*/ 233864 w 2732314"/>
+                <a:gd name="connsiteY1" fmla="*/ 0 h 2578718"/>
+                <a:gd name="connsiteX2" fmla="*/ 1720685 w 2732314"/>
+                <a:gd name="connsiteY2" fmla="*/ 10510 h 2578718"/>
+                <a:gd name="connsiteX3" fmla="*/ 2175266 w 2732314"/>
+                <a:gd name="connsiteY3" fmla="*/ 2220319 h 2578718"/>
+                <a:gd name="connsiteX4" fmla="*/ 2732314 w 2732314"/>
+                <a:gd name="connsiteY4" fmla="*/ 2344854 h 2578718"/>
+                <a:gd name="connsiteX5" fmla="*/ 2498450 w 2732314"/>
+                <a:gd name="connsiteY5" fmla="*/ 2578718 h 2578718"/>
+                <a:gd name="connsiteX6" fmla="*/ 233864 w 2732314"/>
+                <a:gd name="connsiteY6" fmla="*/ 2578718 h 2578718"/>
+                <a:gd name="connsiteX7" fmla="*/ 0 w 2732314"/>
+                <a:gd name="connsiteY7" fmla="*/ 2344854 h 2578718"/>
+                <a:gd name="connsiteX8" fmla="*/ 0 w 2732314"/>
+                <a:gd name="connsiteY8" fmla="*/ 233864 h 2578718"/>
+                <a:gd name="connsiteX0" fmla="*/ 0 w 2732314"/>
+                <a:gd name="connsiteY0" fmla="*/ 233864 h 2578718"/>
+                <a:gd name="connsiteX1" fmla="*/ 233864 w 2732314"/>
+                <a:gd name="connsiteY1" fmla="*/ 0 h 2578718"/>
+                <a:gd name="connsiteX2" fmla="*/ 1657623 w 2732314"/>
+                <a:gd name="connsiteY2" fmla="*/ 21020 h 2578718"/>
+                <a:gd name="connsiteX3" fmla="*/ 2175266 w 2732314"/>
+                <a:gd name="connsiteY3" fmla="*/ 2220319 h 2578718"/>
+                <a:gd name="connsiteX4" fmla="*/ 2732314 w 2732314"/>
+                <a:gd name="connsiteY4" fmla="*/ 2344854 h 2578718"/>
+                <a:gd name="connsiteX5" fmla="*/ 2498450 w 2732314"/>
+                <a:gd name="connsiteY5" fmla="*/ 2578718 h 2578718"/>
+                <a:gd name="connsiteX6" fmla="*/ 233864 w 2732314"/>
+                <a:gd name="connsiteY6" fmla="*/ 2578718 h 2578718"/>
+                <a:gd name="connsiteX7" fmla="*/ 0 w 2732314"/>
+                <a:gd name="connsiteY7" fmla="*/ 2344854 h 2578718"/>
+                <a:gd name="connsiteX8" fmla="*/ 0 w 2732314"/>
+                <a:gd name="connsiteY8" fmla="*/ 233864 h 2578718"/>
+                <a:gd name="connsiteX0" fmla="*/ 0 w 2732314"/>
+                <a:gd name="connsiteY0" fmla="*/ 233864 h 2589229"/>
+                <a:gd name="connsiteX1" fmla="*/ 233864 w 2732314"/>
+                <a:gd name="connsiteY1" fmla="*/ 0 h 2589229"/>
+                <a:gd name="connsiteX2" fmla="*/ 1657623 w 2732314"/>
+                <a:gd name="connsiteY2" fmla="*/ 21020 h 2589229"/>
+                <a:gd name="connsiteX3" fmla="*/ 2175266 w 2732314"/>
+                <a:gd name="connsiteY3" fmla="*/ 2220319 h 2589229"/>
+                <a:gd name="connsiteX4" fmla="*/ 2732314 w 2732314"/>
+                <a:gd name="connsiteY4" fmla="*/ 2344854 h 2589229"/>
+                <a:gd name="connsiteX5" fmla="*/ 2067525 w 2732314"/>
+                <a:gd name="connsiteY5" fmla="*/ 2589229 h 2589229"/>
+                <a:gd name="connsiteX6" fmla="*/ 233864 w 2732314"/>
+                <a:gd name="connsiteY6" fmla="*/ 2578718 h 2589229"/>
+                <a:gd name="connsiteX7" fmla="*/ 0 w 2732314"/>
+                <a:gd name="connsiteY7" fmla="*/ 2344854 h 2589229"/>
+                <a:gd name="connsiteX8" fmla="*/ 0 w 2732314"/>
+                <a:gd name="connsiteY8" fmla="*/ 233864 h 2589229"/>
+                <a:gd name="connsiteX0" fmla="*/ 0 w 2269859"/>
+                <a:gd name="connsiteY0" fmla="*/ 233864 h 2610313"/>
+                <a:gd name="connsiteX1" fmla="*/ 233864 w 2269859"/>
+                <a:gd name="connsiteY1" fmla="*/ 0 h 2610313"/>
+                <a:gd name="connsiteX2" fmla="*/ 1657623 w 2269859"/>
+                <a:gd name="connsiteY2" fmla="*/ 21020 h 2610313"/>
+                <a:gd name="connsiteX3" fmla="*/ 2175266 w 2269859"/>
+                <a:gd name="connsiteY3" fmla="*/ 2220319 h 2610313"/>
+                <a:gd name="connsiteX4" fmla="*/ 2269859 w 2269859"/>
+                <a:gd name="connsiteY4" fmla="*/ 2534040 h 2610313"/>
+                <a:gd name="connsiteX5" fmla="*/ 2067525 w 2269859"/>
+                <a:gd name="connsiteY5" fmla="*/ 2589229 h 2610313"/>
+                <a:gd name="connsiteX6" fmla="*/ 233864 w 2269859"/>
+                <a:gd name="connsiteY6" fmla="*/ 2578718 h 2610313"/>
+                <a:gd name="connsiteX7" fmla="*/ 0 w 2269859"/>
+                <a:gd name="connsiteY7" fmla="*/ 2344854 h 2610313"/>
+                <a:gd name="connsiteX8" fmla="*/ 0 w 2269859"/>
+                <a:gd name="connsiteY8" fmla="*/ 233864 h 2610313"/>
+                <a:gd name="connsiteX0" fmla="*/ 0 w 2269859"/>
+                <a:gd name="connsiteY0" fmla="*/ 233864 h 2610313"/>
+                <a:gd name="connsiteX1" fmla="*/ 233864 w 2269859"/>
+                <a:gd name="connsiteY1" fmla="*/ 0 h 2610313"/>
+                <a:gd name="connsiteX2" fmla="*/ 1657623 w 2269859"/>
+                <a:gd name="connsiteY2" fmla="*/ 21020 h 2610313"/>
+                <a:gd name="connsiteX3" fmla="*/ 2269859 w 2269859"/>
+                <a:gd name="connsiteY3" fmla="*/ 2534040 h 2610313"/>
+                <a:gd name="connsiteX4" fmla="*/ 2067525 w 2269859"/>
+                <a:gd name="connsiteY4" fmla="*/ 2589229 h 2610313"/>
+                <a:gd name="connsiteX5" fmla="*/ 233864 w 2269859"/>
+                <a:gd name="connsiteY5" fmla="*/ 2578718 h 2610313"/>
+                <a:gd name="connsiteX6" fmla="*/ 0 w 2269859"/>
+                <a:gd name="connsiteY6" fmla="*/ 2344854 h 2610313"/>
+                <a:gd name="connsiteX7" fmla="*/ 0 w 2269859"/>
+                <a:gd name="connsiteY7" fmla="*/ 233864 h 2610313"/>
+                <a:gd name="connsiteX0" fmla="*/ 0 w 2269859"/>
+                <a:gd name="connsiteY0" fmla="*/ 233864 h 2610313"/>
+                <a:gd name="connsiteX1" fmla="*/ 233864 w 2269859"/>
+                <a:gd name="connsiteY1" fmla="*/ 0 h 2610313"/>
+                <a:gd name="connsiteX2" fmla="*/ 1657623 w 2269859"/>
+                <a:gd name="connsiteY2" fmla="*/ 21020 h 2610313"/>
+                <a:gd name="connsiteX3" fmla="*/ 2269859 w 2269859"/>
+                <a:gd name="connsiteY3" fmla="*/ 2534040 h 2610313"/>
+                <a:gd name="connsiteX4" fmla="*/ 2067525 w 2269859"/>
+                <a:gd name="connsiteY4" fmla="*/ 2589229 h 2610313"/>
+                <a:gd name="connsiteX5" fmla="*/ 233864 w 2269859"/>
+                <a:gd name="connsiteY5" fmla="*/ 2578718 h 2610313"/>
+                <a:gd name="connsiteX6" fmla="*/ 0 w 2269859"/>
+                <a:gd name="connsiteY6" fmla="*/ 2344854 h 2610313"/>
+                <a:gd name="connsiteX7" fmla="*/ 0 w 2269859"/>
+                <a:gd name="connsiteY7" fmla="*/ 233864 h 2610313"/>
+                <a:gd name="connsiteX0" fmla="*/ 0 w 2269859"/>
+                <a:gd name="connsiteY0" fmla="*/ 233864 h 2644688"/>
+                <a:gd name="connsiteX1" fmla="*/ 233864 w 2269859"/>
+                <a:gd name="connsiteY1" fmla="*/ 0 h 2644688"/>
+                <a:gd name="connsiteX2" fmla="*/ 1657623 w 2269859"/>
+                <a:gd name="connsiteY2" fmla="*/ 21020 h 2644688"/>
+                <a:gd name="connsiteX3" fmla="*/ 2269859 w 2269859"/>
+                <a:gd name="connsiteY3" fmla="*/ 2586592 h 2644688"/>
+                <a:gd name="connsiteX4" fmla="*/ 2067525 w 2269859"/>
+                <a:gd name="connsiteY4" fmla="*/ 2589229 h 2644688"/>
+                <a:gd name="connsiteX5" fmla="*/ 233864 w 2269859"/>
+                <a:gd name="connsiteY5" fmla="*/ 2578718 h 2644688"/>
+                <a:gd name="connsiteX6" fmla="*/ 0 w 2269859"/>
+                <a:gd name="connsiteY6" fmla="*/ 2344854 h 2644688"/>
+                <a:gd name="connsiteX7" fmla="*/ 0 w 2269859"/>
+                <a:gd name="connsiteY7" fmla="*/ 233864 h 2644688"/>
+                <a:gd name="connsiteX0" fmla="*/ 0 w 2269859"/>
+                <a:gd name="connsiteY0" fmla="*/ 233864 h 2593381"/>
+                <a:gd name="connsiteX1" fmla="*/ 233864 w 2269859"/>
+                <a:gd name="connsiteY1" fmla="*/ 0 h 2593381"/>
+                <a:gd name="connsiteX2" fmla="*/ 1657623 w 2269859"/>
+                <a:gd name="connsiteY2" fmla="*/ 21020 h 2593381"/>
+                <a:gd name="connsiteX3" fmla="*/ 2269859 w 2269859"/>
+                <a:gd name="connsiteY3" fmla="*/ 2586592 h 2593381"/>
+                <a:gd name="connsiteX4" fmla="*/ 2067525 w 2269859"/>
+                <a:gd name="connsiteY4" fmla="*/ 2589229 h 2593381"/>
+                <a:gd name="connsiteX5" fmla="*/ 233864 w 2269859"/>
+                <a:gd name="connsiteY5" fmla="*/ 2578718 h 2593381"/>
+                <a:gd name="connsiteX6" fmla="*/ 0 w 2269859"/>
+                <a:gd name="connsiteY6" fmla="*/ 2344854 h 2593381"/>
+                <a:gd name="connsiteX7" fmla="*/ 0 w 2269859"/>
+                <a:gd name="connsiteY7" fmla="*/ 233864 h 2593381"/>
+                <a:gd name="connsiteX0" fmla="*/ 0 w 2269859"/>
+                <a:gd name="connsiteY0" fmla="*/ 233864 h 2783137"/>
+                <a:gd name="connsiteX1" fmla="*/ 233864 w 2269859"/>
+                <a:gd name="connsiteY1" fmla="*/ 0 h 2783137"/>
+                <a:gd name="connsiteX2" fmla="*/ 1657623 w 2269859"/>
+                <a:gd name="connsiteY2" fmla="*/ 21020 h 2783137"/>
+                <a:gd name="connsiteX3" fmla="*/ 2269859 w 2269859"/>
+                <a:gd name="connsiteY3" fmla="*/ 2586592 h 2783137"/>
+                <a:gd name="connsiteX4" fmla="*/ 233864 w 2269859"/>
+                <a:gd name="connsiteY4" fmla="*/ 2578718 h 2783137"/>
+                <a:gd name="connsiteX5" fmla="*/ 0 w 2269859"/>
+                <a:gd name="connsiteY5" fmla="*/ 2344854 h 2783137"/>
+                <a:gd name="connsiteX6" fmla="*/ 0 w 2269859"/>
+                <a:gd name="connsiteY6" fmla="*/ 233864 h 2783137"/>
+                <a:gd name="connsiteX0" fmla="*/ 0 w 2269859"/>
+                <a:gd name="connsiteY0" fmla="*/ 233864 h 2597712"/>
+                <a:gd name="connsiteX1" fmla="*/ 233864 w 2269859"/>
+                <a:gd name="connsiteY1" fmla="*/ 0 h 2597712"/>
+                <a:gd name="connsiteX2" fmla="*/ 1657623 w 2269859"/>
+                <a:gd name="connsiteY2" fmla="*/ 21020 h 2597712"/>
+                <a:gd name="connsiteX3" fmla="*/ 2269859 w 2269859"/>
+                <a:gd name="connsiteY3" fmla="*/ 2586592 h 2597712"/>
+                <a:gd name="connsiteX4" fmla="*/ 233864 w 2269859"/>
+                <a:gd name="connsiteY4" fmla="*/ 2578718 h 2597712"/>
+                <a:gd name="connsiteX5" fmla="*/ 0 w 2269859"/>
+                <a:gd name="connsiteY5" fmla="*/ 2344854 h 2597712"/>
+                <a:gd name="connsiteX6" fmla="*/ 0 w 2269859"/>
+                <a:gd name="connsiteY6" fmla="*/ 233864 h 2597712"/>
+                <a:gd name="connsiteX0" fmla="*/ 0 w 2269859"/>
+                <a:gd name="connsiteY0" fmla="*/ 233864 h 2597712"/>
+                <a:gd name="connsiteX1" fmla="*/ 233864 w 2269859"/>
+                <a:gd name="connsiteY1" fmla="*/ 0 h 2597712"/>
+                <a:gd name="connsiteX2" fmla="*/ 1657623 w 2269859"/>
+                <a:gd name="connsiteY2" fmla="*/ 21020 h 2597712"/>
+                <a:gd name="connsiteX3" fmla="*/ 2269859 w 2269859"/>
+                <a:gd name="connsiteY3" fmla="*/ 2586592 h 2597712"/>
+                <a:gd name="connsiteX4" fmla="*/ 233864 w 2269859"/>
+                <a:gd name="connsiteY4" fmla="*/ 2578718 h 2597712"/>
+                <a:gd name="connsiteX5" fmla="*/ 0 w 2269859"/>
+                <a:gd name="connsiteY5" fmla="*/ 2344854 h 2597712"/>
+                <a:gd name="connsiteX6" fmla="*/ 0 w 2269859"/>
+                <a:gd name="connsiteY6" fmla="*/ 233864 h 2597712"/>
+                <a:gd name="connsiteX0" fmla="*/ 0 w 2269859"/>
+                <a:gd name="connsiteY0" fmla="*/ 233864 h 2604013"/>
+                <a:gd name="connsiteX1" fmla="*/ 233864 w 2269859"/>
+                <a:gd name="connsiteY1" fmla="*/ 0 h 2604013"/>
+                <a:gd name="connsiteX2" fmla="*/ 1657623 w 2269859"/>
+                <a:gd name="connsiteY2" fmla="*/ 21020 h 2604013"/>
+                <a:gd name="connsiteX3" fmla="*/ 2269859 w 2269859"/>
+                <a:gd name="connsiteY3" fmla="*/ 2586592 h 2604013"/>
+                <a:gd name="connsiteX4" fmla="*/ 233864 w 2269859"/>
+                <a:gd name="connsiteY4" fmla="*/ 2578718 h 2604013"/>
+                <a:gd name="connsiteX5" fmla="*/ 0 w 2269859"/>
+                <a:gd name="connsiteY5" fmla="*/ 2344854 h 2604013"/>
+                <a:gd name="connsiteX6" fmla="*/ 0 w 2269859"/>
+                <a:gd name="connsiteY6" fmla="*/ 233864 h 2604013"/>
+                <a:gd name="connsiteX0" fmla="*/ 0 w 2269859"/>
+                <a:gd name="connsiteY0" fmla="*/ 233864 h 2604013"/>
+                <a:gd name="connsiteX1" fmla="*/ 233864 w 2269859"/>
+                <a:gd name="connsiteY1" fmla="*/ 0 h 2604013"/>
+                <a:gd name="connsiteX2" fmla="*/ 1657623 w 2269859"/>
+                <a:gd name="connsiteY2" fmla="*/ 21020 h 2604013"/>
+                <a:gd name="connsiteX3" fmla="*/ 2269859 w 2269859"/>
+                <a:gd name="connsiteY3" fmla="*/ 2586592 h 2604013"/>
+                <a:gd name="connsiteX4" fmla="*/ 233864 w 2269859"/>
+                <a:gd name="connsiteY4" fmla="*/ 2578718 h 2604013"/>
+                <a:gd name="connsiteX5" fmla="*/ 0 w 2269859"/>
+                <a:gd name="connsiteY5" fmla="*/ 2344854 h 2604013"/>
+                <a:gd name="connsiteX6" fmla="*/ 0 w 2269859"/>
+                <a:gd name="connsiteY6" fmla="*/ 233864 h 2604013"/>
+                <a:gd name="connsiteX0" fmla="*/ 0 w 2269859"/>
+                <a:gd name="connsiteY0" fmla="*/ 239739 h 2609888"/>
+                <a:gd name="connsiteX1" fmla="*/ 233864 w 2269859"/>
+                <a:gd name="connsiteY1" fmla="*/ 5875 h 2609888"/>
+                <a:gd name="connsiteX2" fmla="*/ 1652244 w 2269859"/>
+                <a:gd name="connsiteY2" fmla="*/ 0 h 2609888"/>
+                <a:gd name="connsiteX3" fmla="*/ 2269859 w 2269859"/>
+                <a:gd name="connsiteY3" fmla="*/ 2592467 h 2609888"/>
+                <a:gd name="connsiteX4" fmla="*/ 233864 w 2269859"/>
+                <a:gd name="connsiteY4" fmla="*/ 2584593 h 2609888"/>
+                <a:gd name="connsiteX5" fmla="*/ 0 w 2269859"/>
+                <a:gd name="connsiteY5" fmla="*/ 2350729 h 2609888"/>
+                <a:gd name="connsiteX6" fmla="*/ 0 w 2269859"/>
+                <a:gd name="connsiteY6" fmla="*/ 239739 h 2609888"/>
+                <a:gd name="connsiteX0" fmla="*/ 0 w 2275237"/>
+                <a:gd name="connsiteY0" fmla="*/ 239739 h 2635626"/>
+                <a:gd name="connsiteX1" fmla="*/ 233864 w 2275237"/>
+                <a:gd name="connsiteY1" fmla="*/ 5875 h 2635626"/>
+                <a:gd name="connsiteX2" fmla="*/ 1652244 w 2275237"/>
+                <a:gd name="connsiteY2" fmla="*/ 0 h 2635626"/>
+                <a:gd name="connsiteX3" fmla="*/ 2275237 w 2275237"/>
+                <a:gd name="connsiteY3" fmla="*/ 2630119 h 2635626"/>
+                <a:gd name="connsiteX4" fmla="*/ 233864 w 2275237"/>
+                <a:gd name="connsiteY4" fmla="*/ 2584593 h 2635626"/>
+                <a:gd name="connsiteX5" fmla="*/ 0 w 2275237"/>
+                <a:gd name="connsiteY5" fmla="*/ 2350729 h 2635626"/>
+                <a:gd name="connsiteX6" fmla="*/ 0 w 2275237"/>
+                <a:gd name="connsiteY6" fmla="*/ 239739 h 2635626"/>
+                <a:gd name="connsiteX0" fmla="*/ 0 w 2275237"/>
+                <a:gd name="connsiteY0" fmla="*/ 239739 h 2630119"/>
+                <a:gd name="connsiteX1" fmla="*/ 233864 w 2275237"/>
+                <a:gd name="connsiteY1" fmla="*/ 5875 h 2630119"/>
+                <a:gd name="connsiteX2" fmla="*/ 1652244 w 2275237"/>
+                <a:gd name="connsiteY2" fmla="*/ 0 h 2630119"/>
+                <a:gd name="connsiteX3" fmla="*/ 2275237 w 2275237"/>
+                <a:gd name="connsiteY3" fmla="*/ 2630119 h 2630119"/>
+                <a:gd name="connsiteX4" fmla="*/ 233864 w 2275237"/>
+                <a:gd name="connsiteY4" fmla="*/ 2584593 h 2630119"/>
+                <a:gd name="connsiteX5" fmla="*/ 0 w 2275237"/>
+                <a:gd name="connsiteY5" fmla="*/ 2350729 h 2630119"/>
+                <a:gd name="connsiteX6" fmla="*/ 0 w 2275237"/>
+                <a:gd name="connsiteY6" fmla="*/ 239739 h 2630119"/>
+              </a:gdLst>
+              <a:ahLst/>
+              <a:cxnLst>
+                <a:cxn ang="0">
+                  <a:pos x="connsiteX0" y="connsiteY0"/>
+                </a:cxn>
+                <a:cxn ang="0">
+                  <a:pos x="connsiteX1" y="connsiteY1"/>
+                </a:cxn>
+                <a:cxn ang="0">
+                  <a:pos x="connsiteX2" y="connsiteY2"/>
+                </a:cxn>
+                <a:cxn ang="0">
+                  <a:pos x="connsiteX3" y="connsiteY3"/>
+                </a:cxn>
+                <a:cxn ang="0">
+                  <a:pos x="connsiteX4" y="connsiteY4"/>
+                </a:cxn>
+                <a:cxn ang="0">
+                  <a:pos x="connsiteX5" y="connsiteY5"/>
+                </a:cxn>
+                <a:cxn ang="0">
+                  <a:pos x="connsiteX6" y="connsiteY6"/>
+                </a:cxn>
+              </a:cxnLst>
+              <a:rect l="l" t="t" r="r" b="b"/>
+              <a:pathLst>
+                <a:path w="2275237" h="2630119">
+                  <a:moveTo>
+                    <a:pt x="0" y="239739"/>
+                  </a:moveTo>
+                  <a:cubicBezTo>
+                    <a:pt x="0" y="110579"/>
+                    <a:pt x="104704" y="5875"/>
+                    <a:pt x="233864" y="5875"/>
+                  </a:cubicBezTo>
+                  <a:lnTo>
+                    <a:pt x="1652244" y="0"/>
+                  </a:lnTo>
+                  <a:cubicBezTo>
+                    <a:pt x="1791879" y="579995"/>
+                    <a:pt x="1754975" y="478387"/>
+                    <a:pt x="2275237" y="2630119"/>
+                  </a:cubicBezTo>
+                  <a:cubicBezTo>
+                    <a:pt x="289023" y="2587332"/>
+                    <a:pt x="612174" y="2624883"/>
+                    <a:pt x="233864" y="2584593"/>
+                  </a:cubicBezTo>
+                  <a:cubicBezTo>
+                    <a:pt x="104704" y="2584593"/>
+                    <a:pt x="0" y="2479889"/>
+                    <a:pt x="0" y="2350729"/>
+                  </a:cubicBezTo>
+                  <a:lnTo>
+                    <a:pt x="0" y="239739"/>
+                  </a:lnTo>
+                  <a:close/>
+                </a:path>
+              </a:pathLst>
+            </a:custGeom>
             <a:solidFill>
-              <a:schemeClr val="bg1"/>
+              <a:srgbClr val="678DF2"/>
             </a:solidFill>
             <a:ln>
               <a:noFill/>
@@ -3776,7 +5219,7 @@
           <p:style>
             <a:lnRef idx="2">
               <a:schemeClr val="accent1">
-                <a:shade val="50000"/>
+                <a:shade val="15000"/>
               </a:schemeClr>
             </a:lnRef>
             <a:fillRef idx="1">
@@ -3794,7 +5237,52 @@
             <a:lstStyle/>
             <a:p>
               <a:pPr algn="ctr"/>
-              <a:endParaRPr lang="en-VN"/>
+              <a:endParaRPr lang="en-US"/>
+            </a:p>
+          </p:txBody>
+        </p:sp>
+        <p:sp>
+          <p:nvSpPr>
+            <p:cNvPr id="24" name="TextBox 23">
+              <a:extLst>
+                <a:ext uri="{FF2B5EF4-FFF2-40B4-BE49-F238E27FC236}">
+                  <a16:creationId xmlns:a16="http://schemas.microsoft.com/office/drawing/2014/main" id="{C5E78546-4D2B-76C6-6F6C-78C9C45E2F25}"/>
+                </a:ext>
+              </a:extLst>
+            </p:cNvPr>
+            <p:cNvSpPr txBox="1"/>
+            <p:nvPr/>
+          </p:nvSpPr>
+          <p:spPr>
+            <a:xfrm>
+              <a:off x="5736155" y="2041379"/>
+              <a:ext cx="1055145" cy="1862048"/>
+            </a:xfrm>
+            <a:prstGeom prst="rect">
+              <a:avLst/>
+            </a:prstGeom>
+            <a:noFill/>
+          </p:spPr>
+          <p:txBody>
+            <a:bodyPr wrap="square" rtlCol="0">
+              <a:spAutoFit/>
+            </a:bodyPr>
+            <a:lstStyle/>
+            <a:p>
+              <a:r>
+                <a:rPr lang="en-US" sz="11500" b="1" dirty="0">
+                  <a:solidFill>
+                    <a:schemeClr val="bg1"/>
+                  </a:solidFill>
+                  <a:latin typeface="Roboto" panose="02000000000000000000" pitchFamily="2" charset="0"/>
+                </a:rPr>
+                <a:t>1</a:t>
+              </a:r>
+              <a:endParaRPr lang="en-US" sz="8000" b="1" dirty="0">
+                <a:solidFill>
+                  <a:schemeClr val="bg1"/>
+                </a:solidFill>
+              </a:endParaRPr>
             </a:p>
           </p:txBody>
         </p:sp>

--- a/logo.pptx
+++ b/logo.pptx
@@ -7,6 +7,7 @@
   <p:sldIdLst>
     <p:sldId id="256" r:id="rId2"/>
     <p:sldId id="257" r:id="rId3"/>
+    <p:sldId id="258" r:id="rId4"/>
   </p:sldIdLst>
   <p:sldSz cx="12192000" cy="6858000"/>
   <p:notesSz cx="6858000" cy="9144000"/>
@@ -262,7 +263,7 @@
           <a:p>
             <a:fld id="{D5E8C49D-3947-054D-A87C-1567D1C262C1}" type="datetimeFigureOut">
               <a:rPr lang="en-VN" smtClean="0"/>
-              <a:t>12/7/23</a:t>
+              <a:t>12/12/23</a:t>
             </a:fld>
             <a:endParaRPr lang="en-VN"/>
           </a:p>
@@ -462,7 +463,7 @@
           <a:p>
             <a:fld id="{D5E8C49D-3947-054D-A87C-1567D1C262C1}" type="datetimeFigureOut">
               <a:rPr lang="en-VN" smtClean="0"/>
-              <a:t>12/7/23</a:t>
+              <a:t>12/12/23</a:t>
             </a:fld>
             <a:endParaRPr lang="en-VN"/>
           </a:p>
@@ -672,7 +673,7 @@
           <a:p>
             <a:fld id="{D5E8C49D-3947-054D-A87C-1567D1C262C1}" type="datetimeFigureOut">
               <a:rPr lang="en-VN" smtClean="0"/>
-              <a:t>12/7/23</a:t>
+              <a:t>12/12/23</a:t>
             </a:fld>
             <a:endParaRPr lang="en-VN"/>
           </a:p>
@@ -872,7 +873,7 @@
           <a:p>
             <a:fld id="{D5E8C49D-3947-054D-A87C-1567D1C262C1}" type="datetimeFigureOut">
               <a:rPr lang="en-VN" smtClean="0"/>
-              <a:t>12/7/23</a:t>
+              <a:t>12/12/23</a:t>
             </a:fld>
             <a:endParaRPr lang="en-VN"/>
           </a:p>
@@ -1148,7 +1149,7 @@
           <a:p>
             <a:fld id="{D5E8C49D-3947-054D-A87C-1567D1C262C1}" type="datetimeFigureOut">
               <a:rPr lang="en-VN" smtClean="0"/>
-              <a:t>12/7/23</a:t>
+              <a:t>12/12/23</a:t>
             </a:fld>
             <a:endParaRPr lang="en-VN"/>
           </a:p>
@@ -1416,7 +1417,7 @@
           <a:p>
             <a:fld id="{D5E8C49D-3947-054D-A87C-1567D1C262C1}" type="datetimeFigureOut">
               <a:rPr lang="en-VN" smtClean="0"/>
-              <a:t>12/7/23</a:t>
+              <a:t>12/12/23</a:t>
             </a:fld>
             <a:endParaRPr lang="en-VN"/>
           </a:p>
@@ -1831,7 +1832,7 @@
           <a:p>
             <a:fld id="{D5E8C49D-3947-054D-A87C-1567D1C262C1}" type="datetimeFigureOut">
               <a:rPr lang="en-VN" smtClean="0"/>
-              <a:t>12/7/23</a:t>
+              <a:t>12/12/23</a:t>
             </a:fld>
             <a:endParaRPr lang="en-VN"/>
           </a:p>
@@ -1973,7 +1974,7 @@
           <a:p>
             <a:fld id="{D5E8C49D-3947-054D-A87C-1567D1C262C1}" type="datetimeFigureOut">
               <a:rPr lang="en-VN" smtClean="0"/>
-              <a:t>12/7/23</a:t>
+              <a:t>12/12/23</a:t>
             </a:fld>
             <a:endParaRPr lang="en-VN"/>
           </a:p>
@@ -2086,7 +2087,7 @@
           <a:p>
             <a:fld id="{D5E8C49D-3947-054D-A87C-1567D1C262C1}" type="datetimeFigureOut">
               <a:rPr lang="en-VN" smtClean="0"/>
-              <a:t>12/7/23</a:t>
+              <a:t>12/12/23</a:t>
             </a:fld>
             <a:endParaRPr lang="en-VN"/>
           </a:p>
@@ -2399,7 +2400,7 @@
           <a:p>
             <a:fld id="{D5E8C49D-3947-054D-A87C-1567D1C262C1}" type="datetimeFigureOut">
               <a:rPr lang="en-VN" smtClean="0"/>
-              <a:t>12/7/23</a:t>
+              <a:t>12/12/23</a:t>
             </a:fld>
             <a:endParaRPr lang="en-VN"/>
           </a:p>
@@ -2688,7 +2689,7 @@
           <a:p>
             <a:fld id="{D5E8C49D-3947-054D-A87C-1567D1C262C1}" type="datetimeFigureOut">
               <a:rPr lang="en-VN" smtClean="0"/>
-              <a:t>12/7/23</a:t>
+              <a:t>12/12/23</a:t>
             </a:fld>
             <a:endParaRPr lang="en-VN"/>
           </a:p>
@@ -2931,7 +2932,7 @@
           <a:p>
             <a:fld id="{D5E8C49D-3947-054D-A87C-1567D1C262C1}" type="datetimeFigureOut">
               <a:rPr lang="en-VN" smtClean="0"/>
-              <a:t>12/7/23</a:t>
+              <a:t>12/12/23</a:t>
             </a:fld>
             <a:endParaRPr lang="en-VN"/>
           </a:p>
@@ -5300,6 +5301,119 @@
 </p:sld>
 </file>
 
+<file path=ppt/slides/slide3.xml><?xml version="1.0" encoding="utf-8"?>
+<p:sld xmlns:a="http://schemas.openxmlformats.org/drawingml/2006/main" xmlns:r="http://schemas.openxmlformats.org/officeDocument/2006/relationships" xmlns:p="http://schemas.openxmlformats.org/presentationml/2006/main">
+  <p:cSld>
+    <p:spTree>
+      <p:nvGrpSpPr>
+        <p:cNvPr id="1" name=""/>
+        <p:cNvGrpSpPr/>
+        <p:nvPr/>
+      </p:nvGrpSpPr>
+      <p:grpSpPr>
+        <a:xfrm>
+          <a:off x="0" y="0"/>
+          <a:ext cx="0" cy="0"/>
+          <a:chOff x="0" y="0"/>
+          <a:chExt cx="0" cy="0"/>
+        </a:xfrm>
+      </p:grpSpPr>
+      <p:pic>
+        <p:nvPicPr>
+          <p:cNvPr id="3" name="Picture 2">
+            <a:extLst>
+              <a:ext uri="{FF2B5EF4-FFF2-40B4-BE49-F238E27FC236}">
+                <a16:creationId xmlns:a16="http://schemas.microsoft.com/office/drawing/2014/main" id="{939305E0-94EB-F3EB-D04F-65BC0B2B0561}"/>
+              </a:ext>
+            </a:extLst>
+          </p:cNvPr>
+          <p:cNvPicPr>
+            <a:picLocks noChangeAspect="1"/>
+          </p:cNvPicPr>
+          <p:nvPr/>
+        </p:nvPicPr>
+        <p:blipFill>
+          <a:blip r:embed="rId2"/>
+          <a:stretch>
+            <a:fillRect/>
+          </a:stretch>
+        </p:blipFill>
+        <p:spPr>
+          <a:xfrm>
+            <a:off x="3300534" y="3986285"/>
+            <a:ext cx="2074985" cy="1377511"/>
+          </a:xfrm>
+          <a:prstGeom prst="rect">
+            <a:avLst/>
+          </a:prstGeom>
+          <a:noFill/>
+        </p:spPr>
+      </p:pic>
+      <p:sp>
+        <p:nvSpPr>
+          <p:cNvPr id="4" name="Rectangle 3">
+            <a:extLst>
+              <a:ext uri="{FF2B5EF4-FFF2-40B4-BE49-F238E27FC236}">
+                <a16:creationId xmlns:a16="http://schemas.microsoft.com/office/drawing/2014/main" id="{4D8EAE22-25C0-D2C4-D2F8-A0BFA8B16086}"/>
+              </a:ext>
+            </a:extLst>
+          </p:cNvPr>
+          <p:cNvSpPr/>
+          <p:nvPr/>
+        </p:nvSpPr>
+        <p:spPr>
+          <a:xfrm>
+            <a:off x="3300533" y="2182960"/>
+            <a:ext cx="2074985" cy="1377510"/>
+          </a:xfrm>
+          <a:prstGeom prst="rect">
+            <a:avLst/>
+          </a:prstGeom>
+          <a:solidFill>
+            <a:schemeClr val="tx1"/>
+          </a:solidFill>
+          <a:ln>
+            <a:noFill/>
+          </a:ln>
+        </p:spPr>
+        <p:style>
+          <a:lnRef idx="2">
+            <a:schemeClr val="accent1">
+              <a:shade val="15000"/>
+            </a:schemeClr>
+          </a:lnRef>
+          <a:fillRef idx="1">
+            <a:schemeClr val="accent1"/>
+          </a:fillRef>
+          <a:effectRef idx="0">
+            <a:schemeClr val="accent1"/>
+          </a:effectRef>
+          <a:fontRef idx="minor">
+            <a:schemeClr val="lt1"/>
+          </a:fontRef>
+        </p:style>
+        <p:txBody>
+          <a:bodyPr rtlCol="0" anchor="ctr"/>
+          <a:lstStyle/>
+          <a:p>
+            <a:pPr algn="ctr"/>
+            <a:endParaRPr lang="en-US" dirty="0"/>
+          </a:p>
+        </p:txBody>
+      </p:sp>
+    </p:spTree>
+    <p:extLst>
+      <p:ext uri="{BB962C8B-B14F-4D97-AF65-F5344CB8AC3E}">
+        <p14:creationId xmlns:p14="http://schemas.microsoft.com/office/powerpoint/2010/main" val="2268150417"/>
+      </p:ext>
+    </p:extLst>
+  </p:cSld>
+  <p:clrMapOvr>
+    <a:masterClrMapping/>
+  </p:clrMapOvr>
+</p:sld>
+</file>
+
 <file path=ppt/theme/theme1.xml><?xml version="1.0" encoding="utf-8"?>
 <a:theme xmlns:a="http://schemas.openxmlformats.org/drawingml/2006/main" name="Office Theme">
   <a:themeElements>

--- a/logo.pptx
+++ b/logo.pptx
@@ -263,7 +263,7 @@
           <a:p>
             <a:fld id="{D5E8C49D-3947-054D-A87C-1567D1C262C1}" type="datetimeFigureOut">
               <a:rPr lang="en-VN" smtClean="0"/>
-              <a:t>12/12/23</a:t>
+              <a:t>12/13/23</a:t>
             </a:fld>
             <a:endParaRPr lang="en-VN"/>
           </a:p>
@@ -463,7 +463,7 @@
           <a:p>
             <a:fld id="{D5E8C49D-3947-054D-A87C-1567D1C262C1}" type="datetimeFigureOut">
               <a:rPr lang="en-VN" smtClean="0"/>
-              <a:t>12/12/23</a:t>
+              <a:t>12/13/23</a:t>
             </a:fld>
             <a:endParaRPr lang="en-VN"/>
           </a:p>
@@ -673,7 +673,7 @@
           <a:p>
             <a:fld id="{D5E8C49D-3947-054D-A87C-1567D1C262C1}" type="datetimeFigureOut">
               <a:rPr lang="en-VN" smtClean="0"/>
-              <a:t>12/12/23</a:t>
+              <a:t>12/13/23</a:t>
             </a:fld>
             <a:endParaRPr lang="en-VN"/>
           </a:p>
@@ -873,7 +873,7 @@
           <a:p>
             <a:fld id="{D5E8C49D-3947-054D-A87C-1567D1C262C1}" type="datetimeFigureOut">
               <a:rPr lang="en-VN" smtClean="0"/>
-              <a:t>12/12/23</a:t>
+              <a:t>12/13/23</a:t>
             </a:fld>
             <a:endParaRPr lang="en-VN"/>
           </a:p>
@@ -1149,7 +1149,7 @@
           <a:p>
             <a:fld id="{D5E8C49D-3947-054D-A87C-1567D1C262C1}" type="datetimeFigureOut">
               <a:rPr lang="en-VN" smtClean="0"/>
-              <a:t>12/12/23</a:t>
+              <a:t>12/13/23</a:t>
             </a:fld>
             <a:endParaRPr lang="en-VN"/>
           </a:p>
@@ -1417,7 +1417,7 @@
           <a:p>
             <a:fld id="{D5E8C49D-3947-054D-A87C-1567D1C262C1}" type="datetimeFigureOut">
               <a:rPr lang="en-VN" smtClean="0"/>
-              <a:t>12/12/23</a:t>
+              <a:t>12/13/23</a:t>
             </a:fld>
             <a:endParaRPr lang="en-VN"/>
           </a:p>
@@ -1832,7 +1832,7 @@
           <a:p>
             <a:fld id="{D5E8C49D-3947-054D-A87C-1567D1C262C1}" type="datetimeFigureOut">
               <a:rPr lang="en-VN" smtClean="0"/>
-              <a:t>12/12/23</a:t>
+              <a:t>12/13/23</a:t>
             </a:fld>
             <a:endParaRPr lang="en-VN"/>
           </a:p>
@@ -1974,7 +1974,7 @@
           <a:p>
             <a:fld id="{D5E8C49D-3947-054D-A87C-1567D1C262C1}" type="datetimeFigureOut">
               <a:rPr lang="en-VN" smtClean="0"/>
-              <a:t>12/12/23</a:t>
+              <a:t>12/13/23</a:t>
             </a:fld>
             <a:endParaRPr lang="en-VN"/>
           </a:p>
@@ -2087,7 +2087,7 @@
           <a:p>
             <a:fld id="{D5E8C49D-3947-054D-A87C-1567D1C262C1}" type="datetimeFigureOut">
               <a:rPr lang="en-VN" smtClean="0"/>
-              <a:t>12/12/23</a:t>
+              <a:t>12/13/23</a:t>
             </a:fld>
             <a:endParaRPr lang="en-VN"/>
           </a:p>
@@ -2400,7 +2400,7 @@
           <a:p>
             <a:fld id="{D5E8C49D-3947-054D-A87C-1567D1C262C1}" type="datetimeFigureOut">
               <a:rPr lang="en-VN" smtClean="0"/>
-              <a:t>12/12/23</a:t>
+              <a:t>12/13/23</a:t>
             </a:fld>
             <a:endParaRPr lang="en-VN"/>
           </a:p>
@@ -2689,7 +2689,7 @@
           <a:p>
             <a:fld id="{D5E8C49D-3947-054D-A87C-1567D1C262C1}" type="datetimeFigureOut">
               <a:rPr lang="en-VN" smtClean="0"/>
-              <a:t>12/12/23</a:t>
+              <a:t>12/13/23</a:t>
             </a:fld>
             <a:endParaRPr lang="en-VN"/>
           </a:p>
@@ -2932,7 +2932,7 @@
           <a:p>
             <a:fld id="{D5E8C49D-3947-054D-A87C-1567D1C262C1}" type="datetimeFigureOut">
               <a:rPr lang="en-VN" smtClean="0"/>
-              <a:t>12/12/23</a:t>
+              <a:t>12/13/23</a:t>
             </a:fld>
             <a:endParaRPr lang="en-VN"/>
           </a:p>
@@ -3363,8 +3363,8 @@
         </p:nvSpPr>
         <p:spPr>
           <a:xfrm>
-            <a:off x="4515728" y="829993"/>
-            <a:ext cx="5705856" cy="5705856"/>
+            <a:off x="4908270" y="1195753"/>
+            <a:ext cx="4842991" cy="4993729"/>
           </a:xfrm>
           <a:prstGeom prst="rect">
             <a:avLst/>
@@ -3413,7 +3413,7 @@
           <p:nvPr/>
         </p:nvPicPr>
         <p:blipFill>
-          <a:blip r:embed="rId2"/>
+          <a:blip/>
           <a:stretch>
             <a:fillRect/>
           </a:stretch>
@@ -5333,7 +5333,7 @@
           <p:nvPr/>
         </p:nvPicPr>
         <p:blipFill>
-          <a:blip r:embed="rId2"/>
+          <a:blip/>
           <a:stretch>
             <a:fillRect/>
           </a:stretch>

--- a/logo.pptx
+++ b/logo.pptx
@@ -8,6 +8,7 @@
     <p:sldId id="256" r:id="rId2"/>
     <p:sldId id="257" r:id="rId3"/>
     <p:sldId id="258" r:id="rId4"/>
+    <p:sldId id="259" r:id="rId5"/>
   </p:sldIdLst>
   <p:sldSz cx="12192000" cy="6858000"/>
   <p:notesSz cx="6858000" cy="9144000"/>
@@ -263,7 +264,7 @@
           <a:p>
             <a:fld id="{D5E8C49D-3947-054D-A87C-1567D1C262C1}" type="datetimeFigureOut">
               <a:rPr lang="en-VN" smtClean="0"/>
-              <a:t>12/13/23</a:t>
+              <a:t>12/17/23</a:t>
             </a:fld>
             <a:endParaRPr lang="en-VN"/>
           </a:p>
@@ -463,7 +464,7 @@
           <a:p>
             <a:fld id="{D5E8C49D-3947-054D-A87C-1567D1C262C1}" type="datetimeFigureOut">
               <a:rPr lang="en-VN" smtClean="0"/>
-              <a:t>12/13/23</a:t>
+              <a:t>12/17/23</a:t>
             </a:fld>
             <a:endParaRPr lang="en-VN"/>
           </a:p>
@@ -673,7 +674,7 @@
           <a:p>
             <a:fld id="{D5E8C49D-3947-054D-A87C-1567D1C262C1}" type="datetimeFigureOut">
               <a:rPr lang="en-VN" smtClean="0"/>
-              <a:t>12/13/23</a:t>
+              <a:t>12/17/23</a:t>
             </a:fld>
             <a:endParaRPr lang="en-VN"/>
           </a:p>
@@ -873,7 +874,7 @@
           <a:p>
             <a:fld id="{D5E8C49D-3947-054D-A87C-1567D1C262C1}" type="datetimeFigureOut">
               <a:rPr lang="en-VN" smtClean="0"/>
-              <a:t>12/13/23</a:t>
+              <a:t>12/17/23</a:t>
             </a:fld>
             <a:endParaRPr lang="en-VN"/>
           </a:p>
@@ -1149,7 +1150,7 @@
           <a:p>
             <a:fld id="{D5E8C49D-3947-054D-A87C-1567D1C262C1}" type="datetimeFigureOut">
               <a:rPr lang="en-VN" smtClean="0"/>
-              <a:t>12/13/23</a:t>
+              <a:t>12/17/23</a:t>
             </a:fld>
             <a:endParaRPr lang="en-VN"/>
           </a:p>
@@ -1417,7 +1418,7 @@
           <a:p>
             <a:fld id="{D5E8C49D-3947-054D-A87C-1567D1C262C1}" type="datetimeFigureOut">
               <a:rPr lang="en-VN" smtClean="0"/>
-              <a:t>12/13/23</a:t>
+              <a:t>12/17/23</a:t>
             </a:fld>
             <a:endParaRPr lang="en-VN"/>
           </a:p>
@@ -1832,7 +1833,7 @@
           <a:p>
             <a:fld id="{D5E8C49D-3947-054D-A87C-1567D1C262C1}" type="datetimeFigureOut">
               <a:rPr lang="en-VN" smtClean="0"/>
-              <a:t>12/13/23</a:t>
+              <a:t>12/17/23</a:t>
             </a:fld>
             <a:endParaRPr lang="en-VN"/>
           </a:p>
@@ -1974,7 +1975,7 @@
           <a:p>
             <a:fld id="{D5E8C49D-3947-054D-A87C-1567D1C262C1}" type="datetimeFigureOut">
               <a:rPr lang="en-VN" smtClean="0"/>
-              <a:t>12/13/23</a:t>
+              <a:t>12/17/23</a:t>
             </a:fld>
             <a:endParaRPr lang="en-VN"/>
           </a:p>
@@ -2087,7 +2088,7 @@
           <a:p>
             <a:fld id="{D5E8C49D-3947-054D-A87C-1567D1C262C1}" type="datetimeFigureOut">
               <a:rPr lang="en-VN" smtClean="0"/>
-              <a:t>12/13/23</a:t>
+              <a:t>12/17/23</a:t>
             </a:fld>
             <a:endParaRPr lang="en-VN"/>
           </a:p>
@@ -2400,7 +2401,7 @@
           <a:p>
             <a:fld id="{D5E8C49D-3947-054D-A87C-1567D1C262C1}" type="datetimeFigureOut">
               <a:rPr lang="en-VN" smtClean="0"/>
-              <a:t>12/13/23</a:t>
+              <a:t>12/17/23</a:t>
             </a:fld>
             <a:endParaRPr lang="en-VN"/>
           </a:p>
@@ -2689,7 +2690,7 @@
           <a:p>
             <a:fld id="{D5E8C49D-3947-054D-A87C-1567D1C262C1}" type="datetimeFigureOut">
               <a:rPr lang="en-VN" smtClean="0"/>
-              <a:t>12/13/23</a:t>
+              <a:t>12/17/23</a:t>
             </a:fld>
             <a:endParaRPr lang="en-VN"/>
           </a:p>
@@ -2932,7 +2933,7 @@
           <a:p>
             <a:fld id="{D5E8C49D-3947-054D-A87C-1567D1C262C1}" type="datetimeFigureOut">
               <a:rPr lang="en-VN" smtClean="0"/>
-              <a:t>12/13/23</a:t>
+              <a:t>12/17/23</a:t>
             </a:fld>
             <a:endParaRPr lang="en-VN"/>
           </a:p>
@@ -5414,6 +5415,171 @@
 </p:sld>
 </file>
 
+<file path=ppt/slides/slide4.xml><?xml version="1.0" encoding="utf-8"?>
+<p:sld xmlns:a="http://schemas.openxmlformats.org/drawingml/2006/main" xmlns:r="http://schemas.openxmlformats.org/officeDocument/2006/relationships" xmlns:p="http://schemas.openxmlformats.org/presentationml/2006/main">
+  <p:cSld>
+    <p:spTree>
+      <p:nvGrpSpPr>
+        <p:cNvPr id="1" name=""/>
+        <p:cNvGrpSpPr/>
+        <p:nvPr/>
+      </p:nvGrpSpPr>
+      <p:grpSpPr>
+        <a:xfrm>
+          <a:off x="0" y="0"/>
+          <a:ext cx="0" cy="0"/>
+          <a:chOff x="0" y="0"/>
+          <a:chExt cx="0" cy="0"/>
+        </a:xfrm>
+      </p:grpSpPr>
+      <p:grpSp>
+        <p:nvGrpSpPr>
+          <p:cNvPr id="2" name="Group 1">
+            <a:extLst>
+              <a:ext uri="{FF2B5EF4-FFF2-40B4-BE49-F238E27FC236}">
+                <a16:creationId xmlns:a16="http://schemas.microsoft.com/office/drawing/2014/main" id="{BF4BEEF5-D775-1826-A760-CF76CA0E3BDB}"/>
+              </a:ext>
+            </a:extLst>
+          </p:cNvPr>
+          <p:cNvGrpSpPr/>
+          <p:nvPr/>
+        </p:nvGrpSpPr>
+        <p:grpSpPr>
+          <a:xfrm>
+            <a:off x="4591050" y="2425700"/>
+            <a:ext cx="3009900" cy="2006600"/>
+            <a:chOff x="4591050" y="2425700"/>
+            <a:chExt cx="3009900" cy="2006600"/>
+          </a:xfrm>
+        </p:grpSpPr>
+        <p:pic>
+          <p:nvPicPr>
+            <p:cNvPr id="3" name="Picture 2">
+              <a:extLst>
+                <a:ext uri="{FF2B5EF4-FFF2-40B4-BE49-F238E27FC236}">
+                  <a16:creationId xmlns:a16="http://schemas.microsoft.com/office/drawing/2014/main" id="{E57EBAA1-089A-F3FF-D9E5-FF4D865DE310}"/>
+                </a:ext>
+              </a:extLst>
+            </p:cNvPr>
+            <p:cNvPicPr>
+              <a:picLocks noChangeAspect="1"/>
+            </p:cNvPicPr>
+            <p:nvPr/>
+          </p:nvPicPr>
+          <p:blipFill>
+            <a:blip r:embed="rId2"/>
+            <a:stretch>
+              <a:fillRect/>
+            </a:stretch>
+          </p:blipFill>
+          <p:spPr>
+            <a:xfrm>
+              <a:off x="4591050" y="2425700"/>
+              <a:ext cx="3009900" cy="2006600"/>
+            </a:xfrm>
+            <a:prstGeom prst="rect">
+              <a:avLst/>
+            </a:prstGeom>
+          </p:spPr>
+        </p:pic>
+        <p:sp>
+          <p:nvSpPr>
+            <p:cNvPr id="4" name="Rectangle 3">
+              <a:extLst>
+                <a:ext uri="{FF2B5EF4-FFF2-40B4-BE49-F238E27FC236}">
+                  <a16:creationId xmlns:a16="http://schemas.microsoft.com/office/drawing/2014/main" id="{E581628B-F54B-32DC-78C9-B9A81789A769}"/>
+                </a:ext>
+              </a:extLst>
+            </p:cNvPr>
+            <p:cNvSpPr/>
+            <p:nvPr/>
+          </p:nvSpPr>
+          <p:spPr>
+            <a:xfrm>
+              <a:off x="6493079" y="2425700"/>
+              <a:ext cx="1107871" cy="2006600"/>
+            </a:xfrm>
+            <a:prstGeom prst="rect">
+              <a:avLst/>
+            </a:prstGeom>
+            <a:solidFill>
+              <a:schemeClr val="bg1">
+                <a:lumMod val="85000"/>
+              </a:schemeClr>
+            </a:solidFill>
+            <a:ln>
+              <a:noFill/>
+            </a:ln>
+          </p:spPr>
+          <p:style>
+            <a:lnRef idx="2">
+              <a:schemeClr val="accent1">
+                <a:shade val="15000"/>
+              </a:schemeClr>
+            </a:lnRef>
+            <a:fillRef idx="1">
+              <a:schemeClr val="accent1"/>
+            </a:fillRef>
+            <a:effectRef idx="0">
+              <a:schemeClr val="accent1"/>
+            </a:effectRef>
+            <a:fontRef idx="minor">
+              <a:schemeClr val="lt1"/>
+            </a:fontRef>
+          </p:style>
+          <p:txBody>
+            <a:bodyPr rtlCol="0" anchor="ctr"/>
+            <a:lstStyle/>
+            <a:p>
+              <a:pPr algn="ctr"/>
+              <a:endParaRPr lang="en-US"/>
+            </a:p>
+          </p:txBody>
+        </p:sp>
+      </p:grpSp>
+      <p:pic>
+        <p:nvPicPr>
+          <p:cNvPr id="8" name="Picture 7">
+            <a:extLst>
+              <a:ext uri="{FF2B5EF4-FFF2-40B4-BE49-F238E27FC236}">
+                <a16:creationId xmlns:a16="http://schemas.microsoft.com/office/drawing/2014/main" id="{758B43D4-E9B6-5D9D-A520-8A2251393A2A}"/>
+              </a:ext>
+            </a:extLst>
+          </p:cNvPr>
+          <p:cNvPicPr>
+            <a:picLocks noChangeAspect="1"/>
+          </p:cNvPicPr>
+          <p:nvPr/>
+        </p:nvPicPr>
+        <p:blipFill>
+          <a:blip r:embed="rId3"/>
+          <a:stretch>
+            <a:fillRect/>
+          </a:stretch>
+        </p:blipFill>
+        <p:spPr>
+          <a:xfrm>
+            <a:off x="6534175" y="2928135"/>
+            <a:ext cx="1031496" cy="1040544"/>
+          </a:xfrm>
+          <a:prstGeom prst="rect">
+            <a:avLst/>
+          </a:prstGeom>
+        </p:spPr>
+      </p:pic>
+    </p:spTree>
+    <p:extLst>
+      <p:ext uri="{BB962C8B-B14F-4D97-AF65-F5344CB8AC3E}">
+        <p14:creationId xmlns:p14="http://schemas.microsoft.com/office/powerpoint/2010/main" val="1928118738"/>
+      </p:ext>
+    </p:extLst>
+  </p:cSld>
+  <p:clrMapOvr>
+    <a:masterClrMapping/>
+  </p:clrMapOvr>
+</p:sld>
+</file>
+
 <file path=ppt/theme/theme1.xml><?xml version="1.0" encoding="utf-8"?>
 <a:theme xmlns:a="http://schemas.openxmlformats.org/drawingml/2006/main" name="Office Theme">
   <a:themeElements>

--- a/logo.pptx
+++ b/logo.pptx
@@ -6,9 +6,11 @@
   </p:sldMasterIdLst>
   <p:sldIdLst>
     <p:sldId id="256" r:id="rId2"/>
-    <p:sldId id="257" r:id="rId3"/>
-    <p:sldId id="258" r:id="rId4"/>
-    <p:sldId id="259" r:id="rId5"/>
+    <p:sldId id="260" r:id="rId3"/>
+    <p:sldId id="261" r:id="rId4"/>
+    <p:sldId id="257" r:id="rId5"/>
+    <p:sldId id="258" r:id="rId6"/>
+    <p:sldId id="259" r:id="rId7"/>
   </p:sldIdLst>
   <p:sldSz cx="12192000" cy="6858000"/>
   <p:notesSz cx="6858000" cy="9144000"/>
@@ -264,7 +266,7 @@
           <a:p>
             <a:fld id="{D5E8C49D-3947-054D-A87C-1567D1C262C1}" type="datetimeFigureOut">
               <a:rPr lang="en-VN" smtClean="0"/>
-              <a:t>12/17/23</a:t>
+              <a:t>12/19/23</a:t>
             </a:fld>
             <a:endParaRPr lang="en-VN"/>
           </a:p>
@@ -464,7 +466,7 @@
           <a:p>
             <a:fld id="{D5E8C49D-3947-054D-A87C-1567D1C262C1}" type="datetimeFigureOut">
               <a:rPr lang="en-VN" smtClean="0"/>
-              <a:t>12/17/23</a:t>
+              <a:t>12/19/23</a:t>
             </a:fld>
             <a:endParaRPr lang="en-VN"/>
           </a:p>
@@ -674,7 +676,7 @@
           <a:p>
             <a:fld id="{D5E8C49D-3947-054D-A87C-1567D1C262C1}" type="datetimeFigureOut">
               <a:rPr lang="en-VN" smtClean="0"/>
-              <a:t>12/17/23</a:t>
+              <a:t>12/19/23</a:t>
             </a:fld>
             <a:endParaRPr lang="en-VN"/>
           </a:p>
@@ -874,7 +876,7 @@
           <a:p>
             <a:fld id="{D5E8C49D-3947-054D-A87C-1567D1C262C1}" type="datetimeFigureOut">
               <a:rPr lang="en-VN" smtClean="0"/>
-              <a:t>12/17/23</a:t>
+              <a:t>12/19/23</a:t>
             </a:fld>
             <a:endParaRPr lang="en-VN"/>
           </a:p>
@@ -1150,7 +1152,7 @@
           <a:p>
             <a:fld id="{D5E8C49D-3947-054D-A87C-1567D1C262C1}" type="datetimeFigureOut">
               <a:rPr lang="en-VN" smtClean="0"/>
-              <a:t>12/17/23</a:t>
+              <a:t>12/19/23</a:t>
             </a:fld>
             <a:endParaRPr lang="en-VN"/>
           </a:p>
@@ -1418,7 +1420,7 @@
           <a:p>
             <a:fld id="{D5E8C49D-3947-054D-A87C-1567D1C262C1}" type="datetimeFigureOut">
               <a:rPr lang="en-VN" smtClean="0"/>
-              <a:t>12/17/23</a:t>
+              <a:t>12/19/23</a:t>
             </a:fld>
             <a:endParaRPr lang="en-VN"/>
           </a:p>
@@ -1833,7 +1835,7 @@
           <a:p>
             <a:fld id="{D5E8C49D-3947-054D-A87C-1567D1C262C1}" type="datetimeFigureOut">
               <a:rPr lang="en-VN" smtClean="0"/>
-              <a:t>12/17/23</a:t>
+              <a:t>12/19/23</a:t>
             </a:fld>
             <a:endParaRPr lang="en-VN"/>
           </a:p>
@@ -1975,7 +1977,7 @@
           <a:p>
             <a:fld id="{D5E8C49D-3947-054D-A87C-1567D1C262C1}" type="datetimeFigureOut">
               <a:rPr lang="en-VN" smtClean="0"/>
-              <a:t>12/17/23</a:t>
+              <a:t>12/19/23</a:t>
             </a:fld>
             <a:endParaRPr lang="en-VN"/>
           </a:p>
@@ -2088,7 +2090,7 @@
           <a:p>
             <a:fld id="{D5E8C49D-3947-054D-A87C-1567D1C262C1}" type="datetimeFigureOut">
               <a:rPr lang="en-VN" smtClean="0"/>
-              <a:t>12/17/23</a:t>
+              <a:t>12/19/23</a:t>
             </a:fld>
             <a:endParaRPr lang="en-VN"/>
           </a:p>
@@ -2401,7 +2403,7 @@
           <a:p>
             <a:fld id="{D5E8C49D-3947-054D-A87C-1567D1C262C1}" type="datetimeFigureOut">
               <a:rPr lang="en-VN" smtClean="0"/>
-              <a:t>12/17/23</a:t>
+              <a:t>12/19/23</a:t>
             </a:fld>
             <a:endParaRPr lang="en-VN"/>
           </a:p>
@@ -2690,7 +2692,7 @@
           <a:p>
             <a:fld id="{D5E8C49D-3947-054D-A87C-1567D1C262C1}" type="datetimeFigureOut">
               <a:rPr lang="en-VN" smtClean="0"/>
-              <a:t>12/17/23</a:t>
+              <a:t>12/19/23</a:t>
             </a:fld>
             <a:endParaRPr lang="en-VN"/>
           </a:p>
@@ -2933,7 +2935,7 @@
           <a:p>
             <a:fld id="{D5E8C49D-3947-054D-A87C-1567D1C262C1}" type="datetimeFigureOut">
               <a:rPr lang="en-VN" smtClean="0"/>
-              <a:t>12/17/23</a:t>
+              <a:t>12/19/23</a:t>
             </a:fld>
             <a:endParaRPr lang="en-VN"/>
           </a:p>
@@ -4374,6 +4376,291 @@
           <a:chExt cx="0" cy="0"/>
         </a:xfrm>
       </p:grpSpPr>
+      <p:pic>
+        <p:nvPicPr>
+          <p:cNvPr id="1026" name="Picture 2" descr="The National Flag of the People’s Republic of China (“Five-star Red Flag”) features a red background with a large yellow star and four smaller stars in the upper hoist-side corner">
+            <a:extLst>
+              <a:ext uri="{FF2B5EF4-FFF2-40B4-BE49-F238E27FC236}">
+                <a16:creationId xmlns:a16="http://schemas.microsoft.com/office/drawing/2014/main" id="{EB6D59E0-4626-E7B4-F614-12A2E6291387}"/>
+              </a:ext>
+            </a:extLst>
+          </p:cNvPr>
+          <p:cNvPicPr>
+            <a:picLocks noChangeAspect="1" noChangeArrowheads="1"/>
+          </p:cNvPicPr>
+          <p:nvPr/>
+        </p:nvPicPr>
+        <p:blipFill>
+          <a:blip r:embed="rId2">
+            <a:extLst>
+              <a:ext uri="{28A0092B-C50C-407E-A947-70E740481C1C}">
+                <a14:useLocalDpi xmlns:a14="http://schemas.microsoft.com/office/drawing/2010/main" val="0"/>
+              </a:ext>
+            </a:extLst>
+          </a:blip>
+          <a:srcRect/>
+          <a:stretch>
+            <a:fillRect/>
+          </a:stretch>
+        </p:blipFill>
+        <p:spPr bwMode="auto">
+          <a:xfrm>
+            <a:off x="1643866" y="872052"/>
+            <a:ext cx="7679130" cy="5113895"/>
+          </a:xfrm>
+          <a:prstGeom prst="rect">
+            <a:avLst/>
+          </a:prstGeom>
+          <a:noFill/>
+          <a:extLst>
+            <a:ext uri="{909E8E84-426E-40DD-AFC4-6F175D3DCCD1}">
+              <a14:hiddenFill xmlns:a14="http://schemas.microsoft.com/office/drawing/2010/main">
+                <a:solidFill>
+                  <a:srgbClr val="FFFFFF"/>
+                </a:solidFill>
+              </a14:hiddenFill>
+            </a:ext>
+          </a:extLst>
+        </p:spPr>
+      </p:pic>
+    </p:spTree>
+    <p:extLst>
+      <p:ext uri="{BB962C8B-B14F-4D97-AF65-F5344CB8AC3E}">
+        <p14:creationId xmlns:p14="http://schemas.microsoft.com/office/powerpoint/2010/main" val="1645481386"/>
+      </p:ext>
+    </p:extLst>
+  </p:cSld>
+  <p:clrMapOvr>
+    <a:masterClrMapping/>
+  </p:clrMapOvr>
+</p:sld>
+</file>
+
+<file path=ppt/slides/slide3.xml><?xml version="1.0" encoding="utf-8"?>
+<p:sld xmlns:a="http://schemas.openxmlformats.org/drawingml/2006/main" xmlns:r="http://schemas.openxmlformats.org/officeDocument/2006/relationships" xmlns:p="http://schemas.openxmlformats.org/presentationml/2006/main">
+  <p:cSld>
+    <p:spTree>
+      <p:nvGrpSpPr>
+        <p:cNvPr id="1" name=""/>
+        <p:cNvGrpSpPr/>
+        <p:nvPr/>
+      </p:nvGrpSpPr>
+      <p:grpSpPr>
+        <a:xfrm>
+          <a:off x="0" y="0"/>
+          <a:ext cx="0" cy="0"/>
+          <a:chOff x="0" y="0"/>
+          <a:chExt cx="0" cy="0"/>
+        </a:xfrm>
+      </p:grpSpPr>
+      <p:grpSp>
+        <p:nvGrpSpPr>
+          <p:cNvPr id="3" name="Group 2">
+            <a:extLst>
+              <a:ext uri="{FF2B5EF4-FFF2-40B4-BE49-F238E27FC236}">
+                <a16:creationId xmlns:a16="http://schemas.microsoft.com/office/drawing/2014/main" id="{0BF56E4A-0932-0412-2FF3-FD5BB5BCC1E1}"/>
+              </a:ext>
+            </a:extLst>
+          </p:cNvPr>
+          <p:cNvGrpSpPr/>
+          <p:nvPr/>
+        </p:nvGrpSpPr>
+        <p:grpSpPr>
+          <a:xfrm>
+            <a:off x="1643866" y="872052"/>
+            <a:ext cx="8312106" cy="5113895"/>
+            <a:chOff x="1643866" y="872052"/>
+            <a:chExt cx="8312106" cy="5113895"/>
+          </a:xfrm>
+        </p:grpSpPr>
+        <p:pic>
+          <p:nvPicPr>
+            <p:cNvPr id="1026" name="Picture 2" descr="The National Flag of the People’s Republic of China (“Five-star Red Flag”) features a red background with a large yellow star and four smaller stars in the upper hoist-side corner">
+              <a:extLst>
+                <a:ext uri="{FF2B5EF4-FFF2-40B4-BE49-F238E27FC236}">
+                  <a16:creationId xmlns:a16="http://schemas.microsoft.com/office/drawing/2014/main" id="{EB6D59E0-4626-E7B4-F614-12A2E6291387}"/>
+                </a:ext>
+              </a:extLst>
+            </p:cNvPr>
+            <p:cNvPicPr>
+              <a:picLocks noChangeAspect="1" noChangeArrowheads="1"/>
+            </p:cNvPicPr>
+            <p:nvPr/>
+          </p:nvPicPr>
+          <p:blipFill>
+            <a:blip r:embed="rId2">
+              <a:extLst>
+                <a:ext uri="{28A0092B-C50C-407E-A947-70E740481C1C}">
+                  <a14:useLocalDpi xmlns:a14="http://schemas.microsoft.com/office/drawing/2010/main" val="0"/>
+                </a:ext>
+              </a:extLst>
+            </a:blip>
+            <a:srcRect/>
+            <a:stretch>
+              <a:fillRect/>
+            </a:stretch>
+          </p:blipFill>
+          <p:spPr bwMode="auto">
+            <a:xfrm>
+              <a:off x="1643866" y="872052"/>
+              <a:ext cx="7679130" cy="5113895"/>
+            </a:xfrm>
+            <a:prstGeom prst="rect">
+              <a:avLst/>
+            </a:prstGeom>
+            <a:noFill/>
+            <a:extLst>
+              <a:ext uri="{909E8E84-426E-40DD-AFC4-6F175D3DCCD1}">
+                <a14:hiddenFill xmlns:a14="http://schemas.microsoft.com/office/drawing/2010/main">
+                  <a:solidFill>
+                    <a:srgbClr val="FFFFFF"/>
+                  </a:solidFill>
+                </a14:hiddenFill>
+              </a:ext>
+            </a:extLst>
+          </p:spPr>
+        </p:pic>
+        <p:sp>
+          <p:nvSpPr>
+            <p:cNvPr id="2" name="Rectangle 1">
+              <a:extLst>
+                <a:ext uri="{FF2B5EF4-FFF2-40B4-BE49-F238E27FC236}">
+                  <a16:creationId xmlns:a16="http://schemas.microsoft.com/office/drawing/2014/main" id="{80563850-A374-A5E3-6651-FA9571E42455}"/>
+                </a:ext>
+              </a:extLst>
+            </p:cNvPr>
+            <p:cNvSpPr/>
+            <p:nvPr/>
+          </p:nvSpPr>
+          <p:spPr>
+            <a:xfrm>
+              <a:off x="6499547" y="872052"/>
+              <a:ext cx="2823450" cy="5113894"/>
+            </a:xfrm>
+            <a:prstGeom prst="rect">
+              <a:avLst/>
+            </a:prstGeom>
+            <a:solidFill>
+              <a:schemeClr val="bg1">
+                <a:lumMod val="85000"/>
+              </a:schemeClr>
+            </a:solidFill>
+            <a:ln>
+              <a:noFill/>
+            </a:ln>
+          </p:spPr>
+          <p:style>
+            <a:lnRef idx="2">
+              <a:schemeClr val="accent1">
+                <a:shade val="15000"/>
+              </a:schemeClr>
+            </a:lnRef>
+            <a:fillRef idx="1">
+              <a:schemeClr val="accent1"/>
+            </a:fillRef>
+            <a:effectRef idx="0">
+              <a:schemeClr val="accent1"/>
+            </a:effectRef>
+            <a:fontRef idx="minor">
+              <a:schemeClr val="lt1"/>
+            </a:fontRef>
+          </p:style>
+          <p:txBody>
+            <a:bodyPr rtlCol="0" anchor="ctr"/>
+            <a:lstStyle/>
+            <a:p>
+              <a:pPr algn="ctr"/>
+              <a:endParaRPr lang="en-US"/>
+            </a:p>
+          </p:txBody>
+        </p:sp>
+        <p:pic>
+          <p:nvPicPr>
+            <p:cNvPr id="1032" name="Picture 8" descr="Image result for chinese yen symbol png">
+              <a:extLst>
+                <a:ext uri="{FF2B5EF4-FFF2-40B4-BE49-F238E27FC236}">
+                  <a16:creationId xmlns:a16="http://schemas.microsoft.com/office/drawing/2014/main" id="{2356F060-F378-7259-2AEF-7466689971BA}"/>
+                </a:ext>
+              </a:extLst>
+            </p:cNvPr>
+            <p:cNvPicPr>
+              <a:picLocks noChangeAspect="1" noChangeArrowheads="1"/>
+            </p:cNvPicPr>
+            <p:nvPr/>
+          </p:nvPicPr>
+          <p:blipFill>
+            <a:blip r:embed="rId3">
+              <a:extLst>
+                <a:ext uri="{BEBA8EAE-BF5A-486C-A8C5-ECC9F3942E4B}">
+                  <a14:imgProps xmlns:a14="http://schemas.microsoft.com/office/drawing/2010/main">
+                    <a14:imgLayer r:embed="rId4">
+                      <a14:imgEffect>
+                        <a14:backgroundRemoval t="10000" b="90000" l="10000" r="90000"/>
+                      </a14:imgEffect>
+                    </a14:imgLayer>
+                  </a14:imgProps>
+                </a:ext>
+                <a:ext uri="{28A0092B-C50C-407E-A947-70E740481C1C}">
+                  <a14:useLocalDpi xmlns:a14="http://schemas.microsoft.com/office/drawing/2010/main" val="0"/>
+                </a:ext>
+              </a:extLst>
+            </a:blip>
+            <a:srcRect/>
+            <a:stretch>
+              <a:fillRect/>
+            </a:stretch>
+          </p:blipFill>
+          <p:spPr bwMode="auto">
+            <a:xfrm>
+              <a:off x="5866572" y="1142999"/>
+              <a:ext cx="4089400" cy="4572000"/>
+            </a:xfrm>
+            <a:prstGeom prst="rect">
+              <a:avLst/>
+            </a:prstGeom>
+            <a:noFill/>
+            <a:extLst>
+              <a:ext uri="{909E8E84-426E-40DD-AFC4-6F175D3DCCD1}">
+                <a14:hiddenFill xmlns:a14="http://schemas.microsoft.com/office/drawing/2010/main">
+                  <a:solidFill>
+                    <a:srgbClr val="FFFFFF"/>
+                  </a:solidFill>
+                </a14:hiddenFill>
+              </a:ext>
+            </a:extLst>
+          </p:spPr>
+        </p:pic>
+      </p:grpSp>
+    </p:spTree>
+    <p:extLst>
+      <p:ext uri="{BB962C8B-B14F-4D97-AF65-F5344CB8AC3E}">
+        <p14:creationId xmlns:p14="http://schemas.microsoft.com/office/powerpoint/2010/main" val="2180861671"/>
+      </p:ext>
+    </p:extLst>
+  </p:cSld>
+  <p:clrMapOvr>
+    <a:masterClrMapping/>
+  </p:clrMapOvr>
+</p:sld>
+</file>
+
+<file path=ppt/slides/slide4.xml><?xml version="1.0" encoding="utf-8"?>
+<p:sld xmlns:a="http://schemas.openxmlformats.org/drawingml/2006/main" xmlns:r="http://schemas.openxmlformats.org/officeDocument/2006/relationships" xmlns:p="http://schemas.openxmlformats.org/presentationml/2006/main">
+  <p:cSld>
+    <p:spTree>
+      <p:nvGrpSpPr>
+        <p:cNvPr id="1" name=""/>
+        <p:cNvGrpSpPr/>
+        <p:nvPr/>
+      </p:nvGrpSpPr>
+      <p:grpSpPr>
+        <a:xfrm>
+          <a:off x="0" y="0"/>
+          <a:ext cx="0" cy="0"/>
+          <a:chOff x="0" y="0"/>
+          <a:chExt cx="0" cy="0"/>
+        </a:xfrm>
+      </p:grpSpPr>
       <p:grpSp>
         <p:nvGrpSpPr>
           <p:cNvPr id="26" name="Group 25">
@@ -5302,7 +5589,7 @@
 </p:sld>
 </file>
 
-<file path=ppt/slides/slide3.xml><?xml version="1.0" encoding="utf-8"?>
+<file path=ppt/slides/slide5.xml><?xml version="1.0" encoding="utf-8"?>
 <p:sld xmlns:a="http://schemas.openxmlformats.org/drawingml/2006/main" xmlns:r="http://schemas.openxmlformats.org/officeDocument/2006/relationships" xmlns:p="http://schemas.openxmlformats.org/presentationml/2006/main">
   <p:cSld>
     <p:spTree>
@@ -5415,7 +5702,7 @@
 </p:sld>
 </file>
 
-<file path=ppt/slides/slide4.xml><?xml version="1.0" encoding="utf-8"?>
+<file path=ppt/slides/slide6.xml><?xml version="1.0" encoding="utf-8"?>
 <p:sld xmlns:a="http://schemas.openxmlformats.org/drawingml/2006/main" xmlns:r="http://schemas.openxmlformats.org/officeDocument/2006/relationships" xmlns:p="http://schemas.openxmlformats.org/presentationml/2006/main">
   <p:cSld>
     <p:spTree>

--- a/logo.pptx
+++ b/logo.pptx
@@ -8,9 +8,10 @@
     <p:sldId id="256" r:id="rId2"/>
     <p:sldId id="260" r:id="rId3"/>
     <p:sldId id="261" r:id="rId4"/>
-    <p:sldId id="257" r:id="rId5"/>
-    <p:sldId id="258" r:id="rId6"/>
-    <p:sldId id="259" r:id="rId7"/>
+    <p:sldId id="262" r:id="rId5"/>
+    <p:sldId id="257" r:id="rId6"/>
+    <p:sldId id="258" r:id="rId7"/>
+    <p:sldId id="259" r:id="rId8"/>
   </p:sldIdLst>
   <p:sldSz cx="12192000" cy="6858000"/>
   <p:notesSz cx="6858000" cy="9144000"/>
@@ -4663,6 +4664,147 @@
       </p:grpSpPr>
       <p:grpSp>
         <p:nvGrpSpPr>
+          <p:cNvPr id="5" name="Group 4">
+            <a:extLst>
+              <a:ext uri="{FF2B5EF4-FFF2-40B4-BE49-F238E27FC236}">
+                <a16:creationId xmlns:a16="http://schemas.microsoft.com/office/drawing/2014/main" id="{D66A11DB-DCA8-82D8-CDEA-C5B0C3694FFC}"/>
+              </a:ext>
+            </a:extLst>
+          </p:cNvPr>
+          <p:cNvGrpSpPr/>
+          <p:nvPr/>
+        </p:nvGrpSpPr>
+        <p:grpSpPr>
+          <a:xfrm>
+            <a:off x="1643866" y="872052"/>
+            <a:ext cx="7679131" cy="5113894"/>
+            <a:chOff x="1643866" y="872052"/>
+            <a:chExt cx="7679131" cy="5113894"/>
+          </a:xfrm>
+        </p:grpSpPr>
+        <p:sp>
+          <p:nvSpPr>
+            <p:cNvPr id="2" name="Rectangle 1">
+              <a:extLst>
+                <a:ext uri="{FF2B5EF4-FFF2-40B4-BE49-F238E27FC236}">
+                  <a16:creationId xmlns:a16="http://schemas.microsoft.com/office/drawing/2014/main" id="{80563850-A374-A5E3-6651-FA9571E42455}"/>
+                </a:ext>
+              </a:extLst>
+            </p:cNvPr>
+            <p:cNvSpPr/>
+            <p:nvPr/>
+          </p:nvSpPr>
+          <p:spPr>
+            <a:xfrm>
+              <a:off x="1643866" y="872052"/>
+              <a:ext cx="7679131" cy="5113894"/>
+            </a:xfrm>
+            <a:prstGeom prst="rect">
+              <a:avLst/>
+            </a:prstGeom>
+            <a:solidFill>
+              <a:schemeClr val="bg1">
+                <a:lumMod val="85000"/>
+              </a:schemeClr>
+            </a:solidFill>
+            <a:ln>
+              <a:noFill/>
+            </a:ln>
+          </p:spPr>
+          <p:style>
+            <a:lnRef idx="2">
+              <a:schemeClr val="accent1">
+                <a:shade val="15000"/>
+              </a:schemeClr>
+            </a:lnRef>
+            <a:fillRef idx="1">
+              <a:schemeClr val="accent1"/>
+            </a:fillRef>
+            <a:effectRef idx="0">
+              <a:schemeClr val="accent1"/>
+            </a:effectRef>
+            <a:fontRef idx="minor">
+              <a:schemeClr val="lt1"/>
+            </a:fontRef>
+          </p:style>
+          <p:txBody>
+            <a:bodyPr rtlCol="0" anchor="ctr"/>
+            <a:lstStyle/>
+            <a:p>
+              <a:pPr algn="ctr"/>
+              <a:endParaRPr lang="en-US"/>
+            </a:p>
+          </p:txBody>
+        </p:sp>
+        <p:sp>
+          <p:nvSpPr>
+            <p:cNvPr id="4" name="TextBox 3">
+              <a:extLst>
+                <a:ext uri="{FF2B5EF4-FFF2-40B4-BE49-F238E27FC236}">
+                  <a16:creationId xmlns:a16="http://schemas.microsoft.com/office/drawing/2014/main" id="{DFBCB9DA-BC09-8C0F-7198-3F4BAD67ADE9}"/>
+                </a:ext>
+              </a:extLst>
+            </p:cNvPr>
+            <p:cNvSpPr txBox="1"/>
+            <p:nvPr/>
+          </p:nvSpPr>
+          <p:spPr>
+            <a:xfrm>
+              <a:off x="4281355" y="1174535"/>
+              <a:ext cx="2404152" cy="4508927"/>
+            </a:xfrm>
+            <a:prstGeom prst="rect">
+              <a:avLst/>
+            </a:prstGeom>
+            <a:noFill/>
+          </p:spPr>
+          <p:txBody>
+            <a:bodyPr wrap="square" rtlCol="0">
+              <a:spAutoFit/>
+            </a:bodyPr>
+            <a:lstStyle/>
+            <a:p>
+              <a:r>
+                <a:rPr lang="en-US" sz="28700" dirty="0"/>
+                <a:t>1</a:t>
+              </a:r>
+              <a:endParaRPr lang="en-US" dirty="0"/>
+            </a:p>
+          </p:txBody>
+        </p:sp>
+      </p:grpSp>
+    </p:spTree>
+    <p:extLst>
+      <p:ext uri="{BB962C8B-B14F-4D97-AF65-F5344CB8AC3E}">
+        <p14:creationId xmlns:p14="http://schemas.microsoft.com/office/powerpoint/2010/main" val="781438344"/>
+      </p:ext>
+    </p:extLst>
+  </p:cSld>
+  <p:clrMapOvr>
+    <a:masterClrMapping/>
+  </p:clrMapOvr>
+</p:sld>
+</file>
+
+<file path=ppt/slides/slide5.xml><?xml version="1.0" encoding="utf-8"?>
+<p:sld xmlns:a="http://schemas.openxmlformats.org/drawingml/2006/main" xmlns:r="http://schemas.openxmlformats.org/officeDocument/2006/relationships" xmlns:p="http://schemas.openxmlformats.org/presentationml/2006/main">
+  <p:cSld>
+    <p:spTree>
+      <p:nvGrpSpPr>
+        <p:cNvPr id="1" name=""/>
+        <p:cNvGrpSpPr/>
+        <p:nvPr/>
+      </p:nvGrpSpPr>
+      <p:grpSpPr>
+        <a:xfrm>
+          <a:off x="0" y="0"/>
+          <a:ext cx="0" cy="0"/>
+          <a:chOff x="0" y="0"/>
+          <a:chExt cx="0" cy="0"/>
+        </a:xfrm>
+      </p:grpSpPr>
+      <p:grpSp>
+        <p:nvGrpSpPr>
           <p:cNvPr id="26" name="Group 25">
             <a:extLst>
               <a:ext uri="{FF2B5EF4-FFF2-40B4-BE49-F238E27FC236}">
@@ -5589,7 +5731,7 @@
 </p:sld>
 </file>
 
-<file path=ppt/slides/slide5.xml><?xml version="1.0" encoding="utf-8"?>
+<file path=ppt/slides/slide6.xml><?xml version="1.0" encoding="utf-8"?>
 <p:sld xmlns:a="http://schemas.openxmlformats.org/drawingml/2006/main" xmlns:r="http://schemas.openxmlformats.org/officeDocument/2006/relationships" xmlns:p="http://schemas.openxmlformats.org/presentationml/2006/main">
   <p:cSld>
     <p:spTree>
@@ -5702,7 +5844,7 @@
 </p:sld>
 </file>
 
-<file path=ppt/slides/slide6.xml><?xml version="1.0" encoding="utf-8"?>
+<file path=ppt/slides/slide7.xml><?xml version="1.0" encoding="utf-8"?>
 <p:sld xmlns:a="http://schemas.openxmlformats.org/drawingml/2006/main" xmlns:r="http://schemas.openxmlformats.org/officeDocument/2006/relationships" xmlns:p="http://schemas.openxmlformats.org/presentationml/2006/main">
   <p:cSld>
     <p:spTree>

--- a/logo.pptx
+++ b/logo.pptx
@@ -9,9 +9,12 @@
     <p:sldId id="260" r:id="rId3"/>
     <p:sldId id="261" r:id="rId4"/>
     <p:sldId id="262" r:id="rId5"/>
-    <p:sldId id="257" r:id="rId6"/>
-    <p:sldId id="258" r:id="rId7"/>
-    <p:sldId id="259" r:id="rId8"/>
+    <p:sldId id="263" r:id="rId6"/>
+    <p:sldId id="265" r:id="rId7"/>
+    <p:sldId id="266" r:id="rId8"/>
+    <p:sldId id="257" r:id="rId9"/>
+    <p:sldId id="258" r:id="rId10"/>
+    <p:sldId id="259" r:id="rId11"/>
   </p:sldIdLst>
   <p:sldSz cx="12192000" cy="6858000"/>
   <p:notesSz cx="6858000" cy="9144000"/>
@@ -267,7 +270,7 @@
           <a:p>
             <a:fld id="{D5E8C49D-3947-054D-A87C-1567D1C262C1}" type="datetimeFigureOut">
               <a:rPr lang="en-VN" smtClean="0"/>
-              <a:t>12/19/23</a:t>
+              <a:t>12/25/23</a:t>
             </a:fld>
             <a:endParaRPr lang="en-VN"/>
           </a:p>
@@ -467,7 +470,7 @@
           <a:p>
             <a:fld id="{D5E8C49D-3947-054D-A87C-1567D1C262C1}" type="datetimeFigureOut">
               <a:rPr lang="en-VN" smtClean="0"/>
-              <a:t>12/19/23</a:t>
+              <a:t>12/25/23</a:t>
             </a:fld>
             <a:endParaRPr lang="en-VN"/>
           </a:p>
@@ -677,7 +680,7 @@
           <a:p>
             <a:fld id="{D5E8C49D-3947-054D-A87C-1567D1C262C1}" type="datetimeFigureOut">
               <a:rPr lang="en-VN" smtClean="0"/>
-              <a:t>12/19/23</a:t>
+              <a:t>12/25/23</a:t>
             </a:fld>
             <a:endParaRPr lang="en-VN"/>
           </a:p>
@@ -877,7 +880,7 @@
           <a:p>
             <a:fld id="{D5E8C49D-3947-054D-A87C-1567D1C262C1}" type="datetimeFigureOut">
               <a:rPr lang="en-VN" smtClean="0"/>
-              <a:t>12/19/23</a:t>
+              <a:t>12/25/23</a:t>
             </a:fld>
             <a:endParaRPr lang="en-VN"/>
           </a:p>
@@ -1153,7 +1156,7 @@
           <a:p>
             <a:fld id="{D5E8C49D-3947-054D-A87C-1567D1C262C1}" type="datetimeFigureOut">
               <a:rPr lang="en-VN" smtClean="0"/>
-              <a:t>12/19/23</a:t>
+              <a:t>12/25/23</a:t>
             </a:fld>
             <a:endParaRPr lang="en-VN"/>
           </a:p>
@@ -1421,7 +1424,7 @@
           <a:p>
             <a:fld id="{D5E8C49D-3947-054D-A87C-1567D1C262C1}" type="datetimeFigureOut">
               <a:rPr lang="en-VN" smtClean="0"/>
-              <a:t>12/19/23</a:t>
+              <a:t>12/25/23</a:t>
             </a:fld>
             <a:endParaRPr lang="en-VN"/>
           </a:p>
@@ -1836,7 +1839,7 @@
           <a:p>
             <a:fld id="{D5E8C49D-3947-054D-A87C-1567D1C262C1}" type="datetimeFigureOut">
               <a:rPr lang="en-VN" smtClean="0"/>
-              <a:t>12/19/23</a:t>
+              <a:t>12/25/23</a:t>
             </a:fld>
             <a:endParaRPr lang="en-VN"/>
           </a:p>
@@ -1978,7 +1981,7 @@
           <a:p>
             <a:fld id="{D5E8C49D-3947-054D-A87C-1567D1C262C1}" type="datetimeFigureOut">
               <a:rPr lang="en-VN" smtClean="0"/>
-              <a:t>12/19/23</a:t>
+              <a:t>12/25/23</a:t>
             </a:fld>
             <a:endParaRPr lang="en-VN"/>
           </a:p>
@@ -2091,7 +2094,7 @@
           <a:p>
             <a:fld id="{D5E8C49D-3947-054D-A87C-1567D1C262C1}" type="datetimeFigureOut">
               <a:rPr lang="en-VN" smtClean="0"/>
-              <a:t>12/19/23</a:t>
+              <a:t>12/25/23</a:t>
             </a:fld>
             <a:endParaRPr lang="en-VN"/>
           </a:p>
@@ -2404,7 +2407,7 @@
           <a:p>
             <a:fld id="{D5E8C49D-3947-054D-A87C-1567D1C262C1}" type="datetimeFigureOut">
               <a:rPr lang="en-VN" smtClean="0"/>
-              <a:t>12/19/23</a:t>
+              <a:t>12/25/23</a:t>
             </a:fld>
             <a:endParaRPr lang="en-VN"/>
           </a:p>
@@ -2693,7 +2696,7 @@
           <a:p>
             <a:fld id="{D5E8C49D-3947-054D-A87C-1567D1C262C1}" type="datetimeFigureOut">
               <a:rPr lang="en-VN" smtClean="0"/>
-              <a:t>12/19/23</a:t>
+              <a:t>12/25/23</a:t>
             </a:fld>
             <a:endParaRPr lang="en-VN"/>
           </a:p>
@@ -2936,7 +2939,7 @@
           <a:p>
             <a:fld id="{D5E8C49D-3947-054D-A87C-1567D1C262C1}" type="datetimeFigureOut">
               <a:rPr lang="en-VN" smtClean="0"/>
-              <a:t>12/19/23</a:t>
+              <a:t>12/25/23</a:t>
             </a:fld>
             <a:endParaRPr lang="en-VN"/>
           </a:p>
@@ -4360,6 +4363,171 @@
 </p:sld>
 </file>
 
+<file path=ppt/slides/slide10.xml><?xml version="1.0" encoding="utf-8"?>
+<p:sld xmlns:a="http://schemas.openxmlformats.org/drawingml/2006/main" xmlns:r="http://schemas.openxmlformats.org/officeDocument/2006/relationships" xmlns:p="http://schemas.openxmlformats.org/presentationml/2006/main">
+  <p:cSld>
+    <p:spTree>
+      <p:nvGrpSpPr>
+        <p:cNvPr id="1" name=""/>
+        <p:cNvGrpSpPr/>
+        <p:nvPr/>
+      </p:nvGrpSpPr>
+      <p:grpSpPr>
+        <a:xfrm>
+          <a:off x="0" y="0"/>
+          <a:ext cx="0" cy="0"/>
+          <a:chOff x="0" y="0"/>
+          <a:chExt cx="0" cy="0"/>
+        </a:xfrm>
+      </p:grpSpPr>
+      <p:grpSp>
+        <p:nvGrpSpPr>
+          <p:cNvPr id="2" name="Group 1">
+            <a:extLst>
+              <a:ext uri="{FF2B5EF4-FFF2-40B4-BE49-F238E27FC236}">
+                <a16:creationId xmlns:a16="http://schemas.microsoft.com/office/drawing/2014/main" id="{BF4BEEF5-D775-1826-A760-CF76CA0E3BDB}"/>
+              </a:ext>
+            </a:extLst>
+          </p:cNvPr>
+          <p:cNvGrpSpPr/>
+          <p:nvPr/>
+        </p:nvGrpSpPr>
+        <p:grpSpPr>
+          <a:xfrm>
+            <a:off x="4591050" y="2425700"/>
+            <a:ext cx="3009900" cy="2006600"/>
+            <a:chOff x="4591050" y="2425700"/>
+            <a:chExt cx="3009900" cy="2006600"/>
+          </a:xfrm>
+        </p:grpSpPr>
+        <p:pic>
+          <p:nvPicPr>
+            <p:cNvPr id="3" name="Picture 2">
+              <a:extLst>
+                <a:ext uri="{FF2B5EF4-FFF2-40B4-BE49-F238E27FC236}">
+                  <a16:creationId xmlns:a16="http://schemas.microsoft.com/office/drawing/2014/main" id="{E57EBAA1-089A-F3FF-D9E5-FF4D865DE310}"/>
+                </a:ext>
+              </a:extLst>
+            </p:cNvPr>
+            <p:cNvPicPr>
+              <a:picLocks noChangeAspect="1"/>
+            </p:cNvPicPr>
+            <p:nvPr/>
+          </p:nvPicPr>
+          <p:blipFill>
+            <a:blip r:embed="rId2"/>
+            <a:stretch>
+              <a:fillRect/>
+            </a:stretch>
+          </p:blipFill>
+          <p:spPr>
+            <a:xfrm>
+              <a:off x="4591050" y="2425700"/>
+              <a:ext cx="3009900" cy="2006600"/>
+            </a:xfrm>
+            <a:prstGeom prst="rect">
+              <a:avLst/>
+            </a:prstGeom>
+          </p:spPr>
+        </p:pic>
+        <p:sp>
+          <p:nvSpPr>
+            <p:cNvPr id="4" name="Rectangle 3">
+              <a:extLst>
+                <a:ext uri="{FF2B5EF4-FFF2-40B4-BE49-F238E27FC236}">
+                  <a16:creationId xmlns:a16="http://schemas.microsoft.com/office/drawing/2014/main" id="{E581628B-F54B-32DC-78C9-B9A81789A769}"/>
+                </a:ext>
+              </a:extLst>
+            </p:cNvPr>
+            <p:cNvSpPr/>
+            <p:nvPr/>
+          </p:nvSpPr>
+          <p:spPr>
+            <a:xfrm>
+              <a:off x="6493079" y="2425700"/>
+              <a:ext cx="1107871" cy="2006600"/>
+            </a:xfrm>
+            <a:prstGeom prst="rect">
+              <a:avLst/>
+            </a:prstGeom>
+            <a:solidFill>
+              <a:schemeClr val="bg1">
+                <a:lumMod val="85000"/>
+              </a:schemeClr>
+            </a:solidFill>
+            <a:ln>
+              <a:noFill/>
+            </a:ln>
+          </p:spPr>
+          <p:style>
+            <a:lnRef idx="2">
+              <a:schemeClr val="accent1">
+                <a:shade val="15000"/>
+              </a:schemeClr>
+            </a:lnRef>
+            <a:fillRef idx="1">
+              <a:schemeClr val="accent1"/>
+            </a:fillRef>
+            <a:effectRef idx="0">
+              <a:schemeClr val="accent1"/>
+            </a:effectRef>
+            <a:fontRef idx="minor">
+              <a:schemeClr val="lt1"/>
+            </a:fontRef>
+          </p:style>
+          <p:txBody>
+            <a:bodyPr rtlCol="0" anchor="ctr"/>
+            <a:lstStyle/>
+            <a:p>
+              <a:pPr algn="ctr"/>
+              <a:endParaRPr lang="en-US"/>
+            </a:p>
+          </p:txBody>
+        </p:sp>
+      </p:grpSp>
+      <p:pic>
+        <p:nvPicPr>
+          <p:cNvPr id="8" name="Picture 7">
+            <a:extLst>
+              <a:ext uri="{FF2B5EF4-FFF2-40B4-BE49-F238E27FC236}">
+                <a16:creationId xmlns:a16="http://schemas.microsoft.com/office/drawing/2014/main" id="{758B43D4-E9B6-5D9D-A520-8A2251393A2A}"/>
+              </a:ext>
+            </a:extLst>
+          </p:cNvPr>
+          <p:cNvPicPr>
+            <a:picLocks noChangeAspect="1"/>
+          </p:cNvPicPr>
+          <p:nvPr/>
+        </p:nvPicPr>
+        <p:blipFill>
+          <a:blip r:embed="rId3"/>
+          <a:stretch>
+            <a:fillRect/>
+          </a:stretch>
+        </p:blipFill>
+        <p:spPr>
+          <a:xfrm>
+            <a:off x="6534175" y="2928135"/>
+            <a:ext cx="1031496" cy="1040544"/>
+          </a:xfrm>
+          <a:prstGeom prst="rect">
+            <a:avLst/>
+          </a:prstGeom>
+        </p:spPr>
+      </p:pic>
+    </p:spTree>
+    <p:extLst>
+      <p:ext uri="{BB962C8B-B14F-4D97-AF65-F5344CB8AC3E}">
+        <p14:creationId xmlns:p14="http://schemas.microsoft.com/office/powerpoint/2010/main" val="1928118738"/>
+      </p:ext>
+    </p:extLst>
+  </p:cSld>
+  <p:clrMapOvr>
+    <a:masterClrMapping/>
+  </p:clrMapOvr>
+</p:sld>
+</file>
+
 <file path=ppt/slides/slide2.xml><?xml version="1.0" encoding="utf-8"?>
 <p:sld xmlns:a="http://schemas.openxmlformats.org/drawingml/2006/main" xmlns:r="http://schemas.openxmlformats.org/officeDocument/2006/relationships" xmlns:p="http://schemas.openxmlformats.org/presentationml/2006/main">
   <p:cSld>
@@ -4787,6 +4955,403 @@
 </file>
 
 <file path=ppt/slides/slide5.xml><?xml version="1.0" encoding="utf-8"?>
+<p:sld xmlns:a="http://schemas.openxmlformats.org/drawingml/2006/main" xmlns:r="http://schemas.openxmlformats.org/officeDocument/2006/relationships" xmlns:p="http://schemas.openxmlformats.org/presentationml/2006/main">
+  <p:cSld>
+    <p:spTree>
+      <p:nvGrpSpPr>
+        <p:cNvPr id="1" name=""/>
+        <p:cNvGrpSpPr/>
+        <p:nvPr/>
+      </p:nvGrpSpPr>
+      <p:grpSpPr>
+        <a:xfrm>
+          <a:off x="0" y="0"/>
+          <a:ext cx="0" cy="0"/>
+          <a:chOff x="0" y="0"/>
+          <a:chExt cx="0" cy="0"/>
+        </a:xfrm>
+      </p:grpSpPr>
+      <p:grpSp>
+        <p:nvGrpSpPr>
+          <p:cNvPr id="11" name="Group 10">
+            <a:extLst>
+              <a:ext uri="{FF2B5EF4-FFF2-40B4-BE49-F238E27FC236}">
+                <a16:creationId xmlns:a16="http://schemas.microsoft.com/office/drawing/2014/main" id="{98BA4467-FABF-CA12-7884-DCB5FB746A49}"/>
+              </a:ext>
+            </a:extLst>
+          </p:cNvPr>
+          <p:cNvGrpSpPr/>
+          <p:nvPr/>
+        </p:nvGrpSpPr>
+        <p:grpSpPr>
+          <a:xfrm>
+            <a:off x="3359650" y="872053"/>
+            <a:ext cx="7679131" cy="5113894"/>
+            <a:chOff x="3359650" y="872053"/>
+            <a:chExt cx="7679131" cy="5113894"/>
+          </a:xfrm>
+        </p:grpSpPr>
+        <p:pic>
+          <p:nvPicPr>
+            <p:cNvPr id="10" name="Picture 9">
+              <a:extLst>
+                <a:ext uri="{FF2B5EF4-FFF2-40B4-BE49-F238E27FC236}">
+                  <a16:creationId xmlns:a16="http://schemas.microsoft.com/office/drawing/2014/main" id="{58F94A49-E6D4-7E6A-AF34-6C321E90A583}"/>
+                </a:ext>
+              </a:extLst>
+            </p:cNvPr>
+            <p:cNvPicPr>
+              <a:picLocks noChangeAspect="1"/>
+            </p:cNvPicPr>
+            <p:nvPr/>
+          </p:nvPicPr>
+          <p:blipFill>
+            <a:blip r:embed="rId2"/>
+            <a:stretch>
+              <a:fillRect/>
+            </a:stretch>
+          </p:blipFill>
+          <p:spPr>
+            <a:xfrm>
+              <a:off x="3359650" y="872053"/>
+              <a:ext cx="7679131" cy="5113894"/>
+            </a:xfrm>
+            <a:prstGeom prst="rect">
+              <a:avLst/>
+            </a:prstGeom>
+          </p:spPr>
+        </p:pic>
+        <p:pic>
+          <p:nvPicPr>
+            <p:cNvPr id="5" name="Picture 4">
+              <a:extLst>
+                <a:ext uri="{FF2B5EF4-FFF2-40B4-BE49-F238E27FC236}">
+                  <a16:creationId xmlns:a16="http://schemas.microsoft.com/office/drawing/2014/main" id="{5DFC8F26-6701-4D34-8A36-2425CFA2540F}"/>
+                </a:ext>
+              </a:extLst>
+            </p:cNvPr>
+            <p:cNvPicPr>
+              <a:picLocks noChangeAspect="1"/>
+            </p:cNvPicPr>
+            <p:nvPr/>
+          </p:nvPicPr>
+          <p:blipFill>
+            <a:blip r:embed="rId3"/>
+            <a:stretch>
+              <a:fillRect/>
+            </a:stretch>
+          </p:blipFill>
+          <p:spPr>
+            <a:xfrm>
+              <a:off x="5124519" y="1705151"/>
+              <a:ext cx="4149392" cy="3447697"/>
+            </a:xfrm>
+            <a:prstGeom prst="rect">
+              <a:avLst/>
+            </a:prstGeom>
+          </p:spPr>
+        </p:pic>
+      </p:grpSp>
+    </p:spTree>
+    <p:extLst>
+      <p:ext uri="{BB962C8B-B14F-4D97-AF65-F5344CB8AC3E}">
+        <p14:creationId xmlns:p14="http://schemas.microsoft.com/office/powerpoint/2010/main" val="443992844"/>
+      </p:ext>
+    </p:extLst>
+  </p:cSld>
+  <p:clrMapOvr>
+    <a:masterClrMapping/>
+  </p:clrMapOvr>
+</p:sld>
+</file>
+
+<file path=ppt/slides/slide6.xml><?xml version="1.0" encoding="utf-8"?>
+<p:sld xmlns:a="http://schemas.openxmlformats.org/drawingml/2006/main" xmlns:r="http://schemas.openxmlformats.org/officeDocument/2006/relationships" xmlns:p="http://schemas.openxmlformats.org/presentationml/2006/main">
+  <p:cSld>
+    <p:spTree>
+      <p:nvGrpSpPr>
+        <p:cNvPr id="1" name=""/>
+        <p:cNvGrpSpPr/>
+        <p:nvPr/>
+      </p:nvGrpSpPr>
+      <p:grpSpPr>
+        <a:xfrm>
+          <a:off x="0" y="0"/>
+          <a:ext cx="0" cy="0"/>
+          <a:chOff x="0" y="0"/>
+          <a:chExt cx="0" cy="0"/>
+        </a:xfrm>
+      </p:grpSpPr>
+      <p:grpSp>
+        <p:nvGrpSpPr>
+          <p:cNvPr id="4" name="Group 3">
+            <a:extLst>
+              <a:ext uri="{FF2B5EF4-FFF2-40B4-BE49-F238E27FC236}">
+                <a16:creationId xmlns:a16="http://schemas.microsoft.com/office/drawing/2014/main" id="{3540DCA3-7DDB-851D-2AE0-0008D75826E5}"/>
+              </a:ext>
+            </a:extLst>
+          </p:cNvPr>
+          <p:cNvGrpSpPr/>
+          <p:nvPr/>
+        </p:nvGrpSpPr>
+        <p:grpSpPr>
+          <a:xfrm>
+            <a:off x="3359650" y="872053"/>
+            <a:ext cx="7679131" cy="5113894"/>
+            <a:chOff x="3359650" y="872053"/>
+            <a:chExt cx="7679131" cy="5113894"/>
+          </a:xfrm>
+        </p:grpSpPr>
+        <p:pic>
+          <p:nvPicPr>
+            <p:cNvPr id="10" name="Picture 9">
+              <a:extLst>
+                <a:ext uri="{FF2B5EF4-FFF2-40B4-BE49-F238E27FC236}">
+                  <a16:creationId xmlns:a16="http://schemas.microsoft.com/office/drawing/2014/main" id="{58F94A49-E6D4-7E6A-AF34-6C321E90A583}"/>
+                </a:ext>
+              </a:extLst>
+            </p:cNvPr>
+            <p:cNvPicPr>
+              <a:picLocks noChangeAspect="1"/>
+            </p:cNvPicPr>
+            <p:nvPr/>
+          </p:nvPicPr>
+          <p:blipFill>
+            <a:blip r:embed="rId2"/>
+            <a:stretch>
+              <a:fillRect/>
+            </a:stretch>
+          </p:blipFill>
+          <p:spPr>
+            <a:xfrm>
+              <a:off x="3359650" y="872053"/>
+              <a:ext cx="7679131" cy="5113894"/>
+            </a:xfrm>
+            <a:prstGeom prst="rect">
+              <a:avLst/>
+            </a:prstGeom>
+          </p:spPr>
+        </p:pic>
+        <p:sp>
+          <p:nvSpPr>
+            <p:cNvPr id="3" name="TextBox 2">
+              <a:extLst>
+                <a:ext uri="{FF2B5EF4-FFF2-40B4-BE49-F238E27FC236}">
+                  <a16:creationId xmlns:a16="http://schemas.microsoft.com/office/drawing/2014/main" id="{DE769EB3-976B-8DAD-FE40-C4B38E36104E}"/>
+                </a:ext>
+              </a:extLst>
+            </p:cNvPr>
+            <p:cNvSpPr txBox="1"/>
+            <p:nvPr/>
+          </p:nvSpPr>
+          <p:spPr>
+            <a:xfrm>
+              <a:off x="3438875" y="1448651"/>
+              <a:ext cx="7492828" cy="4508927"/>
+            </a:xfrm>
+            <a:prstGeom prst="rect">
+              <a:avLst/>
+            </a:prstGeom>
+            <a:noFill/>
+          </p:spPr>
+          <p:txBody>
+            <a:bodyPr wrap="square" rtlCol="0">
+              <a:spAutoFit/>
+            </a:bodyPr>
+            <a:lstStyle/>
+            <a:p>
+              <a:pPr algn="ctr"/>
+              <a:r>
+                <a:rPr lang="en-US" sz="28700" dirty="0">
+                  <a:solidFill>
+                    <a:schemeClr val="bg1"/>
+                  </a:solidFill>
+                  <a:effectLst/>
+                  <a:latin typeface="Menlo" panose="020B0609030804020204" pitchFamily="49" charset="0"/>
+                </a:rPr>
+                <a:t>٣</a:t>
+              </a:r>
+              <a:endParaRPr lang="en-US" sz="2000" dirty="0">
+                <a:solidFill>
+                  <a:schemeClr val="bg1"/>
+                </a:solidFill>
+                <a:effectLst/>
+                <a:latin typeface="Menlo" panose="020B0609030804020204" pitchFamily="49" charset="0"/>
+              </a:endParaRPr>
+            </a:p>
+          </p:txBody>
+        </p:sp>
+      </p:grpSp>
+    </p:spTree>
+    <p:extLst>
+      <p:ext uri="{BB962C8B-B14F-4D97-AF65-F5344CB8AC3E}">
+        <p14:creationId xmlns:p14="http://schemas.microsoft.com/office/powerpoint/2010/main" val="564751667"/>
+      </p:ext>
+    </p:extLst>
+  </p:cSld>
+  <p:clrMapOvr>
+    <a:masterClrMapping/>
+  </p:clrMapOvr>
+</p:sld>
+</file>
+
+<file path=ppt/slides/slide7.xml><?xml version="1.0" encoding="utf-8"?>
+<p:sld xmlns:a="http://schemas.openxmlformats.org/drawingml/2006/main" xmlns:r="http://schemas.openxmlformats.org/officeDocument/2006/relationships" xmlns:p="http://schemas.openxmlformats.org/presentationml/2006/main">
+  <p:cSld>
+    <p:spTree>
+      <p:nvGrpSpPr>
+        <p:cNvPr id="1" name=""/>
+        <p:cNvGrpSpPr/>
+        <p:nvPr/>
+      </p:nvGrpSpPr>
+      <p:grpSpPr>
+        <a:xfrm>
+          <a:off x="0" y="0"/>
+          <a:ext cx="0" cy="0"/>
+          <a:chOff x="0" y="0"/>
+          <a:chExt cx="0" cy="0"/>
+        </a:xfrm>
+      </p:grpSpPr>
+      <p:pic>
+        <p:nvPicPr>
+          <p:cNvPr id="3" name="Picture 2">
+            <a:extLst>
+              <a:ext uri="{FF2B5EF4-FFF2-40B4-BE49-F238E27FC236}">
+                <a16:creationId xmlns:a16="http://schemas.microsoft.com/office/drawing/2014/main" id="{122BA71B-D526-50BC-1578-0C3CC3DF9BEA}"/>
+              </a:ext>
+            </a:extLst>
+          </p:cNvPr>
+          <p:cNvPicPr>
+            <a:picLocks noChangeAspect="1"/>
+          </p:cNvPicPr>
+          <p:nvPr/>
+        </p:nvPicPr>
+        <p:blipFill>
+          <a:blip r:embed="rId2"/>
+          <a:stretch>
+            <a:fillRect/>
+          </a:stretch>
+        </p:blipFill>
+        <p:spPr>
+          <a:xfrm>
+            <a:off x="3973316" y="2028075"/>
+            <a:ext cx="3228868" cy="2122684"/>
+          </a:xfrm>
+          <a:prstGeom prst="rect">
+            <a:avLst/>
+          </a:prstGeom>
+        </p:spPr>
+      </p:pic>
+      <p:sp>
+        <p:nvSpPr>
+          <p:cNvPr id="13" name="Rectangle 12">
+            <a:extLst>
+              <a:ext uri="{FF2B5EF4-FFF2-40B4-BE49-F238E27FC236}">
+                <a16:creationId xmlns:a16="http://schemas.microsoft.com/office/drawing/2014/main" id="{87E21DAD-2838-575D-B584-E8B882F72C2B}"/>
+              </a:ext>
+            </a:extLst>
+          </p:cNvPr>
+          <p:cNvSpPr/>
+          <p:nvPr/>
+        </p:nvSpPr>
+        <p:spPr>
+          <a:xfrm>
+            <a:off x="6096000" y="2028075"/>
+            <a:ext cx="1188468" cy="2122684"/>
+          </a:xfrm>
+          <a:prstGeom prst="rect">
+            <a:avLst/>
+          </a:prstGeom>
+          <a:solidFill>
+            <a:schemeClr val="bg1">
+              <a:lumMod val="85000"/>
+            </a:schemeClr>
+          </a:solidFill>
+          <a:ln>
+            <a:noFill/>
+          </a:ln>
+        </p:spPr>
+        <p:style>
+          <a:lnRef idx="2">
+            <a:schemeClr val="accent1">
+              <a:shade val="15000"/>
+            </a:schemeClr>
+          </a:lnRef>
+          <a:fillRef idx="1">
+            <a:schemeClr val="accent1"/>
+          </a:fillRef>
+          <a:effectRef idx="0">
+            <a:schemeClr val="accent1"/>
+          </a:effectRef>
+          <a:fontRef idx="minor">
+            <a:schemeClr val="lt1"/>
+          </a:fontRef>
+        </p:style>
+        <p:txBody>
+          <a:bodyPr wrap="none" lIns="0" tIns="0" rIns="0" bIns="0" rtlCol="0" anchor="ctr"/>
+          <a:lstStyle/>
+          <a:p>
+            <a:pPr algn="ctr"/>
+            <a:endParaRPr lang="en-US"/>
+          </a:p>
+        </p:txBody>
+      </p:sp>
+      <p:sp>
+        <p:nvSpPr>
+          <p:cNvPr id="14" name="TextBox 13">
+            <a:extLst>
+              <a:ext uri="{FF2B5EF4-FFF2-40B4-BE49-F238E27FC236}">
+                <a16:creationId xmlns:a16="http://schemas.microsoft.com/office/drawing/2014/main" id="{5089EA09-0A1C-B8CE-6E85-4046182C33B9}"/>
+              </a:ext>
+            </a:extLst>
+          </p:cNvPr>
+          <p:cNvSpPr txBox="1"/>
+          <p:nvPr/>
+        </p:nvSpPr>
+        <p:spPr>
+          <a:xfrm>
+            <a:off x="6291299" y="2352781"/>
+            <a:ext cx="815929" cy="1354217"/>
+          </a:xfrm>
+          <a:prstGeom prst="rect">
+            <a:avLst/>
+          </a:prstGeom>
+          <a:noFill/>
+        </p:spPr>
+        <p:txBody>
+          <a:bodyPr wrap="none" lIns="0" tIns="0" rIns="0" bIns="0" rtlCol="0">
+            <a:spAutoFit/>
+          </a:bodyPr>
+          <a:lstStyle/>
+          <a:p>
+            <a:r>
+              <a:rPr lang="hy-AM" sz="8800" b="0" i="0" dirty="0">
+                <a:solidFill>
+                  <a:srgbClr val="202122"/>
+                </a:solidFill>
+                <a:effectLst/>
+                <a:latin typeface="Arial" panose="020B0604020202020204" pitchFamily="34" charset="0"/>
+              </a:rPr>
+              <a:t>Ա</a:t>
+            </a:r>
+            <a:endParaRPr lang="en-US" dirty="0"/>
+          </a:p>
+        </p:txBody>
+      </p:sp>
+    </p:spTree>
+    <p:extLst>
+      <p:ext uri="{BB962C8B-B14F-4D97-AF65-F5344CB8AC3E}">
+        <p14:creationId xmlns:p14="http://schemas.microsoft.com/office/powerpoint/2010/main" val="2704576843"/>
+      </p:ext>
+    </p:extLst>
+  </p:cSld>
+  <p:clrMapOvr>
+    <a:masterClrMapping/>
+  </p:clrMapOvr>
+</p:sld>
+</file>
+
+<file path=ppt/slides/slide8.xml><?xml version="1.0" encoding="utf-8"?>
 <p:sld xmlns:a="http://schemas.openxmlformats.org/drawingml/2006/main" xmlns:r="http://schemas.openxmlformats.org/officeDocument/2006/relationships" xmlns:p="http://schemas.openxmlformats.org/presentationml/2006/main">
   <p:cSld>
     <p:spTree>
@@ -5731,7 +6296,7 @@
 </p:sld>
 </file>
 
-<file path=ppt/slides/slide6.xml><?xml version="1.0" encoding="utf-8"?>
+<file path=ppt/slides/slide9.xml><?xml version="1.0" encoding="utf-8"?>
 <p:sld xmlns:a="http://schemas.openxmlformats.org/drawingml/2006/main" xmlns:r="http://schemas.openxmlformats.org/officeDocument/2006/relationships" xmlns:p="http://schemas.openxmlformats.org/presentationml/2006/main">
   <p:cSld>
     <p:spTree>
@@ -5835,171 +6400,6 @@
     <p:extLst>
       <p:ext uri="{BB962C8B-B14F-4D97-AF65-F5344CB8AC3E}">
         <p14:creationId xmlns:p14="http://schemas.microsoft.com/office/powerpoint/2010/main" val="2268150417"/>
-      </p:ext>
-    </p:extLst>
-  </p:cSld>
-  <p:clrMapOvr>
-    <a:masterClrMapping/>
-  </p:clrMapOvr>
-</p:sld>
-</file>
-
-<file path=ppt/slides/slide7.xml><?xml version="1.0" encoding="utf-8"?>
-<p:sld xmlns:a="http://schemas.openxmlformats.org/drawingml/2006/main" xmlns:r="http://schemas.openxmlformats.org/officeDocument/2006/relationships" xmlns:p="http://schemas.openxmlformats.org/presentationml/2006/main">
-  <p:cSld>
-    <p:spTree>
-      <p:nvGrpSpPr>
-        <p:cNvPr id="1" name=""/>
-        <p:cNvGrpSpPr/>
-        <p:nvPr/>
-      </p:nvGrpSpPr>
-      <p:grpSpPr>
-        <a:xfrm>
-          <a:off x="0" y="0"/>
-          <a:ext cx="0" cy="0"/>
-          <a:chOff x="0" y="0"/>
-          <a:chExt cx="0" cy="0"/>
-        </a:xfrm>
-      </p:grpSpPr>
-      <p:grpSp>
-        <p:nvGrpSpPr>
-          <p:cNvPr id="2" name="Group 1">
-            <a:extLst>
-              <a:ext uri="{FF2B5EF4-FFF2-40B4-BE49-F238E27FC236}">
-                <a16:creationId xmlns:a16="http://schemas.microsoft.com/office/drawing/2014/main" id="{BF4BEEF5-D775-1826-A760-CF76CA0E3BDB}"/>
-              </a:ext>
-            </a:extLst>
-          </p:cNvPr>
-          <p:cNvGrpSpPr/>
-          <p:nvPr/>
-        </p:nvGrpSpPr>
-        <p:grpSpPr>
-          <a:xfrm>
-            <a:off x="4591050" y="2425700"/>
-            <a:ext cx="3009900" cy="2006600"/>
-            <a:chOff x="4591050" y="2425700"/>
-            <a:chExt cx="3009900" cy="2006600"/>
-          </a:xfrm>
-        </p:grpSpPr>
-        <p:pic>
-          <p:nvPicPr>
-            <p:cNvPr id="3" name="Picture 2">
-              <a:extLst>
-                <a:ext uri="{FF2B5EF4-FFF2-40B4-BE49-F238E27FC236}">
-                  <a16:creationId xmlns:a16="http://schemas.microsoft.com/office/drawing/2014/main" id="{E57EBAA1-089A-F3FF-D9E5-FF4D865DE310}"/>
-                </a:ext>
-              </a:extLst>
-            </p:cNvPr>
-            <p:cNvPicPr>
-              <a:picLocks noChangeAspect="1"/>
-            </p:cNvPicPr>
-            <p:nvPr/>
-          </p:nvPicPr>
-          <p:blipFill>
-            <a:blip r:embed="rId2"/>
-            <a:stretch>
-              <a:fillRect/>
-            </a:stretch>
-          </p:blipFill>
-          <p:spPr>
-            <a:xfrm>
-              <a:off x="4591050" y="2425700"/>
-              <a:ext cx="3009900" cy="2006600"/>
-            </a:xfrm>
-            <a:prstGeom prst="rect">
-              <a:avLst/>
-            </a:prstGeom>
-          </p:spPr>
-        </p:pic>
-        <p:sp>
-          <p:nvSpPr>
-            <p:cNvPr id="4" name="Rectangle 3">
-              <a:extLst>
-                <a:ext uri="{FF2B5EF4-FFF2-40B4-BE49-F238E27FC236}">
-                  <a16:creationId xmlns:a16="http://schemas.microsoft.com/office/drawing/2014/main" id="{E581628B-F54B-32DC-78C9-B9A81789A769}"/>
-                </a:ext>
-              </a:extLst>
-            </p:cNvPr>
-            <p:cNvSpPr/>
-            <p:nvPr/>
-          </p:nvSpPr>
-          <p:spPr>
-            <a:xfrm>
-              <a:off x="6493079" y="2425700"/>
-              <a:ext cx="1107871" cy="2006600"/>
-            </a:xfrm>
-            <a:prstGeom prst="rect">
-              <a:avLst/>
-            </a:prstGeom>
-            <a:solidFill>
-              <a:schemeClr val="bg1">
-                <a:lumMod val="85000"/>
-              </a:schemeClr>
-            </a:solidFill>
-            <a:ln>
-              <a:noFill/>
-            </a:ln>
-          </p:spPr>
-          <p:style>
-            <a:lnRef idx="2">
-              <a:schemeClr val="accent1">
-                <a:shade val="15000"/>
-              </a:schemeClr>
-            </a:lnRef>
-            <a:fillRef idx="1">
-              <a:schemeClr val="accent1"/>
-            </a:fillRef>
-            <a:effectRef idx="0">
-              <a:schemeClr val="accent1"/>
-            </a:effectRef>
-            <a:fontRef idx="minor">
-              <a:schemeClr val="lt1"/>
-            </a:fontRef>
-          </p:style>
-          <p:txBody>
-            <a:bodyPr rtlCol="0" anchor="ctr"/>
-            <a:lstStyle/>
-            <a:p>
-              <a:pPr algn="ctr"/>
-              <a:endParaRPr lang="en-US"/>
-            </a:p>
-          </p:txBody>
-        </p:sp>
-      </p:grpSp>
-      <p:pic>
-        <p:nvPicPr>
-          <p:cNvPr id="8" name="Picture 7">
-            <a:extLst>
-              <a:ext uri="{FF2B5EF4-FFF2-40B4-BE49-F238E27FC236}">
-                <a16:creationId xmlns:a16="http://schemas.microsoft.com/office/drawing/2014/main" id="{758B43D4-E9B6-5D9D-A520-8A2251393A2A}"/>
-              </a:ext>
-            </a:extLst>
-          </p:cNvPr>
-          <p:cNvPicPr>
-            <a:picLocks noChangeAspect="1"/>
-          </p:cNvPicPr>
-          <p:nvPr/>
-        </p:nvPicPr>
-        <p:blipFill>
-          <a:blip r:embed="rId3"/>
-          <a:stretch>
-            <a:fillRect/>
-          </a:stretch>
-        </p:blipFill>
-        <p:spPr>
-          <a:xfrm>
-            <a:off x="6534175" y="2928135"/>
-            <a:ext cx="1031496" cy="1040544"/>
-          </a:xfrm>
-          <a:prstGeom prst="rect">
-            <a:avLst/>
-          </a:prstGeom>
-        </p:spPr>
-      </p:pic>
-    </p:spTree>
-    <p:extLst>
-      <p:ext uri="{BB962C8B-B14F-4D97-AF65-F5344CB8AC3E}">
-        <p14:creationId xmlns:p14="http://schemas.microsoft.com/office/powerpoint/2010/main" val="1928118738"/>
       </p:ext>
     </p:extLst>
   </p:cSld>

--- a/logo.pptx
+++ b/logo.pptx
@@ -12,9 +12,11 @@
     <p:sldId id="263" r:id="rId6"/>
     <p:sldId id="265" r:id="rId7"/>
     <p:sldId id="266" r:id="rId8"/>
-    <p:sldId id="257" r:id="rId9"/>
-    <p:sldId id="258" r:id="rId10"/>
-    <p:sldId id="259" r:id="rId11"/>
+    <p:sldId id="267" r:id="rId9"/>
+    <p:sldId id="268" r:id="rId10"/>
+    <p:sldId id="257" r:id="rId11"/>
+    <p:sldId id="258" r:id="rId12"/>
+    <p:sldId id="259" r:id="rId13"/>
   </p:sldIdLst>
   <p:sldSz cx="12192000" cy="6858000"/>
   <p:notesSz cx="6858000" cy="9144000"/>
@@ -270,7 +272,7 @@
           <a:p>
             <a:fld id="{D5E8C49D-3947-054D-A87C-1567D1C262C1}" type="datetimeFigureOut">
               <a:rPr lang="en-VN" smtClean="0"/>
-              <a:t>12/25/23</a:t>
+              <a:t>12/27/23</a:t>
             </a:fld>
             <a:endParaRPr lang="en-VN"/>
           </a:p>
@@ -470,7 +472,7 @@
           <a:p>
             <a:fld id="{D5E8C49D-3947-054D-A87C-1567D1C262C1}" type="datetimeFigureOut">
               <a:rPr lang="en-VN" smtClean="0"/>
-              <a:t>12/25/23</a:t>
+              <a:t>12/27/23</a:t>
             </a:fld>
             <a:endParaRPr lang="en-VN"/>
           </a:p>
@@ -680,7 +682,7 @@
           <a:p>
             <a:fld id="{D5E8C49D-3947-054D-A87C-1567D1C262C1}" type="datetimeFigureOut">
               <a:rPr lang="en-VN" smtClean="0"/>
-              <a:t>12/25/23</a:t>
+              <a:t>12/27/23</a:t>
             </a:fld>
             <a:endParaRPr lang="en-VN"/>
           </a:p>
@@ -880,7 +882,7 @@
           <a:p>
             <a:fld id="{D5E8C49D-3947-054D-A87C-1567D1C262C1}" type="datetimeFigureOut">
               <a:rPr lang="en-VN" smtClean="0"/>
-              <a:t>12/25/23</a:t>
+              <a:t>12/27/23</a:t>
             </a:fld>
             <a:endParaRPr lang="en-VN"/>
           </a:p>
@@ -1156,7 +1158,7 @@
           <a:p>
             <a:fld id="{D5E8C49D-3947-054D-A87C-1567D1C262C1}" type="datetimeFigureOut">
               <a:rPr lang="en-VN" smtClean="0"/>
-              <a:t>12/25/23</a:t>
+              <a:t>12/27/23</a:t>
             </a:fld>
             <a:endParaRPr lang="en-VN"/>
           </a:p>
@@ -1424,7 +1426,7 @@
           <a:p>
             <a:fld id="{D5E8C49D-3947-054D-A87C-1567D1C262C1}" type="datetimeFigureOut">
               <a:rPr lang="en-VN" smtClean="0"/>
-              <a:t>12/25/23</a:t>
+              <a:t>12/27/23</a:t>
             </a:fld>
             <a:endParaRPr lang="en-VN"/>
           </a:p>
@@ -1839,7 +1841,7 @@
           <a:p>
             <a:fld id="{D5E8C49D-3947-054D-A87C-1567D1C262C1}" type="datetimeFigureOut">
               <a:rPr lang="en-VN" smtClean="0"/>
-              <a:t>12/25/23</a:t>
+              <a:t>12/27/23</a:t>
             </a:fld>
             <a:endParaRPr lang="en-VN"/>
           </a:p>
@@ -1981,7 +1983,7 @@
           <a:p>
             <a:fld id="{D5E8C49D-3947-054D-A87C-1567D1C262C1}" type="datetimeFigureOut">
               <a:rPr lang="en-VN" smtClean="0"/>
-              <a:t>12/25/23</a:t>
+              <a:t>12/27/23</a:t>
             </a:fld>
             <a:endParaRPr lang="en-VN"/>
           </a:p>
@@ -2094,7 +2096,7 @@
           <a:p>
             <a:fld id="{D5E8C49D-3947-054D-A87C-1567D1C262C1}" type="datetimeFigureOut">
               <a:rPr lang="en-VN" smtClean="0"/>
-              <a:t>12/25/23</a:t>
+              <a:t>12/27/23</a:t>
             </a:fld>
             <a:endParaRPr lang="en-VN"/>
           </a:p>
@@ -2407,7 +2409,7 @@
           <a:p>
             <a:fld id="{D5E8C49D-3947-054D-A87C-1567D1C262C1}" type="datetimeFigureOut">
               <a:rPr lang="en-VN" smtClean="0"/>
-              <a:t>12/25/23</a:t>
+              <a:t>12/27/23</a:t>
             </a:fld>
             <a:endParaRPr lang="en-VN"/>
           </a:p>
@@ -2696,7 +2698,7 @@
           <a:p>
             <a:fld id="{D5E8C49D-3947-054D-A87C-1567D1C262C1}" type="datetimeFigureOut">
               <a:rPr lang="en-VN" smtClean="0"/>
-              <a:t>12/25/23</a:t>
+              <a:t>12/27/23</a:t>
             </a:fld>
             <a:endParaRPr lang="en-VN"/>
           </a:p>
@@ -2939,7 +2941,7 @@
           <a:p>
             <a:fld id="{D5E8C49D-3947-054D-A87C-1567D1C262C1}" type="datetimeFigureOut">
               <a:rPr lang="en-VN" smtClean="0"/>
-              <a:t>12/25/23</a:t>
+              <a:t>12/27/23</a:t>
             </a:fld>
             <a:endParaRPr lang="en-VN"/>
           </a:p>
@@ -4382,994 +4384,6 @@
       </p:grpSpPr>
       <p:grpSp>
         <p:nvGrpSpPr>
-          <p:cNvPr id="2" name="Group 1">
-            <a:extLst>
-              <a:ext uri="{FF2B5EF4-FFF2-40B4-BE49-F238E27FC236}">
-                <a16:creationId xmlns:a16="http://schemas.microsoft.com/office/drawing/2014/main" id="{BF4BEEF5-D775-1826-A760-CF76CA0E3BDB}"/>
-              </a:ext>
-            </a:extLst>
-          </p:cNvPr>
-          <p:cNvGrpSpPr/>
-          <p:nvPr/>
-        </p:nvGrpSpPr>
-        <p:grpSpPr>
-          <a:xfrm>
-            <a:off x="4591050" y="2425700"/>
-            <a:ext cx="3009900" cy="2006600"/>
-            <a:chOff x="4591050" y="2425700"/>
-            <a:chExt cx="3009900" cy="2006600"/>
-          </a:xfrm>
-        </p:grpSpPr>
-        <p:pic>
-          <p:nvPicPr>
-            <p:cNvPr id="3" name="Picture 2">
-              <a:extLst>
-                <a:ext uri="{FF2B5EF4-FFF2-40B4-BE49-F238E27FC236}">
-                  <a16:creationId xmlns:a16="http://schemas.microsoft.com/office/drawing/2014/main" id="{E57EBAA1-089A-F3FF-D9E5-FF4D865DE310}"/>
-                </a:ext>
-              </a:extLst>
-            </p:cNvPr>
-            <p:cNvPicPr>
-              <a:picLocks noChangeAspect="1"/>
-            </p:cNvPicPr>
-            <p:nvPr/>
-          </p:nvPicPr>
-          <p:blipFill>
-            <a:blip r:embed="rId2"/>
-            <a:stretch>
-              <a:fillRect/>
-            </a:stretch>
-          </p:blipFill>
-          <p:spPr>
-            <a:xfrm>
-              <a:off x="4591050" y="2425700"/>
-              <a:ext cx="3009900" cy="2006600"/>
-            </a:xfrm>
-            <a:prstGeom prst="rect">
-              <a:avLst/>
-            </a:prstGeom>
-          </p:spPr>
-        </p:pic>
-        <p:sp>
-          <p:nvSpPr>
-            <p:cNvPr id="4" name="Rectangle 3">
-              <a:extLst>
-                <a:ext uri="{FF2B5EF4-FFF2-40B4-BE49-F238E27FC236}">
-                  <a16:creationId xmlns:a16="http://schemas.microsoft.com/office/drawing/2014/main" id="{E581628B-F54B-32DC-78C9-B9A81789A769}"/>
-                </a:ext>
-              </a:extLst>
-            </p:cNvPr>
-            <p:cNvSpPr/>
-            <p:nvPr/>
-          </p:nvSpPr>
-          <p:spPr>
-            <a:xfrm>
-              <a:off x="6493079" y="2425700"/>
-              <a:ext cx="1107871" cy="2006600"/>
-            </a:xfrm>
-            <a:prstGeom prst="rect">
-              <a:avLst/>
-            </a:prstGeom>
-            <a:solidFill>
-              <a:schemeClr val="bg1">
-                <a:lumMod val="85000"/>
-              </a:schemeClr>
-            </a:solidFill>
-            <a:ln>
-              <a:noFill/>
-            </a:ln>
-          </p:spPr>
-          <p:style>
-            <a:lnRef idx="2">
-              <a:schemeClr val="accent1">
-                <a:shade val="15000"/>
-              </a:schemeClr>
-            </a:lnRef>
-            <a:fillRef idx="1">
-              <a:schemeClr val="accent1"/>
-            </a:fillRef>
-            <a:effectRef idx="0">
-              <a:schemeClr val="accent1"/>
-            </a:effectRef>
-            <a:fontRef idx="minor">
-              <a:schemeClr val="lt1"/>
-            </a:fontRef>
-          </p:style>
-          <p:txBody>
-            <a:bodyPr rtlCol="0" anchor="ctr"/>
-            <a:lstStyle/>
-            <a:p>
-              <a:pPr algn="ctr"/>
-              <a:endParaRPr lang="en-US"/>
-            </a:p>
-          </p:txBody>
-        </p:sp>
-      </p:grpSp>
-      <p:pic>
-        <p:nvPicPr>
-          <p:cNvPr id="8" name="Picture 7">
-            <a:extLst>
-              <a:ext uri="{FF2B5EF4-FFF2-40B4-BE49-F238E27FC236}">
-                <a16:creationId xmlns:a16="http://schemas.microsoft.com/office/drawing/2014/main" id="{758B43D4-E9B6-5D9D-A520-8A2251393A2A}"/>
-              </a:ext>
-            </a:extLst>
-          </p:cNvPr>
-          <p:cNvPicPr>
-            <a:picLocks noChangeAspect="1"/>
-          </p:cNvPicPr>
-          <p:nvPr/>
-        </p:nvPicPr>
-        <p:blipFill>
-          <a:blip r:embed="rId3"/>
-          <a:stretch>
-            <a:fillRect/>
-          </a:stretch>
-        </p:blipFill>
-        <p:spPr>
-          <a:xfrm>
-            <a:off x="6534175" y="2928135"/>
-            <a:ext cx="1031496" cy="1040544"/>
-          </a:xfrm>
-          <a:prstGeom prst="rect">
-            <a:avLst/>
-          </a:prstGeom>
-        </p:spPr>
-      </p:pic>
-    </p:spTree>
-    <p:extLst>
-      <p:ext uri="{BB962C8B-B14F-4D97-AF65-F5344CB8AC3E}">
-        <p14:creationId xmlns:p14="http://schemas.microsoft.com/office/powerpoint/2010/main" val="1928118738"/>
-      </p:ext>
-    </p:extLst>
-  </p:cSld>
-  <p:clrMapOvr>
-    <a:masterClrMapping/>
-  </p:clrMapOvr>
-</p:sld>
-</file>
-
-<file path=ppt/slides/slide2.xml><?xml version="1.0" encoding="utf-8"?>
-<p:sld xmlns:a="http://schemas.openxmlformats.org/drawingml/2006/main" xmlns:r="http://schemas.openxmlformats.org/officeDocument/2006/relationships" xmlns:p="http://schemas.openxmlformats.org/presentationml/2006/main">
-  <p:cSld>
-    <p:spTree>
-      <p:nvGrpSpPr>
-        <p:cNvPr id="1" name=""/>
-        <p:cNvGrpSpPr/>
-        <p:nvPr/>
-      </p:nvGrpSpPr>
-      <p:grpSpPr>
-        <a:xfrm>
-          <a:off x="0" y="0"/>
-          <a:ext cx="0" cy="0"/>
-          <a:chOff x="0" y="0"/>
-          <a:chExt cx="0" cy="0"/>
-        </a:xfrm>
-      </p:grpSpPr>
-      <p:pic>
-        <p:nvPicPr>
-          <p:cNvPr id="1026" name="Picture 2" descr="The National Flag of the People’s Republic of China (“Five-star Red Flag”) features a red background with a large yellow star and four smaller stars in the upper hoist-side corner">
-            <a:extLst>
-              <a:ext uri="{FF2B5EF4-FFF2-40B4-BE49-F238E27FC236}">
-                <a16:creationId xmlns:a16="http://schemas.microsoft.com/office/drawing/2014/main" id="{EB6D59E0-4626-E7B4-F614-12A2E6291387}"/>
-              </a:ext>
-            </a:extLst>
-          </p:cNvPr>
-          <p:cNvPicPr>
-            <a:picLocks noChangeAspect="1" noChangeArrowheads="1"/>
-          </p:cNvPicPr>
-          <p:nvPr/>
-        </p:nvPicPr>
-        <p:blipFill>
-          <a:blip r:embed="rId2">
-            <a:extLst>
-              <a:ext uri="{28A0092B-C50C-407E-A947-70E740481C1C}">
-                <a14:useLocalDpi xmlns:a14="http://schemas.microsoft.com/office/drawing/2010/main" val="0"/>
-              </a:ext>
-            </a:extLst>
-          </a:blip>
-          <a:srcRect/>
-          <a:stretch>
-            <a:fillRect/>
-          </a:stretch>
-        </p:blipFill>
-        <p:spPr bwMode="auto">
-          <a:xfrm>
-            <a:off x="1643866" y="872052"/>
-            <a:ext cx="7679130" cy="5113895"/>
-          </a:xfrm>
-          <a:prstGeom prst="rect">
-            <a:avLst/>
-          </a:prstGeom>
-          <a:noFill/>
-          <a:extLst>
-            <a:ext uri="{909E8E84-426E-40DD-AFC4-6F175D3DCCD1}">
-              <a14:hiddenFill xmlns:a14="http://schemas.microsoft.com/office/drawing/2010/main">
-                <a:solidFill>
-                  <a:srgbClr val="FFFFFF"/>
-                </a:solidFill>
-              </a14:hiddenFill>
-            </a:ext>
-          </a:extLst>
-        </p:spPr>
-      </p:pic>
-    </p:spTree>
-    <p:extLst>
-      <p:ext uri="{BB962C8B-B14F-4D97-AF65-F5344CB8AC3E}">
-        <p14:creationId xmlns:p14="http://schemas.microsoft.com/office/powerpoint/2010/main" val="1645481386"/>
-      </p:ext>
-    </p:extLst>
-  </p:cSld>
-  <p:clrMapOvr>
-    <a:masterClrMapping/>
-  </p:clrMapOvr>
-</p:sld>
-</file>
-
-<file path=ppt/slides/slide3.xml><?xml version="1.0" encoding="utf-8"?>
-<p:sld xmlns:a="http://schemas.openxmlformats.org/drawingml/2006/main" xmlns:r="http://schemas.openxmlformats.org/officeDocument/2006/relationships" xmlns:p="http://schemas.openxmlformats.org/presentationml/2006/main">
-  <p:cSld>
-    <p:spTree>
-      <p:nvGrpSpPr>
-        <p:cNvPr id="1" name=""/>
-        <p:cNvGrpSpPr/>
-        <p:nvPr/>
-      </p:nvGrpSpPr>
-      <p:grpSpPr>
-        <a:xfrm>
-          <a:off x="0" y="0"/>
-          <a:ext cx="0" cy="0"/>
-          <a:chOff x="0" y="0"/>
-          <a:chExt cx="0" cy="0"/>
-        </a:xfrm>
-      </p:grpSpPr>
-      <p:grpSp>
-        <p:nvGrpSpPr>
-          <p:cNvPr id="3" name="Group 2">
-            <a:extLst>
-              <a:ext uri="{FF2B5EF4-FFF2-40B4-BE49-F238E27FC236}">
-                <a16:creationId xmlns:a16="http://schemas.microsoft.com/office/drawing/2014/main" id="{0BF56E4A-0932-0412-2FF3-FD5BB5BCC1E1}"/>
-              </a:ext>
-            </a:extLst>
-          </p:cNvPr>
-          <p:cNvGrpSpPr/>
-          <p:nvPr/>
-        </p:nvGrpSpPr>
-        <p:grpSpPr>
-          <a:xfrm>
-            <a:off x="1643866" y="872052"/>
-            <a:ext cx="8312106" cy="5113895"/>
-            <a:chOff x="1643866" y="872052"/>
-            <a:chExt cx="8312106" cy="5113895"/>
-          </a:xfrm>
-        </p:grpSpPr>
-        <p:pic>
-          <p:nvPicPr>
-            <p:cNvPr id="1026" name="Picture 2" descr="The National Flag of the People’s Republic of China (“Five-star Red Flag”) features a red background with a large yellow star and four smaller stars in the upper hoist-side corner">
-              <a:extLst>
-                <a:ext uri="{FF2B5EF4-FFF2-40B4-BE49-F238E27FC236}">
-                  <a16:creationId xmlns:a16="http://schemas.microsoft.com/office/drawing/2014/main" id="{EB6D59E0-4626-E7B4-F614-12A2E6291387}"/>
-                </a:ext>
-              </a:extLst>
-            </p:cNvPr>
-            <p:cNvPicPr>
-              <a:picLocks noChangeAspect="1" noChangeArrowheads="1"/>
-            </p:cNvPicPr>
-            <p:nvPr/>
-          </p:nvPicPr>
-          <p:blipFill>
-            <a:blip r:embed="rId2">
-              <a:extLst>
-                <a:ext uri="{28A0092B-C50C-407E-A947-70E740481C1C}">
-                  <a14:useLocalDpi xmlns:a14="http://schemas.microsoft.com/office/drawing/2010/main" val="0"/>
-                </a:ext>
-              </a:extLst>
-            </a:blip>
-            <a:srcRect/>
-            <a:stretch>
-              <a:fillRect/>
-            </a:stretch>
-          </p:blipFill>
-          <p:spPr bwMode="auto">
-            <a:xfrm>
-              <a:off x="1643866" y="872052"/>
-              <a:ext cx="7679130" cy="5113895"/>
-            </a:xfrm>
-            <a:prstGeom prst="rect">
-              <a:avLst/>
-            </a:prstGeom>
-            <a:noFill/>
-            <a:extLst>
-              <a:ext uri="{909E8E84-426E-40DD-AFC4-6F175D3DCCD1}">
-                <a14:hiddenFill xmlns:a14="http://schemas.microsoft.com/office/drawing/2010/main">
-                  <a:solidFill>
-                    <a:srgbClr val="FFFFFF"/>
-                  </a:solidFill>
-                </a14:hiddenFill>
-              </a:ext>
-            </a:extLst>
-          </p:spPr>
-        </p:pic>
-        <p:sp>
-          <p:nvSpPr>
-            <p:cNvPr id="2" name="Rectangle 1">
-              <a:extLst>
-                <a:ext uri="{FF2B5EF4-FFF2-40B4-BE49-F238E27FC236}">
-                  <a16:creationId xmlns:a16="http://schemas.microsoft.com/office/drawing/2014/main" id="{80563850-A374-A5E3-6651-FA9571E42455}"/>
-                </a:ext>
-              </a:extLst>
-            </p:cNvPr>
-            <p:cNvSpPr/>
-            <p:nvPr/>
-          </p:nvSpPr>
-          <p:spPr>
-            <a:xfrm>
-              <a:off x="6499547" y="872052"/>
-              <a:ext cx="2823450" cy="5113894"/>
-            </a:xfrm>
-            <a:prstGeom prst="rect">
-              <a:avLst/>
-            </a:prstGeom>
-            <a:solidFill>
-              <a:schemeClr val="bg1">
-                <a:lumMod val="85000"/>
-              </a:schemeClr>
-            </a:solidFill>
-            <a:ln>
-              <a:noFill/>
-            </a:ln>
-          </p:spPr>
-          <p:style>
-            <a:lnRef idx="2">
-              <a:schemeClr val="accent1">
-                <a:shade val="15000"/>
-              </a:schemeClr>
-            </a:lnRef>
-            <a:fillRef idx="1">
-              <a:schemeClr val="accent1"/>
-            </a:fillRef>
-            <a:effectRef idx="0">
-              <a:schemeClr val="accent1"/>
-            </a:effectRef>
-            <a:fontRef idx="minor">
-              <a:schemeClr val="lt1"/>
-            </a:fontRef>
-          </p:style>
-          <p:txBody>
-            <a:bodyPr rtlCol="0" anchor="ctr"/>
-            <a:lstStyle/>
-            <a:p>
-              <a:pPr algn="ctr"/>
-              <a:endParaRPr lang="en-US"/>
-            </a:p>
-          </p:txBody>
-        </p:sp>
-        <p:pic>
-          <p:nvPicPr>
-            <p:cNvPr id="1032" name="Picture 8" descr="Image result for chinese yen symbol png">
-              <a:extLst>
-                <a:ext uri="{FF2B5EF4-FFF2-40B4-BE49-F238E27FC236}">
-                  <a16:creationId xmlns:a16="http://schemas.microsoft.com/office/drawing/2014/main" id="{2356F060-F378-7259-2AEF-7466689971BA}"/>
-                </a:ext>
-              </a:extLst>
-            </p:cNvPr>
-            <p:cNvPicPr>
-              <a:picLocks noChangeAspect="1" noChangeArrowheads="1"/>
-            </p:cNvPicPr>
-            <p:nvPr/>
-          </p:nvPicPr>
-          <p:blipFill>
-            <a:blip r:embed="rId3">
-              <a:extLst>
-                <a:ext uri="{BEBA8EAE-BF5A-486C-A8C5-ECC9F3942E4B}">
-                  <a14:imgProps xmlns:a14="http://schemas.microsoft.com/office/drawing/2010/main">
-                    <a14:imgLayer r:embed="rId4">
-                      <a14:imgEffect>
-                        <a14:backgroundRemoval t="10000" b="90000" l="10000" r="90000"/>
-                      </a14:imgEffect>
-                    </a14:imgLayer>
-                  </a14:imgProps>
-                </a:ext>
-                <a:ext uri="{28A0092B-C50C-407E-A947-70E740481C1C}">
-                  <a14:useLocalDpi xmlns:a14="http://schemas.microsoft.com/office/drawing/2010/main" val="0"/>
-                </a:ext>
-              </a:extLst>
-            </a:blip>
-            <a:srcRect/>
-            <a:stretch>
-              <a:fillRect/>
-            </a:stretch>
-          </p:blipFill>
-          <p:spPr bwMode="auto">
-            <a:xfrm>
-              <a:off x="5866572" y="1142999"/>
-              <a:ext cx="4089400" cy="4572000"/>
-            </a:xfrm>
-            <a:prstGeom prst="rect">
-              <a:avLst/>
-            </a:prstGeom>
-            <a:noFill/>
-            <a:extLst>
-              <a:ext uri="{909E8E84-426E-40DD-AFC4-6F175D3DCCD1}">
-                <a14:hiddenFill xmlns:a14="http://schemas.microsoft.com/office/drawing/2010/main">
-                  <a:solidFill>
-                    <a:srgbClr val="FFFFFF"/>
-                  </a:solidFill>
-                </a14:hiddenFill>
-              </a:ext>
-            </a:extLst>
-          </p:spPr>
-        </p:pic>
-      </p:grpSp>
-    </p:spTree>
-    <p:extLst>
-      <p:ext uri="{BB962C8B-B14F-4D97-AF65-F5344CB8AC3E}">
-        <p14:creationId xmlns:p14="http://schemas.microsoft.com/office/powerpoint/2010/main" val="2180861671"/>
-      </p:ext>
-    </p:extLst>
-  </p:cSld>
-  <p:clrMapOvr>
-    <a:masterClrMapping/>
-  </p:clrMapOvr>
-</p:sld>
-</file>
-
-<file path=ppt/slides/slide4.xml><?xml version="1.0" encoding="utf-8"?>
-<p:sld xmlns:a="http://schemas.openxmlformats.org/drawingml/2006/main" xmlns:r="http://schemas.openxmlformats.org/officeDocument/2006/relationships" xmlns:p="http://schemas.openxmlformats.org/presentationml/2006/main">
-  <p:cSld>
-    <p:spTree>
-      <p:nvGrpSpPr>
-        <p:cNvPr id="1" name=""/>
-        <p:cNvGrpSpPr/>
-        <p:nvPr/>
-      </p:nvGrpSpPr>
-      <p:grpSpPr>
-        <a:xfrm>
-          <a:off x="0" y="0"/>
-          <a:ext cx="0" cy="0"/>
-          <a:chOff x="0" y="0"/>
-          <a:chExt cx="0" cy="0"/>
-        </a:xfrm>
-      </p:grpSpPr>
-      <p:grpSp>
-        <p:nvGrpSpPr>
-          <p:cNvPr id="5" name="Group 4">
-            <a:extLst>
-              <a:ext uri="{FF2B5EF4-FFF2-40B4-BE49-F238E27FC236}">
-                <a16:creationId xmlns:a16="http://schemas.microsoft.com/office/drawing/2014/main" id="{D66A11DB-DCA8-82D8-CDEA-C5B0C3694FFC}"/>
-              </a:ext>
-            </a:extLst>
-          </p:cNvPr>
-          <p:cNvGrpSpPr/>
-          <p:nvPr/>
-        </p:nvGrpSpPr>
-        <p:grpSpPr>
-          <a:xfrm>
-            <a:off x="1643866" y="872052"/>
-            <a:ext cx="7679131" cy="5113894"/>
-            <a:chOff x="1643866" y="872052"/>
-            <a:chExt cx="7679131" cy="5113894"/>
-          </a:xfrm>
-        </p:grpSpPr>
-        <p:sp>
-          <p:nvSpPr>
-            <p:cNvPr id="2" name="Rectangle 1">
-              <a:extLst>
-                <a:ext uri="{FF2B5EF4-FFF2-40B4-BE49-F238E27FC236}">
-                  <a16:creationId xmlns:a16="http://schemas.microsoft.com/office/drawing/2014/main" id="{80563850-A374-A5E3-6651-FA9571E42455}"/>
-                </a:ext>
-              </a:extLst>
-            </p:cNvPr>
-            <p:cNvSpPr/>
-            <p:nvPr/>
-          </p:nvSpPr>
-          <p:spPr>
-            <a:xfrm>
-              <a:off x="1643866" y="872052"/>
-              <a:ext cx="7679131" cy="5113894"/>
-            </a:xfrm>
-            <a:prstGeom prst="rect">
-              <a:avLst/>
-            </a:prstGeom>
-            <a:solidFill>
-              <a:schemeClr val="bg1">
-                <a:lumMod val="85000"/>
-              </a:schemeClr>
-            </a:solidFill>
-            <a:ln>
-              <a:noFill/>
-            </a:ln>
-          </p:spPr>
-          <p:style>
-            <a:lnRef idx="2">
-              <a:schemeClr val="accent1">
-                <a:shade val="15000"/>
-              </a:schemeClr>
-            </a:lnRef>
-            <a:fillRef idx="1">
-              <a:schemeClr val="accent1"/>
-            </a:fillRef>
-            <a:effectRef idx="0">
-              <a:schemeClr val="accent1"/>
-            </a:effectRef>
-            <a:fontRef idx="minor">
-              <a:schemeClr val="lt1"/>
-            </a:fontRef>
-          </p:style>
-          <p:txBody>
-            <a:bodyPr rtlCol="0" anchor="ctr"/>
-            <a:lstStyle/>
-            <a:p>
-              <a:pPr algn="ctr"/>
-              <a:endParaRPr lang="en-US"/>
-            </a:p>
-          </p:txBody>
-        </p:sp>
-        <p:sp>
-          <p:nvSpPr>
-            <p:cNvPr id="4" name="TextBox 3">
-              <a:extLst>
-                <a:ext uri="{FF2B5EF4-FFF2-40B4-BE49-F238E27FC236}">
-                  <a16:creationId xmlns:a16="http://schemas.microsoft.com/office/drawing/2014/main" id="{DFBCB9DA-BC09-8C0F-7198-3F4BAD67ADE9}"/>
-                </a:ext>
-              </a:extLst>
-            </p:cNvPr>
-            <p:cNvSpPr txBox="1"/>
-            <p:nvPr/>
-          </p:nvSpPr>
-          <p:spPr>
-            <a:xfrm>
-              <a:off x="4281355" y="1174535"/>
-              <a:ext cx="2404152" cy="4508927"/>
-            </a:xfrm>
-            <a:prstGeom prst="rect">
-              <a:avLst/>
-            </a:prstGeom>
-            <a:noFill/>
-          </p:spPr>
-          <p:txBody>
-            <a:bodyPr wrap="square" rtlCol="0">
-              <a:spAutoFit/>
-            </a:bodyPr>
-            <a:lstStyle/>
-            <a:p>
-              <a:r>
-                <a:rPr lang="en-US" sz="28700" dirty="0"/>
-                <a:t>1</a:t>
-              </a:r>
-              <a:endParaRPr lang="en-US" dirty="0"/>
-            </a:p>
-          </p:txBody>
-        </p:sp>
-      </p:grpSp>
-    </p:spTree>
-    <p:extLst>
-      <p:ext uri="{BB962C8B-B14F-4D97-AF65-F5344CB8AC3E}">
-        <p14:creationId xmlns:p14="http://schemas.microsoft.com/office/powerpoint/2010/main" val="781438344"/>
-      </p:ext>
-    </p:extLst>
-  </p:cSld>
-  <p:clrMapOvr>
-    <a:masterClrMapping/>
-  </p:clrMapOvr>
-</p:sld>
-</file>
-
-<file path=ppt/slides/slide5.xml><?xml version="1.0" encoding="utf-8"?>
-<p:sld xmlns:a="http://schemas.openxmlformats.org/drawingml/2006/main" xmlns:r="http://schemas.openxmlformats.org/officeDocument/2006/relationships" xmlns:p="http://schemas.openxmlformats.org/presentationml/2006/main">
-  <p:cSld>
-    <p:spTree>
-      <p:nvGrpSpPr>
-        <p:cNvPr id="1" name=""/>
-        <p:cNvGrpSpPr/>
-        <p:nvPr/>
-      </p:nvGrpSpPr>
-      <p:grpSpPr>
-        <a:xfrm>
-          <a:off x="0" y="0"/>
-          <a:ext cx="0" cy="0"/>
-          <a:chOff x="0" y="0"/>
-          <a:chExt cx="0" cy="0"/>
-        </a:xfrm>
-      </p:grpSpPr>
-      <p:grpSp>
-        <p:nvGrpSpPr>
-          <p:cNvPr id="11" name="Group 10">
-            <a:extLst>
-              <a:ext uri="{FF2B5EF4-FFF2-40B4-BE49-F238E27FC236}">
-                <a16:creationId xmlns:a16="http://schemas.microsoft.com/office/drawing/2014/main" id="{98BA4467-FABF-CA12-7884-DCB5FB746A49}"/>
-              </a:ext>
-            </a:extLst>
-          </p:cNvPr>
-          <p:cNvGrpSpPr/>
-          <p:nvPr/>
-        </p:nvGrpSpPr>
-        <p:grpSpPr>
-          <a:xfrm>
-            <a:off x="3359650" y="872053"/>
-            <a:ext cx="7679131" cy="5113894"/>
-            <a:chOff x="3359650" y="872053"/>
-            <a:chExt cx="7679131" cy="5113894"/>
-          </a:xfrm>
-        </p:grpSpPr>
-        <p:pic>
-          <p:nvPicPr>
-            <p:cNvPr id="10" name="Picture 9">
-              <a:extLst>
-                <a:ext uri="{FF2B5EF4-FFF2-40B4-BE49-F238E27FC236}">
-                  <a16:creationId xmlns:a16="http://schemas.microsoft.com/office/drawing/2014/main" id="{58F94A49-E6D4-7E6A-AF34-6C321E90A583}"/>
-                </a:ext>
-              </a:extLst>
-            </p:cNvPr>
-            <p:cNvPicPr>
-              <a:picLocks noChangeAspect="1"/>
-            </p:cNvPicPr>
-            <p:nvPr/>
-          </p:nvPicPr>
-          <p:blipFill>
-            <a:blip r:embed="rId2"/>
-            <a:stretch>
-              <a:fillRect/>
-            </a:stretch>
-          </p:blipFill>
-          <p:spPr>
-            <a:xfrm>
-              <a:off x="3359650" y="872053"/>
-              <a:ext cx="7679131" cy="5113894"/>
-            </a:xfrm>
-            <a:prstGeom prst="rect">
-              <a:avLst/>
-            </a:prstGeom>
-          </p:spPr>
-        </p:pic>
-        <p:pic>
-          <p:nvPicPr>
-            <p:cNvPr id="5" name="Picture 4">
-              <a:extLst>
-                <a:ext uri="{FF2B5EF4-FFF2-40B4-BE49-F238E27FC236}">
-                  <a16:creationId xmlns:a16="http://schemas.microsoft.com/office/drawing/2014/main" id="{5DFC8F26-6701-4D34-8A36-2425CFA2540F}"/>
-                </a:ext>
-              </a:extLst>
-            </p:cNvPr>
-            <p:cNvPicPr>
-              <a:picLocks noChangeAspect="1"/>
-            </p:cNvPicPr>
-            <p:nvPr/>
-          </p:nvPicPr>
-          <p:blipFill>
-            <a:blip r:embed="rId3"/>
-            <a:stretch>
-              <a:fillRect/>
-            </a:stretch>
-          </p:blipFill>
-          <p:spPr>
-            <a:xfrm>
-              <a:off x="5124519" y="1705151"/>
-              <a:ext cx="4149392" cy="3447697"/>
-            </a:xfrm>
-            <a:prstGeom prst="rect">
-              <a:avLst/>
-            </a:prstGeom>
-          </p:spPr>
-        </p:pic>
-      </p:grpSp>
-    </p:spTree>
-    <p:extLst>
-      <p:ext uri="{BB962C8B-B14F-4D97-AF65-F5344CB8AC3E}">
-        <p14:creationId xmlns:p14="http://schemas.microsoft.com/office/powerpoint/2010/main" val="443992844"/>
-      </p:ext>
-    </p:extLst>
-  </p:cSld>
-  <p:clrMapOvr>
-    <a:masterClrMapping/>
-  </p:clrMapOvr>
-</p:sld>
-</file>
-
-<file path=ppt/slides/slide6.xml><?xml version="1.0" encoding="utf-8"?>
-<p:sld xmlns:a="http://schemas.openxmlformats.org/drawingml/2006/main" xmlns:r="http://schemas.openxmlformats.org/officeDocument/2006/relationships" xmlns:p="http://schemas.openxmlformats.org/presentationml/2006/main">
-  <p:cSld>
-    <p:spTree>
-      <p:nvGrpSpPr>
-        <p:cNvPr id="1" name=""/>
-        <p:cNvGrpSpPr/>
-        <p:nvPr/>
-      </p:nvGrpSpPr>
-      <p:grpSpPr>
-        <a:xfrm>
-          <a:off x="0" y="0"/>
-          <a:ext cx="0" cy="0"/>
-          <a:chOff x="0" y="0"/>
-          <a:chExt cx="0" cy="0"/>
-        </a:xfrm>
-      </p:grpSpPr>
-      <p:grpSp>
-        <p:nvGrpSpPr>
-          <p:cNvPr id="4" name="Group 3">
-            <a:extLst>
-              <a:ext uri="{FF2B5EF4-FFF2-40B4-BE49-F238E27FC236}">
-                <a16:creationId xmlns:a16="http://schemas.microsoft.com/office/drawing/2014/main" id="{3540DCA3-7DDB-851D-2AE0-0008D75826E5}"/>
-              </a:ext>
-            </a:extLst>
-          </p:cNvPr>
-          <p:cNvGrpSpPr/>
-          <p:nvPr/>
-        </p:nvGrpSpPr>
-        <p:grpSpPr>
-          <a:xfrm>
-            <a:off x="3359650" y="872053"/>
-            <a:ext cx="7679131" cy="5113894"/>
-            <a:chOff x="3359650" y="872053"/>
-            <a:chExt cx="7679131" cy="5113894"/>
-          </a:xfrm>
-        </p:grpSpPr>
-        <p:pic>
-          <p:nvPicPr>
-            <p:cNvPr id="10" name="Picture 9">
-              <a:extLst>
-                <a:ext uri="{FF2B5EF4-FFF2-40B4-BE49-F238E27FC236}">
-                  <a16:creationId xmlns:a16="http://schemas.microsoft.com/office/drawing/2014/main" id="{58F94A49-E6D4-7E6A-AF34-6C321E90A583}"/>
-                </a:ext>
-              </a:extLst>
-            </p:cNvPr>
-            <p:cNvPicPr>
-              <a:picLocks noChangeAspect="1"/>
-            </p:cNvPicPr>
-            <p:nvPr/>
-          </p:nvPicPr>
-          <p:blipFill>
-            <a:blip r:embed="rId2"/>
-            <a:stretch>
-              <a:fillRect/>
-            </a:stretch>
-          </p:blipFill>
-          <p:spPr>
-            <a:xfrm>
-              <a:off x="3359650" y="872053"/>
-              <a:ext cx="7679131" cy="5113894"/>
-            </a:xfrm>
-            <a:prstGeom prst="rect">
-              <a:avLst/>
-            </a:prstGeom>
-          </p:spPr>
-        </p:pic>
-        <p:sp>
-          <p:nvSpPr>
-            <p:cNvPr id="3" name="TextBox 2">
-              <a:extLst>
-                <a:ext uri="{FF2B5EF4-FFF2-40B4-BE49-F238E27FC236}">
-                  <a16:creationId xmlns:a16="http://schemas.microsoft.com/office/drawing/2014/main" id="{DE769EB3-976B-8DAD-FE40-C4B38E36104E}"/>
-                </a:ext>
-              </a:extLst>
-            </p:cNvPr>
-            <p:cNvSpPr txBox="1"/>
-            <p:nvPr/>
-          </p:nvSpPr>
-          <p:spPr>
-            <a:xfrm>
-              <a:off x="3438875" y="1448651"/>
-              <a:ext cx="7492828" cy="4508927"/>
-            </a:xfrm>
-            <a:prstGeom prst="rect">
-              <a:avLst/>
-            </a:prstGeom>
-            <a:noFill/>
-          </p:spPr>
-          <p:txBody>
-            <a:bodyPr wrap="square" rtlCol="0">
-              <a:spAutoFit/>
-            </a:bodyPr>
-            <a:lstStyle/>
-            <a:p>
-              <a:pPr algn="ctr"/>
-              <a:r>
-                <a:rPr lang="en-US" sz="28700" dirty="0">
-                  <a:solidFill>
-                    <a:schemeClr val="bg1"/>
-                  </a:solidFill>
-                  <a:effectLst/>
-                  <a:latin typeface="Menlo" panose="020B0609030804020204" pitchFamily="49" charset="0"/>
-                </a:rPr>
-                <a:t>٣</a:t>
-              </a:r>
-              <a:endParaRPr lang="en-US" sz="2000" dirty="0">
-                <a:solidFill>
-                  <a:schemeClr val="bg1"/>
-                </a:solidFill>
-                <a:effectLst/>
-                <a:latin typeface="Menlo" panose="020B0609030804020204" pitchFamily="49" charset="0"/>
-              </a:endParaRPr>
-            </a:p>
-          </p:txBody>
-        </p:sp>
-      </p:grpSp>
-    </p:spTree>
-    <p:extLst>
-      <p:ext uri="{BB962C8B-B14F-4D97-AF65-F5344CB8AC3E}">
-        <p14:creationId xmlns:p14="http://schemas.microsoft.com/office/powerpoint/2010/main" val="564751667"/>
-      </p:ext>
-    </p:extLst>
-  </p:cSld>
-  <p:clrMapOvr>
-    <a:masterClrMapping/>
-  </p:clrMapOvr>
-</p:sld>
-</file>
-
-<file path=ppt/slides/slide7.xml><?xml version="1.0" encoding="utf-8"?>
-<p:sld xmlns:a="http://schemas.openxmlformats.org/drawingml/2006/main" xmlns:r="http://schemas.openxmlformats.org/officeDocument/2006/relationships" xmlns:p="http://schemas.openxmlformats.org/presentationml/2006/main">
-  <p:cSld>
-    <p:spTree>
-      <p:nvGrpSpPr>
-        <p:cNvPr id="1" name=""/>
-        <p:cNvGrpSpPr/>
-        <p:nvPr/>
-      </p:nvGrpSpPr>
-      <p:grpSpPr>
-        <a:xfrm>
-          <a:off x="0" y="0"/>
-          <a:ext cx="0" cy="0"/>
-          <a:chOff x="0" y="0"/>
-          <a:chExt cx="0" cy="0"/>
-        </a:xfrm>
-      </p:grpSpPr>
-      <p:pic>
-        <p:nvPicPr>
-          <p:cNvPr id="3" name="Picture 2">
-            <a:extLst>
-              <a:ext uri="{FF2B5EF4-FFF2-40B4-BE49-F238E27FC236}">
-                <a16:creationId xmlns:a16="http://schemas.microsoft.com/office/drawing/2014/main" id="{122BA71B-D526-50BC-1578-0C3CC3DF9BEA}"/>
-              </a:ext>
-            </a:extLst>
-          </p:cNvPr>
-          <p:cNvPicPr>
-            <a:picLocks noChangeAspect="1"/>
-          </p:cNvPicPr>
-          <p:nvPr/>
-        </p:nvPicPr>
-        <p:blipFill>
-          <a:blip r:embed="rId2"/>
-          <a:stretch>
-            <a:fillRect/>
-          </a:stretch>
-        </p:blipFill>
-        <p:spPr>
-          <a:xfrm>
-            <a:off x="3973316" y="2028075"/>
-            <a:ext cx="3228868" cy="2122684"/>
-          </a:xfrm>
-          <a:prstGeom prst="rect">
-            <a:avLst/>
-          </a:prstGeom>
-        </p:spPr>
-      </p:pic>
-      <p:sp>
-        <p:nvSpPr>
-          <p:cNvPr id="13" name="Rectangle 12">
-            <a:extLst>
-              <a:ext uri="{FF2B5EF4-FFF2-40B4-BE49-F238E27FC236}">
-                <a16:creationId xmlns:a16="http://schemas.microsoft.com/office/drawing/2014/main" id="{87E21DAD-2838-575D-B584-E8B882F72C2B}"/>
-              </a:ext>
-            </a:extLst>
-          </p:cNvPr>
-          <p:cNvSpPr/>
-          <p:nvPr/>
-        </p:nvSpPr>
-        <p:spPr>
-          <a:xfrm>
-            <a:off x="6096000" y="2028075"/>
-            <a:ext cx="1188468" cy="2122684"/>
-          </a:xfrm>
-          <a:prstGeom prst="rect">
-            <a:avLst/>
-          </a:prstGeom>
-          <a:solidFill>
-            <a:schemeClr val="bg1">
-              <a:lumMod val="85000"/>
-            </a:schemeClr>
-          </a:solidFill>
-          <a:ln>
-            <a:noFill/>
-          </a:ln>
-        </p:spPr>
-        <p:style>
-          <a:lnRef idx="2">
-            <a:schemeClr val="accent1">
-              <a:shade val="15000"/>
-            </a:schemeClr>
-          </a:lnRef>
-          <a:fillRef idx="1">
-            <a:schemeClr val="accent1"/>
-          </a:fillRef>
-          <a:effectRef idx="0">
-            <a:schemeClr val="accent1"/>
-          </a:effectRef>
-          <a:fontRef idx="minor">
-            <a:schemeClr val="lt1"/>
-          </a:fontRef>
-        </p:style>
-        <p:txBody>
-          <a:bodyPr wrap="none" lIns="0" tIns="0" rIns="0" bIns="0" rtlCol="0" anchor="ctr"/>
-          <a:lstStyle/>
-          <a:p>
-            <a:pPr algn="ctr"/>
-            <a:endParaRPr lang="en-US"/>
-          </a:p>
-        </p:txBody>
-      </p:sp>
-      <p:sp>
-        <p:nvSpPr>
-          <p:cNvPr id="14" name="TextBox 13">
-            <a:extLst>
-              <a:ext uri="{FF2B5EF4-FFF2-40B4-BE49-F238E27FC236}">
-                <a16:creationId xmlns:a16="http://schemas.microsoft.com/office/drawing/2014/main" id="{5089EA09-0A1C-B8CE-6E85-4046182C33B9}"/>
-              </a:ext>
-            </a:extLst>
-          </p:cNvPr>
-          <p:cNvSpPr txBox="1"/>
-          <p:nvPr/>
-        </p:nvSpPr>
-        <p:spPr>
-          <a:xfrm>
-            <a:off x="6291299" y="2352781"/>
-            <a:ext cx="815929" cy="1354217"/>
-          </a:xfrm>
-          <a:prstGeom prst="rect">
-            <a:avLst/>
-          </a:prstGeom>
-          <a:noFill/>
-        </p:spPr>
-        <p:txBody>
-          <a:bodyPr wrap="none" lIns="0" tIns="0" rIns="0" bIns="0" rtlCol="0">
-            <a:spAutoFit/>
-          </a:bodyPr>
-          <a:lstStyle/>
-          <a:p>
-            <a:r>
-              <a:rPr lang="hy-AM" sz="8800" b="0" i="0" dirty="0">
-                <a:solidFill>
-                  <a:srgbClr val="202122"/>
-                </a:solidFill>
-                <a:effectLst/>
-                <a:latin typeface="Arial" panose="020B0604020202020204" pitchFamily="34" charset="0"/>
-              </a:rPr>
-              <a:t>Ա</a:t>
-            </a:r>
-            <a:endParaRPr lang="en-US" dirty="0"/>
-          </a:p>
-        </p:txBody>
-      </p:sp>
-    </p:spTree>
-    <p:extLst>
-      <p:ext uri="{BB962C8B-B14F-4D97-AF65-F5344CB8AC3E}">
-        <p14:creationId xmlns:p14="http://schemas.microsoft.com/office/powerpoint/2010/main" val="2704576843"/>
-      </p:ext>
-    </p:extLst>
-  </p:cSld>
-  <p:clrMapOvr>
-    <a:masterClrMapping/>
-  </p:clrMapOvr>
-</p:sld>
-</file>
-
-<file path=ppt/slides/slide8.xml><?xml version="1.0" encoding="utf-8"?>
-<p:sld xmlns:a="http://schemas.openxmlformats.org/drawingml/2006/main" xmlns:r="http://schemas.openxmlformats.org/officeDocument/2006/relationships" xmlns:p="http://schemas.openxmlformats.org/presentationml/2006/main">
-  <p:cSld>
-    <p:spTree>
-      <p:nvGrpSpPr>
-        <p:cNvPr id="1" name=""/>
-        <p:cNvGrpSpPr/>
-        <p:nvPr/>
-      </p:nvGrpSpPr>
-      <p:grpSpPr>
-        <a:xfrm>
-          <a:off x="0" y="0"/>
-          <a:ext cx="0" cy="0"/>
-          <a:chOff x="0" y="0"/>
-          <a:chExt cx="0" cy="0"/>
-        </a:xfrm>
-      </p:grpSpPr>
-      <p:grpSp>
-        <p:nvGrpSpPr>
           <p:cNvPr id="26" name="Group 25">
             <a:extLst>
               <a:ext uri="{FF2B5EF4-FFF2-40B4-BE49-F238E27FC236}">
@@ -6296,7 +5310,7 @@
 </p:sld>
 </file>
 
-<file path=ppt/slides/slide9.xml><?xml version="1.0" encoding="utf-8"?>
+<file path=ppt/slides/slide11.xml><?xml version="1.0" encoding="utf-8"?>
 <p:sld xmlns:a="http://schemas.openxmlformats.org/drawingml/2006/main" xmlns:r="http://schemas.openxmlformats.org/officeDocument/2006/relationships" xmlns:p="http://schemas.openxmlformats.org/presentationml/2006/main">
   <p:cSld>
     <p:spTree>
@@ -6400,6 +5414,1125 @@
     <p:extLst>
       <p:ext uri="{BB962C8B-B14F-4D97-AF65-F5344CB8AC3E}">
         <p14:creationId xmlns:p14="http://schemas.microsoft.com/office/powerpoint/2010/main" val="2268150417"/>
+      </p:ext>
+    </p:extLst>
+  </p:cSld>
+  <p:clrMapOvr>
+    <a:masterClrMapping/>
+  </p:clrMapOvr>
+</p:sld>
+</file>
+
+<file path=ppt/slides/slide12.xml><?xml version="1.0" encoding="utf-8"?>
+<p:sld xmlns:a="http://schemas.openxmlformats.org/drawingml/2006/main" xmlns:r="http://schemas.openxmlformats.org/officeDocument/2006/relationships" xmlns:p="http://schemas.openxmlformats.org/presentationml/2006/main">
+  <p:cSld>
+    <p:spTree>
+      <p:nvGrpSpPr>
+        <p:cNvPr id="1" name=""/>
+        <p:cNvGrpSpPr/>
+        <p:nvPr/>
+      </p:nvGrpSpPr>
+      <p:grpSpPr>
+        <a:xfrm>
+          <a:off x="0" y="0"/>
+          <a:ext cx="0" cy="0"/>
+          <a:chOff x="0" y="0"/>
+          <a:chExt cx="0" cy="0"/>
+        </a:xfrm>
+      </p:grpSpPr>
+      <p:grpSp>
+        <p:nvGrpSpPr>
+          <p:cNvPr id="2" name="Group 1">
+            <a:extLst>
+              <a:ext uri="{FF2B5EF4-FFF2-40B4-BE49-F238E27FC236}">
+                <a16:creationId xmlns:a16="http://schemas.microsoft.com/office/drawing/2014/main" id="{BF4BEEF5-D775-1826-A760-CF76CA0E3BDB}"/>
+              </a:ext>
+            </a:extLst>
+          </p:cNvPr>
+          <p:cNvGrpSpPr/>
+          <p:nvPr/>
+        </p:nvGrpSpPr>
+        <p:grpSpPr>
+          <a:xfrm>
+            <a:off x="4591050" y="2425700"/>
+            <a:ext cx="3009900" cy="2006600"/>
+            <a:chOff x="4591050" y="2425700"/>
+            <a:chExt cx="3009900" cy="2006600"/>
+          </a:xfrm>
+        </p:grpSpPr>
+        <p:pic>
+          <p:nvPicPr>
+            <p:cNvPr id="3" name="Picture 2">
+              <a:extLst>
+                <a:ext uri="{FF2B5EF4-FFF2-40B4-BE49-F238E27FC236}">
+                  <a16:creationId xmlns:a16="http://schemas.microsoft.com/office/drawing/2014/main" id="{E57EBAA1-089A-F3FF-D9E5-FF4D865DE310}"/>
+                </a:ext>
+              </a:extLst>
+            </p:cNvPr>
+            <p:cNvPicPr>
+              <a:picLocks noChangeAspect="1"/>
+            </p:cNvPicPr>
+            <p:nvPr/>
+          </p:nvPicPr>
+          <p:blipFill>
+            <a:blip r:embed="rId2"/>
+            <a:stretch>
+              <a:fillRect/>
+            </a:stretch>
+          </p:blipFill>
+          <p:spPr>
+            <a:xfrm>
+              <a:off x="4591050" y="2425700"/>
+              <a:ext cx="3009900" cy="2006600"/>
+            </a:xfrm>
+            <a:prstGeom prst="rect">
+              <a:avLst/>
+            </a:prstGeom>
+          </p:spPr>
+        </p:pic>
+        <p:sp>
+          <p:nvSpPr>
+            <p:cNvPr id="4" name="Rectangle 3">
+              <a:extLst>
+                <a:ext uri="{FF2B5EF4-FFF2-40B4-BE49-F238E27FC236}">
+                  <a16:creationId xmlns:a16="http://schemas.microsoft.com/office/drawing/2014/main" id="{E581628B-F54B-32DC-78C9-B9A81789A769}"/>
+                </a:ext>
+              </a:extLst>
+            </p:cNvPr>
+            <p:cNvSpPr/>
+            <p:nvPr/>
+          </p:nvSpPr>
+          <p:spPr>
+            <a:xfrm>
+              <a:off x="6493079" y="2425700"/>
+              <a:ext cx="1107871" cy="2006600"/>
+            </a:xfrm>
+            <a:prstGeom prst="rect">
+              <a:avLst/>
+            </a:prstGeom>
+            <a:solidFill>
+              <a:schemeClr val="bg1">
+                <a:lumMod val="85000"/>
+              </a:schemeClr>
+            </a:solidFill>
+            <a:ln>
+              <a:noFill/>
+            </a:ln>
+          </p:spPr>
+          <p:style>
+            <a:lnRef idx="2">
+              <a:schemeClr val="accent1">
+                <a:shade val="15000"/>
+              </a:schemeClr>
+            </a:lnRef>
+            <a:fillRef idx="1">
+              <a:schemeClr val="accent1"/>
+            </a:fillRef>
+            <a:effectRef idx="0">
+              <a:schemeClr val="accent1"/>
+            </a:effectRef>
+            <a:fontRef idx="minor">
+              <a:schemeClr val="lt1"/>
+            </a:fontRef>
+          </p:style>
+          <p:txBody>
+            <a:bodyPr rtlCol="0" anchor="ctr"/>
+            <a:lstStyle/>
+            <a:p>
+              <a:pPr algn="ctr"/>
+              <a:endParaRPr lang="en-US"/>
+            </a:p>
+          </p:txBody>
+        </p:sp>
+      </p:grpSp>
+      <p:pic>
+        <p:nvPicPr>
+          <p:cNvPr id="8" name="Picture 7">
+            <a:extLst>
+              <a:ext uri="{FF2B5EF4-FFF2-40B4-BE49-F238E27FC236}">
+                <a16:creationId xmlns:a16="http://schemas.microsoft.com/office/drawing/2014/main" id="{758B43D4-E9B6-5D9D-A520-8A2251393A2A}"/>
+              </a:ext>
+            </a:extLst>
+          </p:cNvPr>
+          <p:cNvPicPr>
+            <a:picLocks noChangeAspect="1"/>
+          </p:cNvPicPr>
+          <p:nvPr/>
+        </p:nvPicPr>
+        <p:blipFill>
+          <a:blip r:embed="rId3"/>
+          <a:stretch>
+            <a:fillRect/>
+          </a:stretch>
+        </p:blipFill>
+        <p:spPr>
+          <a:xfrm>
+            <a:off x="6534175" y="2928135"/>
+            <a:ext cx="1031496" cy="1040544"/>
+          </a:xfrm>
+          <a:prstGeom prst="rect">
+            <a:avLst/>
+          </a:prstGeom>
+        </p:spPr>
+      </p:pic>
+    </p:spTree>
+    <p:extLst>
+      <p:ext uri="{BB962C8B-B14F-4D97-AF65-F5344CB8AC3E}">
+        <p14:creationId xmlns:p14="http://schemas.microsoft.com/office/powerpoint/2010/main" val="1928118738"/>
+      </p:ext>
+    </p:extLst>
+  </p:cSld>
+  <p:clrMapOvr>
+    <a:masterClrMapping/>
+  </p:clrMapOvr>
+</p:sld>
+</file>
+
+<file path=ppt/slides/slide2.xml><?xml version="1.0" encoding="utf-8"?>
+<p:sld xmlns:a="http://schemas.openxmlformats.org/drawingml/2006/main" xmlns:r="http://schemas.openxmlformats.org/officeDocument/2006/relationships" xmlns:p="http://schemas.openxmlformats.org/presentationml/2006/main">
+  <p:cSld>
+    <p:spTree>
+      <p:nvGrpSpPr>
+        <p:cNvPr id="1" name=""/>
+        <p:cNvGrpSpPr/>
+        <p:nvPr/>
+      </p:nvGrpSpPr>
+      <p:grpSpPr>
+        <a:xfrm>
+          <a:off x="0" y="0"/>
+          <a:ext cx="0" cy="0"/>
+          <a:chOff x="0" y="0"/>
+          <a:chExt cx="0" cy="0"/>
+        </a:xfrm>
+      </p:grpSpPr>
+      <p:pic>
+        <p:nvPicPr>
+          <p:cNvPr id="1026" name="Picture 2" descr="The National Flag of the People’s Republic of China (“Five-star Red Flag”) features a red background with a large yellow star and four smaller stars in the upper hoist-side corner">
+            <a:extLst>
+              <a:ext uri="{FF2B5EF4-FFF2-40B4-BE49-F238E27FC236}">
+                <a16:creationId xmlns:a16="http://schemas.microsoft.com/office/drawing/2014/main" id="{EB6D59E0-4626-E7B4-F614-12A2E6291387}"/>
+              </a:ext>
+            </a:extLst>
+          </p:cNvPr>
+          <p:cNvPicPr>
+            <a:picLocks noChangeAspect="1" noChangeArrowheads="1"/>
+          </p:cNvPicPr>
+          <p:nvPr/>
+        </p:nvPicPr>
+        <p:blipFill>
+          <a:blip r:embed="rId2">
+            <a:extLst>
+              <a:ext uri="{28A0092B-C50C-407E-A947-70E740481C1C}">
+                <a14:useLocalDpi xmlns:a14="http://schemas.microsoft.com/office/drawing/2010/main" val="0"/>
+              </a:ext>
+            </a:extLst>
+          </a:blip>
+          <a:srcRect/>
+          <a:stretch>
+            <a:fillRect/>
+          </a:stretch>
+        </p:blipFill>
+        <p:spPr bwMode="auto">
+          <a:xfrm>
+            <a:off x="1643866" y="872052"/>
+            <a:ext cx="7679130" cy="5113895"/>
+          </a:xfrm>
+          <a:prstGeom prst="rect">
+            <a:avLst/>
+          </a:prstGeom>
+          <a:noFill/>
+          <a:extLst>
+            <a:ext uri="{909E8E84-426E-40DD-AFC4-6F175D3DCCD1}">
+              <a14:hiddenFill xmlns:a14="http://schemas.microsoft.com/office/drawing/2010/main">
+                <a:solidFill>
+                  <a:srgbClr val="FFFFFF"/>
+                </a:solidFill>
+              </a14:hiddenFill>
+            </a:ext>
+          </a:extLst>
+        </p:spPr>
+      </p:pic>
+    </p:spTree>
+    <p:extLst>
+      <p:ext uri="{BB962C8B-B14F-4D97-AF65-F5344CB8AC3E}">
+        <p14:creationId xmlns:p14="http://schemas.microsoft.com/office/powerpoint/2010/main" val="1645481386"/>
+      </p:ext>
+    </p:extLst>
+  </p:cSld>
+  <p:clrMapOvr>
+    <a:masterClrMapping/>
+  </p:clrMapOvr>
+</p:sld>
+</file>
+
+<file path=ppt/slides/slide3.xml><?xml version="1.0" encoding="utf-8"?>
+<p:sld xmlns:a="http://schemas.openxmlformats.org/drawingml/2006/main" xmlns:r="http://schemas.openxmlformats.org/officeDocument/2006/relationships" xmlns:p="http://schemas.openxmlformats.org/presentationml/2006/main">
+  <p:cSld>
+    <p:spTree>
+      <p:nvGrpSpPr>
+        <p:cNvPr id="1" name=""/>
+        <p:cNvGrpSpPr/>
+        <p:nvPr/>
+      </p:nvGrpSpPr>
+      <p:grpSpPr>
+        <a:xfrm>
+          <a:off x="0" y="0"/>
+          <a:ext cx="0" cy="0"/>
+          <a:chOff x="0" y="0"/>
+          <a:chExt cx="0" cy="0"/>
+        </a:xfrm>
+      </p:grpSpPr>
+      <p:grpSp>
+        <p:nvGrpSpPr>
+          <p:cNvPr id="3" name="Group 2">
+            <a:extLst>
+              <a:ext uri="{FF2B5EF4-FFF2-40B4-BE49-F238E27FC236}">
+                <a16:creationId xmlns:a16="http://schemas.microsoft.com/office/drawing/2014/main" id="{0BF56E4A-0932-0412-2FF3-FD5BB5BCC1E1}"/>
+              </a:ext>
+            </a:extLst>
+          </p:cNvPr>
+          <p:cNvGrpSpPr/>
+          <p:nvPr/>
+        </p:nvGrpSpPr>
+        <p:grpSpPr>
+          <a:xfrm>
+            <a:off x="1643866" y="872052"/>
+            <a:ext cx="8312106" cy="5113895"/>
+            <a:chOff x="1643866" y="872052"/>
+            <a:chExt cx="8312106" cy="5113895"/>
+          </a:xfrm>
+        </p:grpSpPr>
+        <p:pic>
+          <p:nvPicPr>
+            <p:cNvPr id="1026" name="Picture 2" descr="The National Flag of the People’s Republic of China (“Five-star Red Flag”) features a red background with a large yellow star and four smaller stars in the upper hoist-side corner">
+              <a:extLst>
+                <a:ext uri="{FF2B5EF4-FFF2-40B4-BE49-F238E27FC236}">
+                  <a16:creationId xmlns:a16="http://schemas.microsoft.com/office/drawing/2014/main" id="{EB6D59E0-4626-E7B4-F614-12A2E6291387}"/>
+                </a:ext>
+              </a:extLst>
+            </p:cNvPr>
+            <p:cNvPicPr>
+              <a:picLocks noChangeAspect="1" noChangeArrowheads="1"/>
+            </p:cNvPicPr>
+            <p:nvPr/>
+          </p:nvPicPr>
+          <p:blipFill>
+            <a:blip r:embed="rId2">
+              <a:extLst>
+                <a:ext uri="{28A0092B-C50C-407E-A947-70E740481C1C}">
+                  <a14:useLocalDpi xmlns:a14="http://schemas.microsoft.com/office/drawing/2010/main" val="0"/>
+                </a:ext>
+              </a:extLst>
+            </a:blip>
+            <a:srcRect/>
+            <a:stretch>
+              <a:fillRect/>
+            </a:stretch>
+          </p:blipFill>
+          <p:spPr bwMode="auto">
+            <a:xfrm>
+              <a:off x="1643866" y="872052"/>
+              <a:ext cx="7679130" cy="5113895"/>
+            </a:xfrm>
+            <a:prstGeom prst="rect">
+              <a:avLst/>
+            </a:prstGeom>
+            <a:noFill/>
+            <a:extLst>
+              <a:ext uri="{909E8E84-426E-40DD-AFC4-6F175D3DCCD1}">
+                <a14:hiddenFill xmlns:a14="http://schemas.microsoft.com/office/drawing/2010/main">
+                  <a:solidFill>
+                    <a:srgbClr val="FFFFFF"/>
+                  </a:solidFill>
+                </a14:hiddenFill>
+              </a:ext>
+            </a:extLst>
+          </p:spPr>
+        </p:pic>
+        <p:sp>
+          <p:nvSpPr>
+            <p:cNvPr id="2" name="Rectangle 1">
+              <a:extLst>
+                <a:ext uri="{FF2B5EF4-FFF2-40B4-BE49-F238E27FC236}">
+                  <a16:creationId xmlns:a16="http://schemas.microsoft.com/office/drawing/2014/main" id="{80563850-A374-A5E3-6651-FA9571E42455}"/>
+                </a:ext>
+              </a:extLst>
+            </p:cNvPr>
+            <p:cNvSpPr/>
+            <p:nvPr/>
+          </p:nvSpPr>
+          <p:spPr>
+            <a:xfrm>
+              <a:off x="6499547" y="872052"/>
+              <a:ext cx="2823450" cy="5113894"/>
+            </a:xfrm>
+            <a:prstGeom prst="rect">
+              <a:avLst/>
+            </a:prstGeom>
+            <a:solidFill>
+              <a:schemeClr val="bg1">
+                <a:lumMod val="85000"/>
+              </a:schemeClr>
+            </a:solidFill>
+            <a:ln>
+              <a:noFill/>
+            </a:ln>
+          </p:spPr>
+          <p:style>
+            <a:lnRef idx="2">
+              <a:schemeClr val="accent1">
+                <a:shade val="15000"/>
+              </a:schemeClr>
+            </a:lnRef>
+            <a:fillRef idx="1">
+              <a:schemeClr val="accent1"/>
+            </a:fillRef>
+            <a:effectRef idx="0">
+              <a:schemeClr val="accent1"/>
+            </a:effectRef>
+            <a:fontRef idx="minor">
+              <a:schemeClr val="lt1"/>
+            </a:fontRef>
+          </p:style>
+          <p:txBody>
+            <a:bodyPr rtlCol="0" anchor="ctr"/>
+            <a:lstStyle/>
+            <a:p>
+              <a:pPr algn="ctr"/>
+              <a:endParaRPr lang="en-US"/>
+            </a:p>
+          </p:txBody>
+        </p:sp>
+        <p:pic>
+          <p:nvPicPr>
+            <p:cNvPr id="1032" name="Picture 8" descr="Image result for chinese yen symbol png">
+              <a:extLst>
+                <a:ext uri="{FF2B5EF4-FFF2-40B4-BE49-F238E27FC236}">
+                  <a16:creationId xmlns:a16="http://schemas.microsoft.com/office/drawing/2014/main" id="{2356F060-F378-7259-2AEF-7466689971BA}"/>
+                </a:ext>
+              </a:extLst>
+            </p:cNvPr>
+            <p:cNvPicPr>
+              <a:picLocks noChangeAspect="1" noChangeArrowheads="1"/>
+            </p:cNvPicPr>
+            <p:nvPr/>
+          </p:nvPicPr>
+          <p:blipFill>
+            <a:blip r:embed="rId3">
+              <a:extLst>
+                <a:ext uri="{BEBA8EAE-BF5A-486C-A8C5-ECC9F3942E4B}">
+                  <a14:imgProps xmlns:a14="http://schemas.microsoft.com/office/drawing/2010/main">
+                    <a14:imgLayer r:embed="rId4">
+                      <a14:imgEffect>
+                        <a14:backgroundRemoval t="10000" b="90000" l="10000" r="90000"/>
+                      </a14:imgEffect>
+                    </a14:imgLayer>
+                  </a14:imgProps>
+                </a:ext>
+                <a:ext uri="{28A0092B-C50C-407E-A947-70E740481C1C}">
+                  <a14:useLocalDpi xmlns:a14="http://schemas.microsoft.com/office/drawing/2010/main" val="0"/>
+                </a:ext>
+              </a:extLst>
+            </a:blip>
+            <a:srcRect/>
+            <a:stretch>
+              <a:fillRect/>
+            </a:stretch>
+          </p:blipFill>
+          <p:spPr bwMode="auto">
+            <a:xfrm>
+              <a:off x="5866572" y="1142999"/>
+              <a:ext cx="4089400" cy="4572000"/>
+            </a:xfrm>
+            <a:prstGeom prst="rect">
+              <a:avLst/>
+            </a:prstGeom>
+            <a:noFill/>
+            <a:extLst>
+              <a:ext uri="{909E8E84-426E-40DD-AFC4-6F175D3DCCD1}">
+                <a14:hiddenFill xmlns:a14="http://schemas.microsoft.com/office/drawing/2010/main">
+                  <a:solidFill>
+                    <a:srgbClr val="FFFFFF"/>
+                  </a:solidFill>
+                </a14:hiddenFill>
+              </a:ext>
+            </a:extLst>
+          </p:spPr>
+        </p:pic>
+      </p:grpSp>
+    </p:spTree>
+    <p:extLst>
+      <p:ext uri="{BB962C8B-B14F-4D97-AF65-F5344CB8AC3E}">
+        <p14:creationId xmlns:p14="http://schemas.microsoft.com/office/powerpoint/2010/main" val="2180861671"/>
+      </p:ext>
+    </p:extLst>
+  </p:cSld>
+  <p:clrMapOvr>
+    <a:masterClrMapping/>
+  </p:clrMapOvr>
+</p:sld>
+</file>
+
+<file path=ppt/slides/slide4.xml><?xml version="1.0" encoding="utf-8"?>
+<p:sld xmlns:a="http://schemas.openxmlformats.org/drawingml/2006/main" xmlns:r="http://schemas.openxmlformats.org/officeDocument/2006/relationships" xmlns:p="http://schemas.openxmlformats.org/presentationml/2006/main">
+  <p:cSld>
+    <p:spTree>
+      <p:nvGrpSpPr>
+        <p:cNvPr id="1" name=""/>
+        <p:cNvGrpSpPr/>
+        <p:nvPr/>
+      </p:nvGrpSpPr>
+      <p:grpSpPr>
+        <a:xfrm>
+          <a:off x="0" y="0"/>
+          <a:ext cx="0" cy="0"/>
+          <a:chOff x="0" y="0"/>
+          <a:chExt cx="0" cy="0"/>
+        </a:xfrm>
+      </p:grpSpPr>
+      <p:grpSp>
+        <p:nvGrpSpPr>
+          <p:cNvPr id="5" name="Group 4">
+            <a:extLst>
+              <a:ext uri="{FF2B5EF4-FFF2-40B4-BE49-F238E27FC236}">
+                <a16:creationId xmlns:a16="http://schemas.microsoft.com/office/drawing/2014/main" id="{D66A11DB-DCA8-82D8-CDEA-C5B0C3694FFC}"/>
+              </a:ext>
+            </a:extLst>
+          </p:cNvPr>
+          <p:cNvGrpSpPr/>
+          <p:nvPr/>
+        </p:nvGrpSpPr>
+        <p:grpSpPr>
+          <a:xfrm>
+            <a:off x="1643866" y="872052"/>
+            <a:ext cx="7679131" cy="5113894"/>
+            <a:chOff x="1643866" y="872052"/>
+            <a:chExt cx="7679131" cy="5113894"/>
+          </a:xfrm>
+        </p:grpSpPr>
+        <p:sp>
+          <p:nvSpPr>
+            <p:cNvPr id="2" name="Rectangle 1">
+              <a:extLst>
+                <a:ext uri="{FF2B5EF4-FFF2-40B4-BE49-F238E27FC236}">
+                  <a16:creationId xmlns:a16="http://schemas.microsoft.com/office/drawing/2014/main" id="{80563850-A374-A5E3-6651-FA9571E42455}"/>
+                </a:ext>
+              </a:extLst>
+            </p:cNvPr>
+            <p:cNvSpPr/>
+            <p:nvPr/>
+          </p:nvSpPr>
+          <p:spPr>
+            <a:xfrm>
+              <a:off x="1643866" y="872052"/>
+              <a:ext cx="7679131" cy="5113894"/>
+            </a:xfrm>
+            <a:prstGeom prst="rect">
+              <a:avLst/>
+            </a:prstGeom>
+            <a:solidFill>
+              <a:schemeClr val="bg1">
+                <a:lumMod val="85000"/>
+              </a:schemeClr>
+            </a:solidFill>
+            <a:ln>
+              <a:noFill/>
+            </a:ln>
+          </p:spPr>
+          <p:style>
+            <a:lnRef idx="2">
+              <a:schemeClr val="accent1">
+                <a:shade val="15000"/>
+              </a:schemeClr>
+            </a:lnRef>
+            <a:fillRef idx="1">
+              <a:schemeClr val="accent1"/>
+            </a:fillRef>
+            <a:effectRef idx="0">
+              <a:schemeClr val="accent1"/>
+            </a:effectRef>
+            <a:fontRef idx="minor">
+              <a:schemeClr val="lt1"/>
+            </a:fontRef>
+          </p:style>
+          <p:txBody>
+            <a:bodyPr rtlCol="0" anchor="ctr"/>
+            <a:lstStyle/>
+            <a:p>
+              <a:pPr algn="ctr"/>
+              <a:endParaRPr lang="en-US"/>
+            </a:p>
+          </p:txBody>
+        </p:sp>
+        <p:sp>
+          <p:nvSpPr>
+            <p:cNvPr id="4" name="TextBox 3">
+              <a:extLst>
+                <a:ext uri="{FF2B5EF4-FFF2-40B4-BE49-F238E27FC236}">
+                  <a16:creationId xmlns:a16="http://schemas.microsoft.com/office/drawing/2014/main" id="{DFBCB9DA-BC09-8C0F-7198-3F4BAD67ADE9}"/>
+                </a:ext>
+              </a:extLst>
+            </p:cNvPr>
+            <p:cNvSpPr txBox="1"/>
+            <p:nvPr/>
+          </p:nvSpPr>
+          <p:spPr>
+            <a:xfrm>
+              <a:off x="4281355" y="1174535"/>
+              <a:ext cx="2404152" cy="4508927"/>
+            </a:xfrm>
+            <a:prstGeom prst="rect">
+              <a:avLst/>
+            </a:prstGeom>
+            <a:noFill/>
+          </p:spPr>
+          <p:txBody>
+            <a:bodyPr wrap="square" rtlCol="0">
+              <a:spAutoFit/>
+            </a:bodyPr>
+            <a:lstStyle/>
+            <a:p>
+              <a:r>
+                <a:rPr lang="en-US" sz="28700" dirty="0"/>
+                <a:t>1</a:t>
+              </a:r>
+              <a:endParaRPr lang="en-US" dirty="0"/>
+            </a:p>
+          </p:txBody>
+        </p:sp>
+      </p:grpSp>
+    </p:spTree>
+    <p:extLst>
+      <p:ext uri="{BB962C8B-B14F-4D97-AF65-F5344CB8AC3E}">
+        <p14:creationId xmlns:p14="http://schemas.microsoft.com/office/powerpoint/2010/main" val="781438344"/>
+      </p:ext>
+    </p:extLst>
+  </p:cSld>
+  <p:clrMapOvr>
+    <a:masterClrMapping/>
+  </p:clrMapOvr>
+</p:sld>
+</file>
+
+<file path=ppt/slides/slide5.xml><?xml version="1.0" encoding="utf-8"?>
+<p:sld xmlns:a="http://schemas.openxmlformats.org/drawingml/2006/main" xmlns:r="http://schemas.openxmlformats.org/officeDocument/2006/relationships" xmlns:p="http://schemas.openxmlformats.org/presentationml/2006/main">
+  <p:cSld>
+    <p:spTree>
+      <p:nvGrpSpPr>
+        <p:cNvPr id="1" name=""/>
+        <p:cNvGrpSpPr/>
+        <p:nvPr/>
+      </p:nvGrpSpPr>
+      <p:grpSpPr>
+        <a:xfrm>
+          <a:off x="0" y="0"/>
+          <a:ext cx="0" cy="0"/>
+          <a:chOff x="0" y="0"/>
+          <a:chExt cx="0" cy="0"/>
+        </a:xfrm>
+      </p:grpSpPr>
+      <p:grpSp>
+        <p:nvGrpSpPr>
+          <p:cNvPr id="11" name="Group 10">
+            <a:extLst>
+              <a:ext uri="{FF2B5EF4-FFF2-40B4-BE49-F238E27FC236}">
+                <a16:creationId xmlns:a16="http://schemas.microsoft.com/office/drawing/2014/main" id="{98BA4467-FABF-CA12-7884-DCB5FB746A49}"/>
+              </a:ext>
+            </a:extLst>
+          </p:cNvPr>
+          <p:cNvGrpSpPr/>
+          <p:nvPr/>
+        </p:nvGrpSpPr>
+        <p:grpSpPr>
+          <a:xfrm>
+            <a:off x="3359650" y="872053"/>
+            <a:ext cx="7679131" cy="5113894"/>
+            <a:chOff x="3359650" y="872053"/>
+            <a:chExt cx="7679131" cy="5113894"/>
+          </a:xfrm>
+        </p:grpSpPr>
+        <p:pic>
+          <p:nvPicPr>
+            <p:cNvPr id="10" name="Picture 9">
+              <a:extLst>
+                <a:ext uri="{FF2B5EF4-FFF2-40B4-BE49-F238E27FC236}">
+                  <a16:creationId xmlns:a16="http://schemas.microsoft.com/office/drawing/2014/main" id="{58F94A49-E6D4-7E6A-AF34-6C321E90A583}"/>
+                </a:ext>
+              </a:extLst>
+            </p:cNvPr>
+            <p:cNvPicPr>
+              <a:picLocks noChangeAspect="1"/>
+            </p:cNvPicPr>
+            <p:nvPr/>
+          </p:nvPicPr>
+          <p:blipFill>
+            <a:blip r:embed="rId2"/>
+            <a:stretch>
+              <a:fillRect/>
+            </a:stretch>
+          </p:blipFill>
+          <p:spPr>
+            <a:xfrm>
+              <a:off x="3359650" y="872053"/>
+              <a:ext cx="7679131" cy="5113894"/>
+            </a:xfrm>
+            <a:prstGeom prst="rect">
+              <a:avLst/>
+            </a:prstGeom>
+          </p:spPr>
+        </p:pic>
+        <p:pic>
+          <p:nvPicPr>
+            <p:cNvPr id="5" name="Picture 4">
+              <a:extLst>
+                <a:ext uri="{FF2B5EF4-FFF2-40B4-BE49-F238E27FC236}">
+                  <a16:creationId xmlns:a16="http://schemas.microsoft.com/office/drawing/2014/main" id="{5DFC8F26-6701-4D34-8A36-2425CFA2540F}"/>
+                </a:ext>
+              </a:extLst>
+            </p:cNvPr>
+            <p:cNvPicPr>
+              <a:picLocks noChangeAspect="1"/>
+            </p:cNvPicPr>
+            <p:nvPr/>
+          </p:nvPicPr>
+          <p:blipFill>
+            <a:blip r:embed="rId3"/>
+            <a:stretch>
+              <a:fillRect/>
+            </a:stretch>
+          </p:blipFill>
+          <p:spPr>
+            <a:xfrm>
+              <a:off x="5124519" y="1705151"/>
+              <a:ext cx="4149392" cy="3447697"/>
+            </a:xfrm>
+            <a:prstGeom prst="rect">
+              <a:avLst/>
+            </a:prstGeom>
+          </p:spPr>
+        </p:pic>
+      </p:grpSp>
+    </p:spTree>
+    <p:extLst>
+      <p:ext uri="{BB962C8B-B14F-4D97-AF65-F5344CB8AC3E}">
+        <p14:creationId xmlns:p14="http://schemas.microsoft.com/office/powerpoint/2010/main" val="443992844"/>
+      </p:ext>
+    </p:extLst>
+  </p:cSld>
+  <p:clrMapOvr>
+    <a:masterClrMapping/>
+  </p:clrMapOvr>
+</p:sld>
+</file>
+
+<file path=ppt/slides/slide6.xml><?xml version="1.0" encoding="utf-8"?>
+<p:sld xmlns:a="http://schemas.openxmlformats.org/drawingml/2006/main" xmlns:r="http://schemas.openxmlformats.org/officeDocument/2006/relationships" xmlns:p="http://schemas.openxmlformats.org/presentationml/2006/main">
+  <p:cSld>
+    <p:spTree>
+      <p:nvGrpSpPr>
+        <p:cNvPr id="1" name=""/>
+        <p:cNvGrpSpPr/>
+        <p:nvPr/>
+      </p:nvGrpSpPr>
+      <p:grpSpPr>
+        <a:xfrm>
+          <a:off x="0" y="0"/>
+          <a:ext cx="0" cy="0"/>
+          <a:chOff x="0" y="0"/>
+          <a:chExt cx="0" cy="0"/>
+        </a:xfrm>
+      </p:grpSpPr>
+      <p:grpSp>
+        <p:nvGrpSpPr>
+          <p:cNvPr id="4" name="Group 3">
+            <a:extLst>
+              <a:ext uri="{FF2B5EF4-FFF2-40B4-BE49-F238E27FC236}">
+                <a16:creationId xmlns:a16="http://schemas.microsoft.com/office/drawing/2014/main" id="{3540DCA3-7DDB-851D-2AE0-0008D75826E5}"/>
+              </a:ext>
+            </a:extLst>
+          </p:cNvPr>
+          <p:cNvGrpSpPr/>
+          <p:nvPr/>
+        </p:nvGrpSpPr>
+        <p:grpSpPr>
+          <a:xfrm>
+            <a:off x="3359650" y="872053"/>
+            <a:ext cx="7679131" cy="5113894"/>
+            <a:chOff x="3359650" y="872053"/>
+            <a:chExt cx="7679131" cy="5113894"/>
+          </a:xfrm>
+        </p:grpSpPr>
+        <p:pic>
+          <p:nvPicPr>
+            <p:cNvPr id="10" name="Picture 9">
+              <a:extLst>
+                <a:ext uri="{FF2B5EF4-FFF2-40B4-BE49-F238E27FC236}">
+                  <a16:creationId xmlns:a16="http://schemas.microsoft.com/office/drawing/2014/main" id="{58F94A49-E6D4-7E6A-AF34-6C321E90A583}"/>
+                </a:ext>
+              </a:extLst>
+            </p:cNvPr>
+            <p:cNvPicPr>
+              <a:picLocks noChangeAspect="1"/>
+            </p:cNvPicPr>
+            <p:nvPr/>
+          </p:nvPicPr>
+          <p:blipFill>
+            <a:blip r:embed="rId2"/>
+            <a:stretch>
+              <a:fillRect/>
+            </a:stretch>
+          </p:blipFill>
+          <p:spPr>
+            <a:xfrm>
+              <a:off x="3359650" y="872053"/>
+              <a:ext cx="7679131" cy="5113894"/>
+            </a:xfrm>
+            <a:prstGeom prst="rect">
+              <a:avLst/>
+            </a:prstGeom>
+          </p:spPr>
+        </p:pic>
+        <p:sp>
+          <p:nvSpPr>
+            <p:cNvPr id="3" name="TextBox 2">
+              <a:extLst>
+                <a:ext uri="{FF2B5EF4-FFF2-40B4-BE49-F238E27FC236}">
+                  <a16:creationId xmlns:a16="http://schemas.microsoft.com/office/drawing/2014/main" id="{DE769EB3-976B-8DAD-FE40-C4B38E36104E}"/>
+                </a:ext>
+              </a:extLst>
+            </p:cNvPr>
+            <p:cNvSpPr txBox="1"/>
+            <p:nvPr/>
+          </p:nvSpPr>
+          <p:spPr>
+            <a:xfrm>
+              <a:off x="3438875" y="1448651"/>
+              <a:ext cx="7492828" cy="4508927"/>
+            </a:xfrm>
+            <a:prstGeom prst="rect">
+              <a:avLst/>
+            </a:prstGeom>
+            <a:noFill/>
+          </p:spPr>
+          <p:txBody>
+            <a:bodyPr wrap="square" rtlCol="0">
+              <a:spAutoFit/>
+            </a:bodyPr>
+            <a:lstStyle/>
+            <a:p>
+              <a:pPr algn="ctr"/>
+              <a:r>
+                <a:rPr lang="en-US" sz="28700" dirty="0">
+                  <a:solidFill>
+                    <a:schemeClr val="bg1"/>
+                  </a:solidFill>
+                  <a:effectLst/>
+                  <a:latin typeface="Menlo" panose="020B0609030804020204" pitchFamily="49" charset="0"/>
+                </a:rPr>
+                <a:t>٣</a:t>
+              </a:r>
+              <a:endParaRPr lang="en-US" sz="2000" dirty="0">
+                <a:solidFill>
+                  <a:schemeClr val="bg1"/>
+                </a:solidFill>
+                <a:effectLst/>
+                <a:latin typeface="Menlo" panose="020B0609030804020204" pitchFamily="49" charset="0"/>
+              </a:endParaRPr>
+            </a:p>
+          </p:txBody>
+        </p:sp>
+      </p:grpSp>
+    </p:spTree>
+    <p:extLst>
+      <p:ext uri="{BB962C8B-B14F-4D97-AF65-F5344CB8AC3E}">
+        <p14:creationId xmlns:p14="http://schemas.microsoft.com/office/powerpoint/2010/main" val="564751667"/>
+      </p:ext>
+    </p:extLst>
+  </p:cSld>
+  <p:clrMapOvr>
+    <a:masterClrMapping/>
+  </p:clrMapOvr>
+</p:sld>
+</file>
+
+<file path=ppt/slides/slide7.xml><?xml version="1.0" encoding="utf-8"?>
+<p:sld xmlns:a="http://schemas.openxmlformats.org/drawingml/2006/main" xmlns:r="http://schemas.openxmlformats.org/officeDocument/2006/relationships" xmlns:p="http://schemas.openxmlformats.org/presentationml/2006/main">
+  <p:cSld>
+    <p:spTree>
+      <p:nvGrpSpPr>
+        <p:cNvPr id="1" name=""/>
+        <p:cNvGrpSpPr/>
+        <p:nvPr/>
+      </p:nvGrpSpPr>
+      <p:grpSpPr>
+        <a:xfrm>
+          <a:off x="0" y="0"/>
+          <a:ext cx="0" cy="0"/>
+          <a:chOff x="0" y="0"/>
+          <a:chExt cx="0" cy="0"/>
+        </a:xfrm>
+      </p:grpSpPr>
+      <p:pic>
+        <p:nvPicPr>
+          <p:cNvPr id="3" name="Picture 2">
+            <a:extLst>
+              <a:ext uri="{FF2B5EF4-FFF2-40B4-BE49-F238E27FC236}">
+                <a16:creationId xmlns:a16="http://schemas.microsoft.com/office/drawing/2014/main" id="{122BA71B-D526-50BC-1578-0C3CC3DF9BEA}"/>
+              </a:ext>
+            </a:extLst>
+          </p:cNvPr>
+          <p:cNvPicPr>
+            <a:picLocks noChangeAspect="1"/>
+          </p:cNvPicPr>
+          <p:nvPr/>
+        </p:nvPicPr>
+        <p:blipFill>
+          <a:blip r:embed="rId2"/>
+          <a:stretch>
+            <a:fillRect/>
+          </a:stretch>
+        </p:blipFill>
+        <p:spPr>
+          <a:xfrm>
+            <a:off x="3973316" y="2028075"/>
+            <a:ext cx="3228868" cy="2122684"/>
+          </a:xfrm>
+          <a:prstGeom prst="rect">
+            <a:avLst/>
+          </a:prstGeom>
+        </p:spPr>
+      </p:pic>
+      <p:sp>
+        <p:nvSpPr>
+          <p:cNvPr id="13" name="Rectangle 12">
+            <a:extLst>
+              <a:ext uri="{FF2B5EF4-FFF2-40B4-BE49-F238E27FC236}">
+                <a16:creationId xmlns:a16="http://schemas.microsoft.com/office/drawing/2014/main" id="{87E21DAD-2838-575D-B584-E8B882F72C2B}"/>
+              </a:ext>
+            </a:extLst>
+          </p:cNvPr>
+          <p:cNvSpPr/>
+          <p:nvPr/>
+        </p:nvSpPr>
+        <p:spPr>
+          <a:xfrm>
+            <a:off x="6096000" y="2028075"/>
+            <a:ext cx="1188468" cy="2122684"/>
+          </a:xfrm>
+          <a:prstGeom prst="rect">
+            <a:avLst/>
+          </a:prstGeom>
+          <a:solidFill>
+            <a:schemeClr val="bg1">
+              <a:lumMod val="85000"/>
+            </a:schemeClr>
+          </a:solidFill>
+          <a:ln>
+            <a:noFill/>
+          </a:ln>
+        </p:spPr>
+        <p:style>
+          <a:lnRef idx="2">
+            <a:schemeClr val="accent1">
+              <a:shade val="15000"/>
+            </a:schemeClr>
+          </a:lnRef>
+          <a:fillRef idx="1">
+            <a:schemeClr val="accent1"/>
+          </a:fillRef>
+          <a:effectRef idx="0">
+            <a:schemeClr val="accent1"/>
+          </a:effectRef>
+          <a:fontRef idx="minor">
+            <a:schemeClr val="lt1"/>
+          </a:fontRef>
+        </p:style>
+        <p:txBody>
+          <a:bodyPr wrap="none" lIns="0" tIns="0" rIns="0" bIns="0" rtlCol="0" anchor="ctr"/>
+          <a:lstStyle/>
+          <a:p>
+            <a:pPr algn="ctr"/>
+            <a:endParaRPr lang="en-US"/>
+          </a:p>
+        </p:txBody>
+      </p:sp>
+      <p:sp>
+        <p:nvSpPr>
+          <p:cNvPr id="14" name="TextBox 13">
+            <a:extLst>
+              <a:ext uri="{FF2B5EF4-FFF2-40B4-BE49-F238E27FC236}">
+                <a16:creationId xmlns:a16="http://schemas.microsoft.com/office/drawing/2014/main" id="{5089EA09-0A1C-B8CE-6E85-4046182C33B9}"/>
+              </a:ext>
+            </a:extLst>
+          </p:cNvPr>
+          <p:cNvSpPr txBox="1"/>
+          <p:nvPr/>
+        </p:nvSpPr>
+        <p:spPr>
+          <a:xfrm>
+            <a:off x="6291299" y="2352781"/>
+            <a:ext cx="815929" cy="1354217"/>
+          </a:xfrm>
+          <a:prstGeom prst="rect">
+            <a:avLst/>
+          </a:prstGeom>
+          <a:noFill/>
+        </p:spPr>
+        <p:txBody>
+          <a:bodyPr wrap="none" lIns="0" tIns="0" rIns="0" bIns="0" rtlCol="0">
+            <a:spAutoFit/>
+          </a:bodyPr>
+          <a:lstStyle/>
+          <a:p>
+            <a:r>
+              <a:rPr lang="hy-AM" sz="8800" b="0" i="0" dirty="0">
+                <a:solidFill>
+                  <a:srgbClr val="202122"/>
+                </a:solidFill>
+                <a:effectLst/>
+                <a:latin typeface="Arial" panose="020B0604020202020204" pitchFamily="34" charset="0"/>
+              </a:rPr>
+              <a:t>Ա</a:t>
+            </a:r>
+            <a:endParaRPr lang="en-US" dirty="0"/>
+          </a:p>
+        </p:txBody>
+      </p:sp>
+    </p:spTree>
+    <p:extLst>
+      <p:ext uri="{BB962C8B-B14F-4D97-AF65-F5344CB8AC3E}">
+        <p14:creationId xmlns:p14="http://schemas.microsoft.com/office/powerpoint/2010/main" val="2704576843"/>
+      </p:ext>
+    </p:extLst>
+  </p:cSld>
+  <p:clrMapOvr>
+    <a:masterClrMapping/>
+  </p:clrMapOvr>
+</p:sld>
+</file>
+
+<file path=ppt/slides/slide8.xml><?xml version="1.0" encoding="utf-8"?>
+<p:sld xmlns:a="http://schemas.openxmlformats.org/drawingml/2006/main" xmlns:r="http://schemas.openxmlformats.org/officeDocument/2006/relationships" xmlns:p="http://schemas.openxmlformats.org/presentationml/2006/main">
+  <p:cSld>
+    <p:spTree>
+      <p:nvGrpSpPr>
+        <p:cNvPr id="1" name=""/>
+        <p:cNvGrpSpPr/>
+        <p:nvPr/>
+      </p:nvGrpSpPr>
+      <p:grpSpPr>
+        <a:xfrm>
+          <a:off x="0" y="0"/>
+          <a:ext cx="0" cy="0"/>
+          <a:chOff x="0" y="0"/>
+          <a:chExt cx="0" cy="0"/>
+        </a:xfrm>
+      </p:grpSpPr>
+      <p:sp>
+        <p:nvSpPr>
+          <p:cNvPr id="3" name="TextBox 2">
+            <a:extLst>
+              <a:ext uri="{FF2B5EF4-FFF2-40B4-BE49-F238E27FC236}">
+                <a16:creationId xmlns:a16="http://schemas.microsoft.com/office/drawing/2014/main" id="{E7B3E9C4-306A-3F78-1048-C16A71EAC4FA}"/>
+              </a:ext>
+            </a:extLst>
+          </p:cNvPr>
+          <p:cNvSpPr txBox="1"/>
+          <p:nvPr/>
+        </p:nvSpPr>
+        <p:spPr>
+          <a:xfrm>
+            <a:off x="3603661" y="1851645"/>
+            <a:ext cx="6097712" cy="3154710"/>
+          </a:xfrm>
+          <a:prstGeom prst="rect">
+            <a:avLst/>
+          </a:prstGeom>
+          <a:noFill/>
+        </p:spPr>
+        <p:txBody>
+          <a:bodyPr wrap="square">
+            <a:spAutoFit/>
+          </a:bodyPr>
+          <a:lstStyle/>
+          <a:p>
+            <a:r>
+              <a:rPr lang="en-US" sz="19900" dirty="0">
+                <a:solidFill>
+                  <a:srgbClr val="000000"/>
+                </a:solidFill>
+                <a:effectLst/>
+                <a:latin typeface="Helvetica Neue" panose="02000503000000020004" pitchFamily="2" charset="0"/>
+              </a:rPr>
+              <a:t>𓁨</a:t>
+            </a:r>
+          </a:p>
+        </p:txBody>
+      </p:sp>
+    </p:spTree>
+    <p:extLst>
+      <p:ext uri="{BB962C8B-B14F-4D97-AF65-F5344CB8AC3E}">
+        <p14:creationId xmlns:p14="http://schemas.microsoft.com/office/powerpoint/2010/main" val="3525296759"/>
+      </p:ext>
+    </p:extLst>
+  </p:cSld>
+  <p:clrMapOvr>
+    <a:masterClrMapping/>
+  </p:clrMapOvr>
+</p:sld>
+</file>
+
+<file path=ppt/slides/slide9.xml><?xml version="1.0" encoding="utf-8"?>
+<p:sld xmlns:a="http://schemas.openxmlformats.org/drawingml/2006/main" xmlns:r="http://schemas.openxmlformats.org/officeDocument/2006/relationships" xmlns:p="http://schemas.openxmlformats.org/presentationml/2006/main">
+  <p:cSld>
+    <p:spTree>
+      <p:nvGrpSpPr>
+        <p:cNvPr id="1" name=""/>
+        <p:cNvGrpSpPr/>
+        <p:nvPr/>
+      </p:nvGrpSpPr>
+      <p:grpSpPr>
+        <a:xfrm>
+          <a:off x="0" y="0"/>
+          <a:ext cx="0" cy="0"/>
+          <a:chOff x="0" y="0"/>
+          <a:chExt cx="0" cy="0"/>
+        </a:xfrm>
+      </p:grpSpPr>
+      <p:pic>
+        <p:nvPicPr>
+          <p:cNvPr id="4" name="Picture 3">
+            <a:extLst>
+              <a:ext uri="{FF2B5EF4-FFF2-40B4-BE49-F238E27FC236}">
+                <a16:creationId xmlns:a16="http://schemas.microsoft.com/office/drawing/2014/main" id="{A60BF345-3DC5-1788-5733-373471D16074}"/>
+              </a:ext>
+            </a:extLst>
+          </p:cNvPr>
+          <p:cNvPicPr>
+            <a:picLocks noChangeAspect="1"/>
+          </p:cNvPicPr>
+          <p:nvPr/>
+        </p:nvPicPr>
+        <p:blipFill>
+          <a:blip r:embed="rId2"/>
+          <a:stretch>
+            <a:fillRect/>
+          </a:stretch>
+        </p:blipFill>
+        <p:spPr>
+          <a:xfrm>
+            <a:off x="4527550" y="2362200"/>
+            <a:ext cx="3136900" cy="2133600"/>
+          </a:xfrm>
+          <a:prstGeom prst="rect">
+            <a:avLst/>
+          </a:prstGeom>
+        </p:spPr>
+      </p:pic>
+    </p:spTree>
+    <p:extLst>
+      <p:ext uri="{BB962C8B-B14F-4D97-AF65-F5344CB8AC3E}">
+        <p14:creationId xmlns:p14="http://schemas.microsoft.com/office/powerpoint/2010/main" val="2183634110"/>
       </p:ext>
     </p:extLst>
   </p:cSld>

--- a/logo.pptx
+++ b/logo.pptx
@@ -17,6 +17,7 @@
     <p:sldId id="257" r:id="rId11"/>
     <p:sldId id="258" r:id="rId12"/>
     <p:sldId id="259" r:id="rId13"/>
+    <p:sldId id="269" r:id="rId14"/>
   </p:sldIdLst>
   <p:sldSz cx="12192000" cy="6858000"/>
   <p:notesSz cx="6858000" cy="9144000"/>
@@ -272,7 +273,7 @@
           <a:p>
             <a:fld id="{D5E8C49D-3947-054D-A87C-1567D1C262C1}" type="datetimeFigureOut">
               <a:rPr lang="en-VN" smtClean="0"/>
-              <a:t>12/27/23</a:t>
+              <a:t>1/1/24</a:t>
             </a:fld>
             <a:endParaRPr lang="en-VN"/>
           </a:p>
@@ -472,7 +473,7 @@
           <a:p>
             <a:fld id="{D5E8C49D-3947-054D-A87C-1567D1C262C1}" type="datetimeFigureOut">
               <a:rPr lang="en-VN" smtClean="0"/>
-              <a:t>12/27/23</a:t>
+              <a:t>1/1/24</a:t>
             </a:fld>
             <a:endParaRPr lang="en-VN"/>
           </a:p>
@@ -682,7 +683,7 @@
           <a:p>
             <a:fld id="{D5E8C49D-3947-054D-A87C-1567D1C262C1}" type="datetimeFigureOut">
               <a:rPr lang="en-VN" smtClean="0"/>
-              <a:t>12/27/23</a:t>
+              <a:t>1/1/24</a:t>
             </a:fld>
             <a:endParaRPr lang="en-VN"/>
           </a:p>
@@ -882,7 +883,7 @@
           <a:p>
             <a:fld id="{D5E8C49D-3947-054D-A87C-1567D1C262C1}" type="datetimeFigureOut">
               <a:rPr lang="en-VN" smtClean="0"/>
-              <a:t>12/27/23</a:t>
+              <a:t>1/1/24</a:t>
             </a:fld>
             <a:endParaRPr lang="en-VN"/>
           </a:p>
@@ -1158,7 +1159,7 @@
           <a:p>
             <a:fld id="{D5E8C49D-3947-054D-A87C-1567D1C262C1}" type="datetimeFigureOut">
               <a:rPr lang="en-VN" smtClean="0"/>
-              <a:t>12/27/23</a:t>
+              <a:t>1/1/24</a:t>
             </a:fld>
             <a:endParaRPr lang="en-VN"/>
           </a:p>
@@ -1426,7 +1427,7 @@
           <a:p>
             <a:fld id="{D5E8C49D-3947-054D-A87C-1567D1C262C1}" type="datetimeFigureOut">
               <a:rPr lang="en-VN" smtClean="0"/>
-              <a:t>12/27/23</a:t>
+              <a:t>1/1/24</a:t>
             </a:fld>
             <a:endParaRPr lang="en-VN"/>
           </a:p>
@@ -1841,7 +1842,7 @@
           <a:p>
             <a:fld id="{D5E8C49D-3947-054D-A87C-1567D1C262C1}" type="datetimeFigureOut">
               <a:rPr lang="en-VN" smtClean="0"/>
-              <a:t>12/27/23</a:t>
+              <a:t>1/1/24</a:t>
             </a:fld>
             <a:endParaRPr lang="en-VN"/>
           </a:p>
@@ -1983,7 +1984,7 @@
           <a:p>
             <a:fld id="{D5E8C49D-3947-054D-A87C-1567D1C262C1}" type="datetimeFigureOut">
               <a:rPr lang="en-VN" smtClean="0"/>
-              <a:t>12/27/23</a:t>
+              <a:t>1/1/24</a:t>
             </a:fld>
             <a:endParaRPr lang="en-VN"/>
           </a:p>
@@ -2096,7 +2097,7 @@
           <a:p>
             <a:fld id="{D5E8C49D-3947-054D-A87C-1567D1C262C1}" type="datetimeFigureOut">
               <a:rPr lang="en-VN" smtClean="0"/>
-              <a:t>12/27/23</a:t>
+              <a:t>1/1/24</a:t>
             </a:fld>
             <a:endParaRPr lang="en-VN"/>
           </a:p>
@@ -2409,7 +2410,7 @@
           <a:p>
             <a:fld id="{D5E8C49D-3947-054D-A87C-1567D1C262C1}" type="datetimeFigureOut">
               <a:rPr lang="en-VN" smtClean="0"/>
-              <a:t>12/27/23</a:t>
+              <a:t>1/1/24</a:t>
             </a:fld>
             <a:endParaRPr lang="en-VN"/>
           </a:p>
@@ -2698,7 +2699,7 @@
           <a:p>
             <a:fld id="{D5E8C49D-3947-054D-A87C-1567D1C262C1}" type="datetimeFigureOut">
               <a:rPr lang="en-VN" smtClean="0"/>
-              <a:t>12/27/23</a:t>
+              <a:t>1/1/24</a:t>
             </a:fld>
             <a:endParaRPr lang="en-VN"/>
           </a:p>
@@ -2941,7 +2942,7 @@
           <a:p>
             <a:fld id="{D5E8C49D-3947-054D-A87C-1567D1C262C1}" type="datetimeFigureOut">
               <a:rPr lang="en-VN" smtClean="0"/>
-              <a:t>12/27/23</a:t>
+              <a:t>1/1/24</a:t>
             </a:fld>
             <a:endParaRPr lang="en-VN"/>
           </a:p>
@@ -5588,6 +5589,65 @@
 </p:sld>
 </file>
 
+<file path=ppt/slides/slide13.xml><?xml version="1.0" encoding="utf-8"?>
+<p:sld xmlns:a="http://schemas.openxmlformats.org/drawingml/2006/main" xmlns:r="http://schemas.openxmlformats.org/officeDocument/2006/relationships" xmlns:p="http://schemas.openxmlformats.org/presentationml/2006/main">
+  <p:cSld>
+    <p:spTree>
+      <p:nvGrpSpPr>
+        <p:cNvPr id="1" name=""/>
+        <p:cNvGrpSpPr/>
+        <p:nvPr/>
+      </p:nvGrpSpPr>
+      <p:grpSpPr>
+        <a:xfrm>
+          <a:off x="0" y="0"/>
+          <a:ext cx="0" cy="0"/>
+          <a:chOff x="0" y="0"/>
+          <a:chExt cx="0" cy="0"/>
+        </a:xfrm>
+      </p:grpSpPr>
+      <p:pic>
+        <p:nvPicPr>
+          <p:cNvPr id="3" name="Picture 2">
+            <a:extLst>
+              <a:ext uri="{FF2B5EF4-FFF2-40B4-BE49-F238E27FC236}">
+                <a16:creationId xmlns:a16="http://schemas.microsoft.com/office/drawing/2014/main" id="{F8E07BA0-7285-AD52-8333-7843E2392705}"/>
+              </a:ext>
+            </a:extLst>
+          </p:cNvPr>
+          <p:cNvPicPr>
+            <a:picLocks noChangeAspect="1"/>
+          </p:cNvPicPr>
+          <p:nvPr/>
+        </p:nvPicPr>
+        <p:blipFill rotWithShape="1">
+          <a:blip r:embed="rId2"/>
+          <a:srcRect t="27416" b="58352"/>
+          <a:stretch/>
+        </p:blipFill>
+        <p:spPr>
+          <a:xfrm>
+            <a:off x="4349151" y="1880170"/>
+            <a:ext cx="3493698" cy="976045"/>
+          </a:xfrm>
+          <a:prstGeom prst="rect">
+            <a:avLst/>
+          </a:prstGeom>
+        </p:spPr>
+      </p:pic>
+    </p:spTree>
+    <p:extLst>
+      <p:ext uri="{BB962C8B-B14F-4D97-AF65-F5344CB8AC3E}">
+        <p14:creationId xmlns:p14="http://schemas.microsoft.com/office/powerpoint/2010/main" val="1673533660"/>
+      </p:ext>
+    </p:extLst>
+  </p:cSld>
+  <p:clrMapOvr>
+    <a:masterClrMapping/>
+  </p:clrMapOvr>
+</p:sld>
+</file>
+
 <file path=ppt/slides/slide2.xml><?xml version="1.0" encoding="utf-8"?>
 <p:sld xmlns:a="http://schemas.openxmlformats.org/drawingml/2006/main" xmlns:r="http://schemas.openxmlformats.org/officeDocument/2006/relationships" xmlns:p="http://schemas.openxmlformats.org/presentationml/2006/main">
   <p:cSld>

--- a/logo.pptx
+++ b/logo.pptx
@@ -5606,35 +5606,253 @@
           <a:chExt cx="0" cy="0"/>
         </a:xfrm>
       </p:grpSpPr>
-      <p:pic>
-        <p:nvPicPr>
-          <p:cNvPr id="3" name="Picture 2">
-            <a:extLst>
-              <a:ext uri="{FF2B5EF4-FFF2-40B4-BE49-F238E27FC236}">
-                <a16:creationId xmlns:a16="http://schemas.microsoft.com/office/drawing/2014/main" id="{F8E07BA0-7285-AD52-8333-7843E2392705}"/>
-              </a:ext>
-            </a:extLst>
-          </p:cNvPr>
-          <p:cNvPicPr>
-            <a:picLocks noChangeAspect="1"/>
-          </p:cNvPicPr>
+      <p:grpSp>
+        <p:nvGrpSpPr>
+          <p:cNvPr id="10" name="Group 9">
+            <a:extLst>
+              <a:ext uri="{FF2B5EF4-FFF2-40B4-BE49-F238E27FC236}">
+                <a16:creationId xmlns:a16="http://schemas.microsoft.com/office/drawing/2014/main" id="{47E198AC-4900-44CC-D699-CE68FE18AF33}"/>
+              </a:ext>
+            </a:extLst>
+          </p:cNvPr>
+          <p:cNvGrpSpPr/>
           <p:nvPr/>
-        </p:nvPicPr>
-        <p:blipFill rotWithShape="1">
-          <a:blip r:embed="rId2"/>
-          <a:srcRect t="27416" b="58352"/>
-          <a:stretch/>
-        </p:blipFill>
-        <p:spPr>
+        </p:nvGrpSpPr>
+        <p:grpSpPr>
           <a:xfrm>
-            <a:off x="4349151" y="1880170"/>
-            <a:ext cx="3493698" cy="976045"/>
+            <a:off x="2170682" y="771321"/>
+            <a:ext cx="3493698" cy="5315358"/>
+            <a:chOff x="3952430" y="771321"/>
+            <a:chExt cx="3493698" cy="5315358"/>
           </a:xfrm>
-          <a:prstGeom prst="rect">
-            <a:avLst/>
-          </a:prstGeom>
-        </p:spPr>
-      </p:pic>
+        </p:grpSpPr>
+        <p:pic>
+          <p:nvPicPr>
+            <p:cNvPr id="3" name="Picture 2">
+              <a:extLst>
+                <a:ext uri="{FF2B5EF4-FFF2-40B4-BE49-F238E27FC236}">
+                  <a16:creationId xmlns:a16="http://schemas.microsoft.com/office/drawing/2014/main" id="{F8E07BA0-7285-AD52-8333-7843E2392705}"/>
+                </a:ext>
+              </a:extLst>
+            </p:cNvPr>
+            <p:cNvPicPr>
+              <a:picLocks noChangeAspect="1"/>
+            </p:cNvPicPr>
+            <p:nvPr/>
+          </p:nvPicPr>
+          <p:blipFill rotWithShape="1">
+            <a:blip r:embed="rId2"/>
+            <a:srcRect t="22494"/>
+            <a:stretch/>
+          </p:blipFill>
+          <p:spPr>
+            <a:xfrm>
+              <a:off x="3952430" y="771321"/>
+              <a:ext cx="3493698" cy="5315358"/>
+            </a:xfrm>
+            <a:prstGeom prst="rect">
+              <a:avLst/>
+            </a:prstGeom>
+          </p:spPr>
+        </p:pic>
+        <p:pic>
+          <p:nvPicPr>
+            <p:cNvPr id="5" name="Picture 4">
+              <a:extLst>
+                <a:ext uri="{FF2B5EF4-FFF2-40B4-BE49-F238E27FC236}">
+                  <a16:creationId xmlns:a16="http://schemas.microsoft.com/office/drawing/2014/main" id="{AAB633ED-3C8E-C3AF-AF71-F752549F06E7}"/>
+                </a:ext>
+              </a:extLst>
+            </p:cNvPr>
+            <p:cNvPicPr>
+              <a:picLocks noChangeAspect="1"/>
+            </p:cNvPicPr>
+            <p:nvPr/>
+          </p:nvPicPr>
+          <p:blipFill>
+            <a:blip r:embed="rId3"/>
+            <a:stretch>
+              <a:fillRect/>
+            </a:stretch>
+          </p:blipFill>
+          <p:spPr>
+            <a:xfrm>
+              <a:off x="4192018" y="955879"/>
+              <a:ext cx="3210814" cy="1512116"/>
+            </a:xfrm>
+            <a:prstGeom prst="rect">
+              <a:avLst/>
+            </a:prstGeom>
+          </p:spPr>
+        </p:pic>
+        <p:pic>
+          <p:nvPicPr>
+            <p:cNvPr id="7" name="Picture 6">
+              <a:extLst>
+                <a:ext uri="{FF2B5EF4-FFF2-40B4-BE49-F238E27FC236}">
+                  <a16:creationId xmlns:a16="http://schemas.microsoft.com/office/drawing/2014/main" id="{3AF8BD50-A307-B879-657F-1A7ADE6CD6AF}"/>
+                </a:ext>
+              </a:extLst>
+            </p:cNvPr>
+            <p:cNvPicPr>
+              <a:picLocks noChangeAspect="1"/>
+            </p:cNvPicPr>
+            <p:nvPr/>
+          </p:nvPicPr>
+          <p:blipFill rotWithShape="1">
+            <a:blip r:embed="rId4"/>
+            <a:srcRect l="72406"/>
+            <a:stretch/>
+          </p:blipFill>
+          <p:spPr>
+            <a:xfrm>
+              <a:off x="6455878" y="863426"/>
+              <a:ext cx="967216" cy="990600"/>
+            </a:xfrm>
+            <a:prstGeom prst="rect">
+              <a:avLst/>
+            </a:prstGeom>
+          </p:spPr>
+        </p:pic>
+        <p:pic>
+          <p:nvPicPr>
+            <p:cNvPr id="9" name="Picture 8">
+              <a:extLst>
+                <a:ext uri="{FF2B5EF4-FFF2-40B4-BE49-F238E27FC236}">
+                  <a16:creationId xmlns:a16="http://schemas.microsoft.com/office/drawing/2014/main" id="{46E94424-0761-2C92-FC04-4F217F86DE61}"/>
+                </a:ext>
+              </a:extLst>
+            </p:cNvPr>
+            <p:cNvPicPr>
+              <a:picLocks noChangeAspect="1"/>
+            </p:cNvPicPr>
+            <p:nvPr/>
+          </p:nvPicPr>
+          <p:blipFill rotWithShape="1">
+            <a:blip r:embed="rId5"/>
+            <a:srcRect l="66290"/>
+            <a:stretch/>
+          </p:blipFill>
+          <p:spPr>
+            <a:xfrm>
+              <a:off x="6242883" y="1772408"/>
+              <a:ext cx="1181597" cy="990600"/>
+            </a:xfrm>
+            <a:prstGeom prst="rect">
+              <a:avLst/>
+            </a:prstGeom>
+          </p:spPr>
+        </p:pic>
+      </p:grpSp>
+      <p:grpSp>
+        <p:nvGrpSpPr>
+          <p:cNvPr id="11" name="Group 10">
+            <a:extLst>
+              <a:ext uri="{FF2B5EF4-FFF2-40B4-BE49-F238E27FC236}">
+                <a16:creationId xmlns:a16="http://schemas.microsoft.com/office/drawing/2014/main" id="{DCD845D5-CED3-4E40-E5B6-09CE23D884BF}"/>
+              </a:ext>
+            </a:extLst>
+          </p:cNvPr>
+          <p:cNvGrpSpPr/>
+          <p:nvPr/>
+        </p:nvGrpSpPr>
+        <p:grpSpPr>
+          <a:xfrm>
+            <a:off x="6159505" y="771321"/>
+            <a:ext cx="3493698" cy="5315358"/>
+            <a:chOff x="3952430" y="771321"/>
+            <a:chExt cx="3493698" cy="5315358"/>
+          </a:xfrm>
+        </p:grpSpPr>
+        <p:pic>
+          <p:nvPicPr>
+            <p:cNvPr id="12" name="Picture 11">
+              <a:extLst>
+                <a:ext uri="{FF2B5EF4-FFF2-40B4-BE49-F238E27FC236}">
+                  <a16:creationId xmlns:a16="http://schemas.microsoft.com/office/drawing/2014/main" id="{1120F95B-F14A-B168-9D0C-FCF62BF4BB78}"/>
+                </a:ext>
+              </a:extLst>
+            </p:cNvPr>
+            <p:cNvPicPr>
+              <a:picLocks noChangeAspect="1"/>
+            </p:cNvPicPr>
+            <p:nvPr/>
+          </p:nvPicPr>
+          <p:blipFill rotWithShape="1">
+            <a:blip r:embed="rId2"/>
+            <a:srcRect t="22494"/>
+            <a:stretch/>
+          </p:blipFill>
+          <p:spPr>
+            <a:xfrm>
+              <a:off x="3952430" y="771321"/>
+              <a:ext cx="3493698" cy="5315358"/>
+            </a:xfrm>
+            <a:prstGeom prst="rect">
+              <a:avLst/>
+            </a:prstGeom>
+          </p:spPr>
+        </p:pic>
+        <p:pic>
+          <p:nvPicPr>
+            <p:cNvPr id="13" name="Picture 12">
+              <a:extLst>
+                <a:ext uri="{FF2B5EF4-FFF2-40B4-BE49-F238E27FC236}">
+                  <a16:creationId xmlns:a16="http://schemas.microsoft.com/office/drawing/2014/main" id="{03DB8C93-4F44-BEAA-9280-3C8751A024BC}"/>
+                </a:ext>
+              </a:extLst>
+            </p:cNvPr>
+            <p:cNvPicPr>
+              <a:picLocks noChangeAspect="1"/>
+            </p:cNvPicPr>
+            <p:nvPr/>
+          </p:nvPicPr>
+          <p:blipFill>
+            <a:blip r:embed="rId3"/>
+            <a:stretch>
+              <a:fillRect/>
+            </a:stretch>
+          </p:blipFill>
+          <p:spPr>
+            <a:xfrm>
+              <a:off x="4192018" y="955879"/>
+              <a:ext cx="3210814" cy="1512116"/>
+            </a:xfrm>
+            <a:prstGeom prst="rect">
+              <a:avLst/>
+            </a:prstGeom>
+          </p:spPr>
+        </p:pic>
+        <p:pic>
+          <p:nvPicPr>
+            <p:cNvPr id="14" name="Picture 13">
+              <a:extLst>
+                <a:ext uri="{FF2B5EF4-FFF2-40B4-BE49-F238E27FC236}">
+                  <a16:creationId xmlns:a16="http://schemas.microsoft.com/office/drawing/2014/main" id="{A96B4C14-6E82-DD45-4FBE-05E971D4E90A}"/>
+                </a:ext>
+              </a:extLst>
+            </p:cNvPr>
+            <p:cNvPicPr>
+              <a:picLocks noChangeAspect="1"/>
+            </p:cNvPicPr>
+            <p:nvPr/>
+          </p:nvPicPr>
+          <p:blipFill rotWithShape="1">
+            <a:blip r:embed="rId4"/>
+            <a:srcRect l="72406"/>
+            <a:stretch/>
+          </p:blipFill>
+          <p:spPr>
+            <a:xfrm>
+              <a:off x="6455878" y="863426"/>
+              <a:ext cx="967216" cy="990600"/>
+            </a:xfrm>
+            <a:prstGeom prst="rect">
+              <a:avLst/>
+            </a:prstGeom>
+          </p:spPr>
+        </p:pic>
+      </p:grpSp>
     </p:spTree>
     <p:extLst>
       <p:ext uri="{BB962C8B-B14F-4D97-AF65-F5344CB8AC3E}">

--- a/logo.pptx
+++ b/logo.pptx
@@ -273,7 +273,7 @@
           <a:p>
             <a:fld id="{D5E8C49D-3947-054D-A87C-1567D1C262C1}" type="datetimeFigureOut">
               <a:rPr lang="en-VN" smtClean="0"/>
-              <a:t>1/1/24</a:t>
+              <a:t>11/17/24</a:t>
             </a:fld>
             <a:endParaRPr lang="en-VN"/>
           </a:p>
@@ -473,7 +473,7 @@
           <a:p>
             <a:fld id="{D5E8C49D-3947-054D-A87C-1567D1C262C1}" type="datetimeFigureOut">
               <a:rPr lang="en-VN" smtClean="0"/>
-              <a:t>1/1/24</a:t>
+              <a:t>11/17/24</a:t>
             </a:fld>
             <a:endParaRPr lang="en-VN"/>
           </a:p>
@@ -683,7 +683,7 @@
           <a:p>
             <a:fld id="{D5E8C49D-3947-054D-A87C-1567D1C262C1}" type="datetimeFigureOut">
               <a:rPr lang="en-VN" smtClean="0"/>
-              <a:t>1/1/24</a:t>
+              <a:t>11/17/24</a:t>
             </a:fld>
             <a:endParaRPr lang="en-VN"/>
           </a:p>
@@ -883,7 +883,7 @@
           <a:p>
             <a:fld id="{D5E8C49D-3947-054D-A87C-1567D1C262C1}" type="datetimeFigureOut">
               <a:rPr lang="en-VN" smtClean="0"/>
-              <a:t>1/1/24</a:t>
+              <a:t>11/17/24</a:t>
             </a:fld>
             <a:endParaRPr lang="en-VN"/>
           </a:p>
@@ -1159,7 +1159,7 @@
           <a:p>
             <a:fld id="{D5E8C49D-3947-054D-A87C-1567D1C262C1}" type="datetimeFigureOut">
               <a:rPr lang="en-VN" smtClean="0"/>
-              <a:t>1/1/24</a:t>
+              <a:t>11/17/24</a:t>
             </a:fld>
             <a:endParaRPr lang="en-VN"/>
           </a:p>
@@ -1427,7 +1427,7 @@
           <a:p>
             <a:fld id="{D5E8C49D-3947-054D-A87C-1567D1C262C1}" type="datetimeFigureOut">
               <a:rPr lang="en-VN" smtClean="0"/>
-              <a:t>1/1/24</a:t>
+              <a:t>11/17/24</a:t>
             </a:fld>
             <a:endParaRPr lang="en-VN"/>
           </a:p>
@@ -1842,7 +1842,7 @@
           <a:p>
             <a:fld id="{D5E8C49D-3947-054D-A87C-1567D1C262C1}" type="datetimeFigureOut">
               <a:rPr lang="en-VN" smtClean="0"/>
-              <a:t>1/1/24</a:t>
+              <a:t>11/17/24</a:t>
             </a:fld>
             <a:endParaRPr lang="en-VN"/>
           </a:p>
@@ -1984,7 +1984,7 @@
           <a:p>
             <a:fld id="{D5E8C49D-3947-054D-A87C-1567D1C262C1}" type="datetimeFigureOut">
               <a:rPr lang="en-VN" smtClean="0"/>
-              <a:t>1/1/24</a:t>
+              <a:t>11/17/24</a:t>
             </a:fld>
             <a:endParaRPr lang="en-VN"/>
           </a:p>
@@ -2097,7 +2097,7 @@
           <a:p>
             <a:fld id="{D5E8C49D-3947-054D-A87C-1567D1C262C1}" type="datetimeFigureOut">
               <a:rPr lang="en-VN" smtClean="0"/>
-              <a:t>1/1/24</a:t>
+              <a:t>11/17/24</a:t>
             </a:fld>
             <a:endParaRPr lang="en-VN"/>
           </a:p>
@@ -2410,7 +2410,7 @@
           <a:p>
             <a:fld id="{D5E8C49D-3947-054D-A87C-1567D1C262C1}" type="datetimeFigureOut">
               <a:rPr lang="en-VN" smtClean="0"/>
-              <a:t>1/1/24</a:t>
+              <a:t>11/17/24</a:t>
             </a:fld>
             <a:endParaRPr lang="en-VN"/>
           </a:p>
@@ -2699,7 +2699,7 @@
           <a:p>
             <a:fld id="{D5E8C49D-3947-054D-A87C-1567D1C262C1}" type="datetimeFigureOut">
               <a:rPr lang="en-VN" smtClean="0"/>
-              <a:t>1/1/24</a:t>
+              <a:t>11/17/24</a:t>
             </a:fld>
             <a:endParaRPr lang="en-VN"/>
           </a:p>
@@ -2942,7 +2942,7 @@
           <a:p>
             <a:fld id="{D5E8C49D-3947-054D-A87C-1567D1C262C1}" type="datetimeFigureOut">
               <a:rPr lang="en-VN" smtClean="0"/>
-              <a:t>1/1/24</a:t>
+              <a:t>11/17/24</a:t>
             </a:fld>
             <a:endParaRPr lang="en-VN"/>
           </a:p>
@@ -5455,7 +5455,7 @@
         </p:nvGrpSpPr>
         <p:grpSpPr>
           <a:xfrm>
-            <a:off x="4591050" y="2425700"/>
+            <a:off x="831850" y="800100"/>
             <a:ext cx="3009900" cy="2006600"/>
             <a:chOff x="4591050" y="2425700"/>
             <a:chExt cx="3009900" cy="2006600"/>
@@ -5568,7 +5568,7 @@
         </p:blipFill>
         <p:spPr>
           <a:xfrm>
-            <a:off x="6534175" y="2928135"/>
+            <a:off x="2774975" y="1302535"/>
             <a:ext cx="1031496" cy="1040544"/>
           </a:xfrm>
           <a:prstGeom prst="rect">
@@ -5576,6 +5576,141 @@
           </a:prstGeom>
         </p:spPr>
       </p:pic>
+      <p:grpSp>
+        <p:nvGrpSpPr>
+          <p:cNvPr id="14" name="Group 13">
+            <a:extLst>
+              <a:ext uri="{FF2B5EF4-FFF2-40B4-BE49-F238E27FC236}">
+                <a16:creationId xmlns:a16="http://schemas.microsoft.com/office/drawing/2014/main" id="{9D50E4EF-BEB7-9999-8BA6-A3D24E42ABF5}"/>
+              </a:ext>
+            </a:extLst>
+          </p:cNvPr>
+          <p:cNvGrpSpPr/>
+          <p:nvPr/>
+        </p:nvGrpSpPr>
+        <p:grpSpPr>
+          <a:xfrm>
+            <a:off x="5933892" y="3049154"/>
+            <a:ext cx="2006603" cy="2006600"/>
+            <a:chOff x="5933892" y="3049154"/>
+            <a:chExt cx="2006603" cy="2006600"/>
+          </a:xfrm>
+        </p:grpSpPr>
+        <p:pic>
+          <p:nvPicPr>
+            <p:cNvPr id="10" name="Picture 9">
+              <a:extLst>
+                <a:ext uri="{FF2B5EF4-FFF2-40B4-BE49-F238E27FC236}">
+                  <a16:creationId xmlns:a16="http://schemas.microsoft.com/office/drawing/2014/main" id="{CFB1C684-D3E7-5042-E008-5AA0C4A219D4}"/>
+                </a:ext>
+              </a:extLst>
+            </p:cNvPr>
+            <p:cNvPicPr>
+              <a:picLocks noChangeAspect="1"/>
+            </p:cNvPicPr>
+            <p:nvPr/>
+          </p:nvPicPr>
+          <p:blipFill>
+            <a:blip r:embed="rId2"/>
+            <a:stretch>
+              <a:fillRect/>
+            </a:stretch>
+          </p:blipFill>
+          <p:spPr>
+            <a:xfrm>
+              <a:off x="5933892" y="3049154"/>
+              <a:ext cx="2006602" cy="2006600"/>
+            </a:xfrm>
+            <a:prstGeom prst="rect">
+              <a:avLst/>
+            </a:prstGeom>
+          </p:spPr>
+        </p:pic>
+        <p:sp>
+          <p:nvSpPr>
+            <p:cNvPr id="11" name="Rectangle 10">
+              <a:extLst>
+                <a:ext uri="{FF2B5EF4-FFF2-40B4-BE49-F238E27FC236}">
+                  <a16:creationId xmlns:a16="http://schemas.microsoft.com/office/drawing/2014/main" id="{E2A2C1A8-65A1-AE7D-F600-0ADB837F6FF9}"/>
+                </a:ext>
+              </a:extLst>
+            </p:cNvPr>
+            <p:cNvSpPr/>
+            <p:nvPr/>
+          </p:nvSpPr>
+          <p:spPr>
+            <a:xfrm>
+              <a:off x="7024171" y="3049154"/>
+              <a:ext cx="916324" cy="2006600"/>
+            </a:xfrm>
+            <a:prstGeom prst="rect">
+              <a:avLst/>
+            </a:prstGeom>
+            <a:solidFill>
+              <a:schemeClr val="bg1">
+                <a:lumMod val="85000"/>
+              </a:schemeClr>
+            </a:solidFill>
+            <a:ln>
+              <a:noFill/>
+            </a:ln>
+          </p:spPr>
+          <p:style>
+            <a:lnRef idx="2">
+              <a:schemeClr val="accent1">
+                <a:shade val="15000"/>
+              </a:schemeClr>
+            </a:lnRef>
+            <a:fillRef idx="1">
+              <a:schemeClr val="accent1"/>
+            </a:fillRef>
+            <a:effectRef idx="0">
+              <a:schemeClr val="accent1"/>
+            </a:effectRef>
+            <a:fontRef idx="minor">
+              <a:schemeClr val="lt1"/>
+            </a:fontRef>
+          </p:style>
+          <p:txBody>
+            <a:bodyPr rtlCol="0" anchor="ctr"/>
+            <a:lstStyle/>
+            <a:p>
+              <a:pPr algn="ctr"/>
+              <a:endParaRPr lang="en-US"/>
+            </a:p>
+          </p:txBody>
+        </p:sp>
+        <p:pic>
+          <p:nvPicPr>
+            <p:cNvPr id="12" name="Picture 11">
+              <a:extLst>
+                <a:ext uri="{FF2B5EF4-FFF2-40B4-BE49-F238E27FC236}">
+                  <a16:creationId xmlns:a16="http://schemas.microsoft.com/office/drawing/2014/main" id="{05C59373-522C-3A70-71ED-A4E6E7784B54}"/>
+                </a:ext>
+              </a:extLst>
+            </p:cNvPr>
+            <p:cNvPicPr>
+              <a:picLocks noChangeAspect="1"/>
+            </p:cNvPicPr>
+            <p:nvPr/>
+          </p:nvPicPr>
+          <p:blipFill>
+            <a:blip r:embed="rId3"/>
+            <a:stretch>
+              <a:fillRect/>
+            </a:stretch>
+          </p:blipFill>
+          <p:spPr>
+            <a:xfrm>
+              <a:off x="7024170" y="3602183"/>
+              <a:ext cx="916324" cy="924362"/>
+            </a:xfrm>
+            <a:prstGeom prst="rect">
+              <a:avLst/>
+            </a:prstGeom>
+          </p:spPr>
+        </p:pic>
+      </p:grpSp>
     </p:spTree>
     <p:extLst>
       <p:ext uri="{BB962C8B-B14F-4D97-AF65-F5344CB8AC3E}">
@@ -5962,10 +6097,10 @@
       </p:grpSpPr>
       <p:grpSp>
         <p:nvGrpSpPr>
-          <p:cNvPr id="3" name="Group 2">
-            <a:extLst>
-              <a:ext uri="{FF2B5EF4-FFF2-40B4-BE49-F238E27FC236}">
-                <a16:creationId xmlns:a16="http://schemas.microsoft.com/office/drawing/2014/main" id="{0BF56E4A-0932-0412-2FF3-FD5BB5BCC1E1}"/>
+          <p:cNvPr id="6" name="Group 5">
+            <a:extLst>
+              <a:ext uri="{FF2B5EF4-FFF2-40B4-BE49-F238E27FC236}">
+                <a16:creationId xmlns:a16="http://schemas.microsoft.com/office/drawing/2014/main" id="{D6E42557-79A2-860A-4FAD-12DA5D575137}"/>
               </a:ext>
             </a:extLst>
           </p:cNvPr>
@@ -5974,10 +6109,10 @@
         </p:nvGrpSpPr>
         <p:grpSpPr>
           <a:xfrm>
-            <a:off x="1643866" y="872052"/>
-            <a:ext cx="8312106" cy="5113895"/>
-            <a:chOff x="1643866" y="872052"/>
-            <a:chExt cx="8312106" cy="5113895"/>
+            <a:off x="2096655" y="1034473"/>
+            <a:ext cx="5310906" cy="4951474"/>
+            <a:chOff x="2096655" y="1034473"/>
+            <a:chExt cx="5310906" cy="4951474"/>
           </a:xfrm>
         </p:grpSpPr>
         <p:pic>
@@ -5994,7 +6129,7 @@
             </p:cNvPicPr>
             <p:nvPr/>
           </p:nvPicPr>
-          <p:blipFill>
+          <p:blipFill rotWithShape="1">
             <a:blip r:embed="rId2">
               <a:extLst>
                 <a:ext uri="{28A0092B-C50C-407E-A947-70E740481C1C}">
@@ -6002,15 +6137,13 @@
                 </a:ext>
               </a:extLst>
             </a:blip>
-            <a:srcRect/>
-            <a:stretch>
-              <a:fillRect/>
-            </a:stretch>
+            <a:srcRect l="5896" t="3176" r="29624"/>
+            <a:stretch/>
           </p:blipFill>
           <p:spPr bwMode="auto">
             <a:xfrm>
-              <a:off x="1643866" y="872052"/>
-              <a:ext cx="7679130" cy="5113895"/>
+              <a:off x="2096655" y="1034473"/>
+              <a:ext cx="4951474" cy="4951474"/>
             </a:xfrm>
             <a:prstGeom prst="rect">
               <a:avLst/>
@@ -6041,8 +6174,8 @@
           </p:nvSpPr>
           <p:spPr>
             <a:xfrm>
-              <a:off x="6499547" y="872052"/>
-              <a:ext cx="2823450" cy="5113894"/>
+              <a:off x="5151038" y="1034473"/>
+              <a:ext cx="1906328" cy="4951474"/>
             </a:xfrm>
             <a:prstGeom prst="rect">
               <a:avLst/>
@@ -6119,8 +6252,8 @@
           </p:blipFill>
           <p:spPr bwMode="auto">
             <a:xfrm>
-              <a:off x="5866572" y="1142999"/>
-              <a:ext cx="4089400" cy="4572000"/>
+              <a:off x="4758580" y="1948203"/>
+              <a:ext cx="2648981" cy="2961594"/>
             </a:xfrm>
             <a:prstGeom prst="rect">
               <a:avLst/>
